--- a/03_ClusteringTheory/03_ClusteringTheory.pptx
+++ b/03_ClusteringTheory/03_ClusteringTheory.pptx
@@ -5,35 +5,36 @@
     <p:sldMasterId id="2147483664" r:id="rId1"/>
   </p:sldMasterIdLst>
   <p:notesMasterIdLst>
-    <p:notesMasterId r:id="rId25"/>
+    <p:notesMasterId r:id="rId26"/>
   </p:notesMasterIdLst>
   <p:handoutMasterIdLst>
-    <p:handoutMasterId r:id="rId26"/>
+    <p:handoutMasterId r:id="rId27"/>
   </p:handoutMasterIdLst>
   <p:sldIdLst>
     <p:sldId id="264" r:id="rId2"/>
     <p:sldId id="319" r:id="rId3"/>
-    <p:sldId id="344" r:id="rId4"/>
-    <p:sldId id="316" r:id="rId5"/>
-    <p:sldId id="317" r:id="rId6"/>
-    <p:sldId id="345" r:id="rId7"/>
-    <p:sldId id="346" r:id="rId8"/>
-    <p:sldId id="347" r:id="rId9"/>
-    <p:sldId id="348" r:id="rId10"/>
-    <p:sldId id="349" r:id="rId11"/>
-    <p:sldId id="350" r:id="rId12"/>
-    <p:sldId id="359" r:id="rId13"/>
-    <p:sldId id="351" r:id="rId14"/>
-    <p:sldId id="352" r:id="rId15"/>
-    <p:sldId id="353" r:id="rId16"/>
-    <p:sldId id="356" r:id="rId17"/>
-    <p:sldId id="357" r:id="rId18"/>
-    <p:sldId id="358" r:id="rId19"/>
-    <p:sldId id="354" r:id="rId20"/>
-    <p:sldId id="360" r:id="rId21"/>
-    <p:sldId id="366" r:id="rId22"/>
-    <p:sldId id="367" r:id="rId23"/>
-    <p:sldId id="260" r:id="rId24"/>
+    <p:sldId id="368" r:id="rId4"/>
+    <p:sldId id="344" r:id="rId5"/>
+    <p:sldId id="316" r:id="rId6"/>
+    <p:sldId id="317" r:id="rId7"/>
+    <p:sldId id="345" r:id="rId8"/>
+    <p:sldId id="346" r:id="rId9"/>
+    <p:sldId id="347" r:id="rId10"/>
+    <p:sldId id="348" r:id="rId11"/>
+    <p:sldId id="349" r:id="rId12"/>
+    <p:sldId id="350" r:id="rId13"/>
+    <p:sldId id="359" r:id="rId14"/>
+    <p:sldId id="351" r:id="rId15"/>
+    <p:sldId id="352" r:id="rId16"/>
+    <p:sldId id="353" r:id="rId17"/>
+    <p:sldId id="356" r:id="rId18"/>
+    <p:sldId id="357" r:id="rId19"/>
+    <p:sldId id="358" r:id="rId20"/>
+    <p:sldId id="354" r:id="rId21"/>
+    <p:sldId id="360" r:id="rId22"/>
+    <p:sldId id="366" r:id="rId23"/>
+    <p:sldId id="367" r:id="rId24"/>
+    <p:sldId id="260" r:id="rId25"/>
   </p:sldIdLst>
   <p:sldSz cx="9906000" cy="6858000" type="A4"/>
   <p:notesSz cx="6807200" cy="9939338"/>
@@ -233,7 +234,7 @@
           <a:p>
             <a:fld id="{05BF5AB9-3463-4E65-AFD3-5431B79ADFDC}" type="datetimeFigureOut">
               <a:rPr lang="zh-TW" altLang="en-US" smtClean="0"/>
-              <a:t>2020/5/3</a:t>
+              <a:t>2020/6/7</a:t>
             </a:fld>
             <a:endParaRPr lang="zh-TW" altLang="en-US"/>
           </a:p>
@@ -398,7 +399,7 @@
           <a:p>
             <a:fld id="{838FF680-7B6B-4655-B6A1-33A8AD0AE8B4}" type="datetimeFigureOut">
               <a:rPr lang="zh-TW" altLang="en-US" smtClean="0"/>
-              <a:t>2020/5/3</a:t>
+              <a:t>2020/6/7</a:t>
             </a:fld>
             <a:endParaRPr lang="zh-TW" altLang="en-US"/>
           </a:p>
@@ -3033,7 +3034,7 @@
   <p:clrMapOvr>
     <a:masterClrMapping/>
   </p:clrMapOvr>
-  <p:extLst mod="1">
+  <p:extLst>
     <p:ext uri="{DCECCB84-F9BA-43D5-87BE-67443E8EF086}">
       <p15:sldGuideLst xmlns:p15="http://schemas.microsoft.com/office/powerpoint/2012/main">
         <p15:guide id="1" orient="horz" pos="2160">
@@ -5292,10 +5293,206 @@
       </p:grpSpPr>
       <p:sp>
         <p:nvSpPr>
+          <p:cNvPr id="2" name="內容版面配置區 1">
+            <a:extLst>
+              <a:ext uri="{FF2B5EF4-FFF2-40B4-BE49-F238E27FC236}">
+                <a16:creationId xmlns:a16="http://schemas.microsoft.com/office/drawing/2014/main" id="{C3796DC3-5694-44EC-8DD7-4FBA449AB52C}"/>
+              </a:ext>
+            </a:extLst>
+          </p:cNvPr>
+          <p:cNvSpPr>
+            <a:spLocks noGrp="1"/>
+          </p:cNvSpPr>
+          <p:nvPr>
+            <p:ph idx="1"/>
+          </p:nvPr>
+        </p:nvSpPr>
+        <p:spPr/>
+        <p:txBody>
+          <a:bodyPr>
+            <a:normAutofit lnSpcReduction="10000"/>
+          </a:bodyPr>
+          <a:lstStyle/>
+          <a:p>
+            <a:r>
+              <a:rPr lang="en-US" altLang="zh-TW" dirty="0"/>
+              <a:t>Parameters</a:t>
+            </a:r>
+          </a:p>
+          <a:p>
+            <a:pPr lvl="1"/>
+            <a:r>
+              <a:rPr lang="en-US" altLang="zh-TW" dirty="0" err="1"/>
+              <a:t>n_cluster</a:t>
+            </a:r>
+            <a:r>
+              <a:rPr lang="en-US" altLang="zh-TW" dirty="0"/>
+              <a:t>: </a:t>
+            </a:r>
+            <a:r>
+              <a:rPr lang="zh-TW" altLang="en-US" dirty="0"/>
+              <a:t>要分成幾個群</a:t>
+            </a:r>
+          </a:p>
+          <a:p>
+            <a:pPr lvl="1"/>
+            <a:r>
+              <a:rPr lang="en-US" altLang="zh-TW" dirty="0" err="1"/>
+              <a:t>random_state</a:t>
+            </a:r>
+            <a:r>
+              <a:rPr lang="en-US" altLang="zh-TW" dirty="0"/>
+              <a:t>: </a:t>
+            </a:r>
+            <a:r>
+              <a:rPr lang="zh-TW" altLang="en-US" dirty="0"/>
+              <a:t>決定初始點的隨機</a:t>
+            </a:r>
+            <a:r>
+              <a:rPr lang="en-US" altLang="zh-TW" dirty="0"/>
+              <a:t>seed</a:t>
+            </a:r>
+          </a:p>
+          <a:p>
+            <a:r>
+              <a:rPr lang="en-US" altLang="zh-TW" dirty="0"/>
+              <a:t>Pros &amp; Cons</a:t>
+            </a:r>
+          </a:p>
+          <a:p>
+            <a:pPr lvl="1"/>
+            <a:r>
+              <a:rPr lang="zh-TW" altLang="en-US" dirty="0"/>
+              <a:t>優點</a:t>
+            </a:r>
+          </a:p>
+          <a:p>
+            <a:pPr lvl="2"/>
+            <a:r>
+              <a:rPr lang="zh-TW" altLang="en-US" dirty="0"/>
+              <a:t>效率</a:t>
+            </a:r>
+            <a:r>
+              <a:rPr lang="en-US" altLang="zh-TW" dirty="0"/>
+              <a:t>: </a:t>
+            </a:r>
+            <a:r>
+              <a:rPr lang="zh-TW" altLang="en-US" dirty="0"/>
+              <a:t>時間複雜度</a:t>
+            </a:r>
+            <a:r>
+              <a:rPr lang="en-US" altLang="zh-TW" dirty="0"/>
+              <a:t>O(</a:t>
+            </a:r>
+            <a:r>
+              <a:rPr lang="en-US" altLang="zh-TW" dirty="0" err="1"/>
+              <a:t>tkn</a:t>
+            </a:r>
+            <a:r>
+              <a:rPr lang="en-US" altLang="zh-TW" dirty="0"/>
+              <a:t>)</a:t>
+            </a:r>
+            <a:r>
+              <a:rPr lang="zh-TW" altLang="en-US" dirty="0"/>
+              <a:t>。</a:t>
+            </a:r>
+            <a:r>
+              <a:rPr lang="en-US" altLang="zh-TW" dirty="0"/>
+              <a:t>n</a:t>
+            </a:r>
+            <a:r>
+              <a:rPr lang="zh-TW" altLang="en-US" dirty="0"/>
+              <a:t>是資料點的個數，</a:t>
+            </a:r>
+            <a:r>
+              <a:rPr lang="en-US" altLang="zh-TW" dirty="0"/>
+              <a:t>k</a:t>
+            </a:r>
+            <a:r>
+              <a:rPr lang="zh-TW" altLang="en-US" dirty="0"/>
+              <a:t>是群的個數，</a:t>
+            </a:r>
+            <a:r>
+              <a:rPr lang="en-US" altLang="zh-TW" dirty="0"/>
+              <a:t>t</a:t>
+            </a:r>
+            <a:r>
+              <a:rPr lang="zh-TW" altLang="en-US" dirty="0"/>
+              <a:t>是迴圈的個數，一班來說</a:t>
+            </a:r>
+            <a:r>
+              <a:rPr lang="en-US" altLang="zh-TW" dirty="0"/>
+              <a:t>: k, t &lt;&lt; n</a:t>
+            </a:r>
+            <a:r>
+              <a:rPr lang="zh-TW" altLang="en-US" dirty="0"/>
+              <a:t>。</a:t>
+            </a:r>
+          </a:p>
+          <a:p>
+            <a:pPr lvl="1"/>
+            <a:r>
+              <a:rPr lang="zh-TW" altLang="en-US" dirty="0"/>
+              <a:t>缺點</a:t>
+            </a:r>
+          </a:p>
+          <a:p>
+            <a:pPr lvl="2"/>
+            <a:r>
+              <a:rPr lang="zh-TW" altLang="en-US" dirty="0"/>
+              <a:t>需要指定分成幾群</a:t>
+            </a:r>
+          </a:p>
+          <a:p>
+            <a:pPr lvl="2"/>
+            <a:r>
+              <a:rPr lang="zh-TW" altLang="en-US" dirty="0"/>
+              <a:t>無法處理具有雜訊</a:t>
+            </a:r>
+            <a:r>
+              <a:rPr lang="en-US" altLang="zh-TW" dirty="0"/>
+              <a:t>(noisy)</a:t>
+            </a:r>
+            <a:r>
+              <a:rPr lang="zh-TW" altLang="en-US" dirty="0"/>
+              <a:t>的資料及離群值</a:t>
+            </a:r>
+            <a:r>
+              <a:rPr lang="en-US" altLang="zh-TW" dirty="0"/>
+              <a:t>(outliers)</a:t>
+            </a:r>
+          </a:p>
+          <a:p>
+            <a:pPr lvl="2"/>
+            <a:r>
+              <a:rPr lang="zh-TW" altLang="en-US" dirty="0"/>
+              <a:t>無法處理不同大小及不同密度的群</a:t>
+            </a:r>
+            <a:endParaRPr lang="en-US" altLang="zh-TW" dirty="0"/>
+          </a:p>
+          <a:p>
+            <a:pPr lvl="2"/>
+            <a:r>
+              <a:rPr lang="zh-TW" altLang="en-US" dirty="0"/>
+              <a:t>無法發現凸多邊形</a:t>
+            </a:r>
+            <a:r>
+              <a:rPr lang="en-US" altLang="zh-TW" dirty="0"/>
+              <a:t>(non-convex)</a:t>
+            </a:r>
+            <a:r>
+              <a:rPr lang="zh-TW" altLang="en-US" dirty="0"/>
+              <a:t>以外的群</a:t>
+            </a:r>
+          </a:p>
+        </p:txBody>
+      </p:sp>
+      <p:sp>
+        <p:nvSpPr>
           <p:cNvPr id="3" name="投影片編號版面配置區 2">
             <a:extLst>
               <a:ext uri="{FF2B5EF4-FFF2-40B4-BE49-F238E27FC236}">
-                <a16:creationId xmlns:a16="http://schemas.microsoft.com/office/drawing/2014/main" id="{167215AF-BD77-4DAD-BC10-19595D549659}"/>
+                <a16:creationId xmlns:a16="http://schemas.microsoft.com/office/drawing/2014/main" id="{F16A4F9E-54FE-481A-96BF-E7F33A07A2A6}"/>
               </a:ext>
             </a:extLst>
           </p:cNvPr>
@@ -5315,6 +5512,470 @@
               <a:rPr lang="zh-TW" altLang="en-US" smtClean="0"/>
               <a:pPr/>
               <a:t>9</a:t>
+            </a:fld>
+            <a:endParaRPr lang="zh-TW" altLang="en-US"/>
+          </a:p>
+        </p:txBody>
+      </p:sp>
+      <p:sp>
+        <p:nvSpPr>
+          <p:cNvPr id="4" name="標題 3">
+            <a:extLst>
+              <a:ext uri="{FF2B5EF4-FFF2-40B4-BE49-F238E27FC236}">
+                <a16:creationId xmlns:a16="http://schemas.microsoft.com/office/drawing/2014/main" id="{157C233E-7EF8-48BF-9165-83C64CE9C9EC}"/>
+              </a:ext>
+            </a:extLst>
+          </p:cNvPr>
+          <p:cNvSpPr>
+            <a:spLocks noGrp="1"/>
+          </p:cNvSpPr>
+          <p:nvPr>
+            <p:ph type="title"/>
+          </p:nvPr>
+        </p:nvSpPr>
+        <p:spPr/>
+        <p:txBody>
+          <a:bodyPr/>
+          <a:lstStyle/>
+          <a:p>
+            <a:r>
+              <a:rPr lang="en-US" altLang="zh-TW" dirty="0"/>
+              <a:t>Algorithms - </a:t>
+            </a:r>
+            <a:r>
+              <a:rPr lang="en-US" altLang="zh-TW" dirty="0" err="1"/>
+              <a:t>Kmeans</a:t>
+            </a:r>
+            <a:endParaRPr lang="zh-TW" altLang="en-US" dirty="0"/>
+          </a:p>
+        </p:txBody>
+      </p:sp>
+      <p:sp>
+        <p:nvSpPr>
+          <p:cNvPr id="5" name="內容版面配置區 1">
+            <a:extLst>
+              <a:ext uri="{FF2B5EF4-FFF2-40B4-BE49-F238E27FC236}">
+                <a16:creationId xmlns:a16="http://schemas.microsoft.com/office/drawing/2014/main" id="{9008070C-7A33-4A90-B6F8-ACA1530577A6}"/>
+              </a:ext>
+            </a:extLst>
+          </p:cNvPr>
+          <p:cNvSpPr txBox="1">
+            <a:spLocks/>
+          </p:cNvSpPr>
+          <p:nvPr/>
+        </p:nvSpPr>
+        <p:spPr bwMode="ltGray">
+          <a:xfrm>
+            <a:off x="272480" y="762000"/>
+            <a:ext cx="9361040" cy="5616624"/>
+          </a:xfrm>
+          <a:prstGeom prst="rect">
+            <a:avLst/>
+          </a:prstGeom>
+        </p:spPr>
+        <p:txBody>
+          <a:bodyPr vert="horz" lIns="91440" tIns="45720" rIns="91440" bIns="45720" rtlCol="0">
+            <a:normAutofit lnSpcReduction="10000"/>
+          </a:bodyPr>
+          <a:lstStyle>
+            <a:lvl1pPr marL="342900" indent="-342900" algn="l" defTabSz="914400" rtl="0" eaLnBrk="1" latinLnBrk="0" hangingPunct="1">
+              <a:lnSpc>
+                <a:spcPct val="100000"/>
+              </a:lnSpc>
+              <a:spcBef>
+                <a:spcPts val="600"/>
+              </a:spcBef>
+              <a:spcAft>
+                <a:spcPts val="600"/>
+              </a:spcAft>
+              <a:buClr>
+                <a:schemeClr val="accent1"/>
+              </a:buClr>
+              <a:buFont typeface="Arial" pitchFamily="34" charset="0"/>
+              <a:buChar char="•"/>
+              <a:defRPr sz="2800" b="1" kern="1200">
+                <a:solidFill>
+                  <a:srgbClr val="393939"/>
+                </a:solidFill>
+                <a:latin typeface="微軟正黑體" pitchFamily="34" charset="-120"/>
+                <a:ea typeface="微軟正黑體" pitchFamily="34" charset="-120"/>
+                <a:cs typeface="+mn-cs"/>
+              </a:defRPr>
+            </a:lvl1pPr>
+            <a:lvl2pPr marL="714375" indent="-352425" algn="l" defTabSz="914400" rtl="0" eaLnBrk="1" latinLnBrk="0" hangingPunct="1">
+              <a:lnSpc>
+                <a:spcPct val="100000"/>
+              </a:lnSpc>
+              <a:spcBef>
+                <a:spcPts val="600"/>
+              </a:spcBef>
+              <a:spcAft>
+                <a:spcPts val="600"/>
+              </a:spcAft>
+              <a:buClr>
+                <a:schemeClr val="accent2"/>
+              </a:buClr>
+              <a:buFont typeface="Arial" pitchFamily="34" charset="0"/>
+              <a:buChar char="–"/>
+              <a:defRPr sz="2400" b="1" kern="1200">
+                <a:solidFill>
+                  <a:srgbClr val="393939"/>
+                </a:solidFill>
+                <a:latin typeface="微軟正黑體" pitchFamily="34" charset="-120"/>
+                <a:ea typeface="微軟正黑體" pitchFamily="34" charset="-120"/>
+                <a:cs typeface="+mn-cs"/>
+              </a:defRPr>
+            </a:lvl2pPr>
+            <a:lvl3pPr marL="1076325" indent="-266700" algn="l" defTabSz="914400" rtl="0" eaLnBrk="1" latinLnBrk="0" hangingPunct="1">
+              <a:lnSpc>
+                <a:spcPct val="100000"/>
+              </a:lnSpc>
+              <a:spcBef>
+                <a:spcPts val="600"/>
+              </a:spcBef>
+              <a:spcAft>
+                <a:spcPts val="600"/>
+              </a:spcAft>
+              <a:buClr>
+                <a:schemeClr val="accent3"/>
+              </a:buClr>
+              <a:buFont typeface="Arial" pitchFamily="34" charset="0"/>
+              <a:buChar char="•"/>
+              <a:defRPr sz="2000" kern="1200">
+                <a:solidFill>
+                  <a:srgbClr val="393939"/>
+                </a:solidFill>
+                <a:latin typeface="微軟正黑體" pitchFamily="34" charset="-120"/>
+                <a:ea typeface="微軟正黑體" pitchFamily="34" charset="-120"/>
+                <a:cs typeface="+mn-cs"/>
+              </a:defRPr>
+            </a:lvl3pPr>
+            <a:lvl4pPr marL="1343025" indent="-180975" algn="l" defTabSz="914400" rtl="0" eaLnBrk="1" latinLnBrk="0" hangingPunct="1">
+              <a:lnSpc>
+                <a:spcPct val="100000"/>
+              </a:lnSpc>
+              <a:spcBef>
+                <a:spcPts val="600"/>
+              </a:spcBef>
+              <a:spcAft>
+                <a:spcPts val="600"/>
+              </a:spcAft>
+              <a:buClr>
+                <a:schemeClr val="accent4"/>
+              </a:buClr>
+              <a:buFont typeface="Arial" pitchFamily="34" charset="0"/>
+              <a:buChar char="–"/>
+              <a:defRPr sz="1800" kern="1200">
+                <a:solidFill>
+                  <a:srgbClr val="393939"/>
+                </a:solidFill>
+                <a:latin typeface="微軟正黑體" pitchFamily="34" charset="-120"/>
+                <a:ea typeface="微軟正黑體" pitchFamily="34" charset="-120"/>
+                <a:cs typeface="+mn-cs"/>
+              </a:defRPr>
+            </a:lvl4pPr>
+            <a:lvl5pPr marL="1619250" indent="-276225" algn="l" defTabSz="914400" rtl="0" eaLnBrk="1" latinLnBrk="0" hangingPunct="1">
+              <a:lnSpc>
+                <a:spcPct val="100000"/>
+              </a:lnSpc>
+              <a:spcBef>
+                <a:spcPts val="600"/>
+              </a:spcBef>
+              <a:spcAft>
+                <a:spcPts val="600"/>
+              </a:spcAft>
+              <a:buClr>
+                <a:schemeClr val="accent5"/>
+              </a:buClr>
+              <a:buFont typeface="Arial" pitchFamily="34" charset="0"/>
+              <a:buChar char="»"/>
+              <a:tabLst>
+                <a:tab pos="7981950" algn="l"/>
+              </a:tabLst>
+              <a:defRPr sz="1800" kern="1200">
+                <a:solidFill>
+                  <a:srgbClr val="393939"/>
+                </a:solidFill>
+                <a:latin typeface="微軟正黑體" pitchFamily="34" charset="-120"/>
+                <a:ea typeface="微軟正黑體" pitchFamily="34" charset="-120"/>
+                <a:cs typeface="+mn-cs"/>
+              </a:defRPr>
+            </a:lvl5pPr>
+            <a:lvl6pPr marL="2514600" indent="-228600" algn="l" defTabSz="914400" rtl="0" eaLnBrk="1" latinLnBrk="0" hangingPunct="1">
+              <a:spcBef>
+                <a:spcPct val="20000"/>
+              </a:spcBef>
+              <a:buFont typeface="Arial" pitchFamily="34" charset="0"/>
+              <a:buChar char="•"/>
+              <a:defRPr sz="2000" kern="1200">
+                <a:solidFill>
+                  <a:schemeClr val="tx1"/>
+                </a:solidFill>
+                <a:latin typeface="+mn-lt"/>
+                <a:ea typeface="+mn-ea"/>
+                <a:cs typeface="+mn-cs"/>
+              </a:defRPr>
+            </a:lvl6pPr>
+            <a:lvl7pPr marL="2971800" indent="-228600" algn="l" defTabSz="914400" rtl="0" eaLnBrk="1" latinLnBrk="0" hangingPunct="1">
+              <a:spcBef>
+                <a:spcPct val="20000"/>
+              </a:spcBef>
+              <a:buFont typeface="Arial" pitchFamily="34" charset="0"/>
+              <a:buChar char="•"/>
+              <a:defRPr sz="2000" kern="1200">
+                <a:solidFill>
+                  <a:schemeClr val="tx1"/>
+                </a:solidFill>
+                <a:latin typeface="+mn-lt"/>
+                <a:ea typeface="+mn-ea"/>
+                <a:cs typeface="+mn-cs"/>
+              </a:defRPr>
+            </a:lvl7pPr>
+            <a:lvl8pPr marL="3429000" indent="-228600" algn="l" defTabSz="914400" rtl="0" eaLnBrk="1" latinLnBrk="0" hangingPunct="1">
+              <a:spcBef>
+                <a:spcPct val="20000"/>
+              </a:spcBef>
+              <a:buFont typeface="Arial" pitchFamily="34" charset="0"/>
+              <a:buChar char="•"/>
+              <a:defRPr sz="2000" kern="1200">
+                <a:solidFill>
+                  <a:schemeClr val="tx1"/>
+                </a:solidFill>
+                <a:latin typeface="+mn-lt"/>
+                <a:ea typeface="+mn-ea"/>
+                <a:cs typeface="+mn-cs"/>
+              </a:defRPr>
+            </a:lvl8pPr>
+            <a:lvl9pPr marL="3886200" indent="-228600" algn="l" defTabSz="914400" rtl="0" eaLnBrk="1" latinLnBrk="0" hangingPunct="1">
+              <a:spcBef>
+                <a:spcPct val="20000"/>
+              </a:spcBef>
+              <a:buFont typeface="Arial" pitchFamily="34" charset="0"/>
+              <a:buChar char="•"/>
+              <a:defRPr sz="2000" kern="1200">
+                <a:solidFill>
+                  <a:schemeClr val="tx1"/>
+                </a:solidFill>
+                <a:latin typeface="+mn-lt"/>
+                <a:ea typeface="+mn-ea"/>
+                <a:cs typeface="+mn-cs"/>
+              </a:defRPr>
+            </a:lvl9pPr>
+          </a:lstStyle>
+          <a:p>
+            <a:r>
+              <a:rPr lang="en-US" altLang="zh-TW"/>
+              <a:t>Parameters</a:t>
+            </a:r>
+          </a:p>
+          <a:p>
+            <a:pPr lvl="1"/>
+            <a:r>
+              <a:rPr lang="en-US" altLang="zh-TW"/>
+              <a:t>n_cluster: </a:t>
+            </a:r>
+            <a:r>
+              <a:rPr lang="zh-TW" altLang="en-US"/>
+              <a:t>要分成幾個群</a:t>
+            </a:r>
+          </a:p>
+          <a:p>
+            <a:pPr lvl="1"/>
+            <a:r>
+              <a:rPr lang="en-US" altLang="zh-TW"/>
+              <a:t>random_state: </a:t>
+            </a:r>
+            <a:r>
+              <a:rPr lang="zh-TW" altLang="en-US"/>
+              <a:t>決定初始點的隨機</a:t>
+            </a:r>
+            <a:r>
+              <a:rPr lang="en-US" altLang="zh-TW"/>
+              <a:t>seed</a:t>
+            </a:r>
+          </a:p>
+          <a:p>
+            <a:r>
+              <a:rPr lang="en-US" altLang="zh-TW"/>
+              <a:t>Pros &amp; Cons</a:t>
+            </a:r>
+          </a:p>
+          <a:p>
+            <a:pPr lvl="1"/>
+            <a:r>
+              <a:rPr lang="zh-TW" altLang="en-US"/>
+              <a:t>優點</a:t>
+            </a:r>
+          </a:p>
+          <a:p>
+            <a:pPr lvl="2"/>
+            <a:r>
+              <a:rPr lang="zh-TW" altLang="en-US"/>
+              <a:t>效率</a:t>
+            </a:r>
+            <a:r>
+              <a:rPr lang="en-US" altLang="zh-TW"/>
+              <a:t>: </a:t>
+            </a:r>
+            <a:r>
+              <a:rPr lang="zh-TW" altLang="en-US"/>
+              <a:t>時間複雜度</a:t>
+            </a:r>
+            <a:r>
+              <a:rPr lang="en-US" altLang="zh-TW"/>
+              <a:t>O(tkn)</a:t>
+            </a:r>
+            <a:r>
+              <a:rPr lang="zh-TW" altLang="en-US"/>
+              <a:t>。</a:t>
+            </a:r>
+            <a:r>
+              <a:rPr lang="en-US" altLang="zh-TW"/>
+              <a:t>n</a:t>
+            </a:r>
+            <a:r>
+              <a:rPr lang="zh-TW" altLang="en-US"/>
+              <a:t>是資料點的個數，</a:t>
+            </a:r>
+            <a:r>
+              <a:rPr lang="en-US" altLang="zh-TW"/>
+              <a:t>k</a:t>
+            </a:r>
+            <a:r>
+              <a:rPr lang="zh-TW" altLang="en-US"/>
+              <a:t>是群的個數，</a:t>
+            </a:r>
+            <a:r>
+              <a:rPr lang="en-US" altLang="zh-TW"/>
+              <a:t>t</a:t>
+            </a:r>
+            <a:r>
+              <a:rPr lang="zh-TW" altLang="en-US"/>
+              <a:t>是迴圈的個數，一班來說</a:t>
+            </a:r>
+            <a:r>
+              <a:rPr lang="en-US" altLang="zh-TW"/>
+              <a:t>: k, t &lt;&lt; n</a:t>
+            </a:r>
+            <a:r>
+              <a:rPr lang="zh-TW" altLang="en-US"/>
+              <a:t>。</a:t>
+            </a:r>
+          </a:p>
+          <a:p>
+            <a:pPr lvl="1"/>
+            <a:r>
+              <a:rPr lang="zh-TW" altLang="en-US"/>
+              <a:t>缺點</a:t>
+            </a:r>
+          </a:p>
+          <a:p>
+            <a:pPr lvl="2"/>
+            <a:r>
+              <a:rPr lang="zh-TW" altLang="en-US"/>
+              <a:t>需要指定分成幾群</a:t>
+            </a:r>
+          </a:p>
+          <a:p>
+            <a:pPr lvl="2"/>
+            <a:r>
+              <a:rPr lang="zh-TW" altLang="en-US"/>
+              <a:t>無法處理具有雜訊</a:t>
+            </a:r>
+            <a:r>
+              <a:rPr lang="en-US" altLang="zh-TW"/>
+              <a:t>(noisy)</a:t>
+            </a:r>
+            <a:r>
+              <a:rPr lang="zh-TW" altLang="en-US"/>
+              <a:t>的資料及離群值</a:t>
+            </a:r>
+            <a:r>
+              <a:rPr lang="en-US" altLang="zh-TW"/>
+              <a:t>(outliers)</a:t>
+            </a:r>
+          </a:p>
+          <a:p>
+            <a:pPr lvl="2"/>
+            <a:r>
+              <a:rPr lang="zh-TW" altLang="en-US"/>
+              <a:t>無法處理不同大小及不同密度的群</a:t>
+            </a:r>
+            <a:endParaRPr lang="en-US" altLang="zh-TW"/>
+          </a:p>
+          <a:p>
+            <a:pPr lvl="2"/>
+            <a:r>
+              <a:rPr lang="zh-TW" altLang="en-US"/>
+              <a:t>無法發現凸多邊形</a:t>
+            </a:r>
+            <a:r>
+              <a:rPr lang="en-US" altLang="zh-TW"/>
+              <a:t>(non-convex)</a:t>
+            </a:r>
+            <a:r>
+              <a:rPr lang="zh-TW" altLang="en-US"/>
+              <a:t>以外的群</a:t>
+            </a:r>
+            <a:endParaRPr lang="zh-TW" altLang="en-US" dirty="0"/>
+          </a:p>
+        </p:txBody>
+      </p:sp>
+    </p:spTree>
+    <p:extLst>
+      <p:ext uri="{BB962C8B-B14F-4D97-AF65-F5344CB8AC3E}">
+        <p14:creationId xmlns:p14="http://schemas.microsoft.com/office/powerpoint/2010/main" val="4257339657"/>
+      </p:ext>
+    </p:extLst>
+  </p:cSld>
+  <p:clrMapOvr>
+    <a:masterClrMapping/>
+  </p:clrMapOvr>
+</p:sld>
+</file>
+
+<file path=ppt/slides/slide11.xml><?xml version="1.0" encoding="utf-8"?>
+<p:sld xmlns:a="http://schemas.openxmlformats.org/drawingml/2006/main" xmlns:r="http://schemas.openxmlformats.org/officeDocument/2006/relationships" xmlns:p="http://schemas.openxmlformats.org/presentationml/2006/main">
+  <p:cSld>
+    <p:spTree>
+      <p:nvGrpSpPr>
+        <p:cNvPr id="1" name=""/>
+        <p:cNvGrpSpPr/>
+        <p:nvPr/>
+      </p:nvGrpSpPr>
+      <p:grpSpPr>
+        <a:xfrm>
+          <a:off x="0" y="0"/>
+          <a:ext cx="0" cy="0"/>
+          <a:chOff x="0" y="0"/>
+          <a:chExt cx="0" cy="0"/>
+        </a:xfrm>
+      </p:grpSpPr>
+      <p:sp>
+        <p:nvSpPr>
+          <p:cNvPr id="3" name="投影片編號版面配置區 2">
+            <a:extLst>
+              <a:ext uri="{FF2B5EF4-FFF2-40B4-BE49-F238E27FC236}">
+                <a16:creationId xmlns:a16="http://schemas.microsoft.com/office/drawing/2014/main" id="{167215AF-BD77-4DAD-BC10-19595D549659}"/>
+              </a:ext>
+            </a:extLst>
+          </p:cNvPr>
+          <p:cNvSpPr>
+            <a:spLocks noGrp="1"/>
+          </p:cNvSpPr>
+          <p:nvPr>
+            <p:ph type="sldNum" sz="quarter" idx="12"/>
+          </p:nvPr>
+        </p:nvSpPr>
+        <p:spPr/>
+        <p:txBody>
+          <a:bodyPr/>
+          <a:lstStyle/>
+          <a:p>
+            <a:fld id="{8F4EACC7-37E3-43A5-A5FB-BEB9CE95D266}" type="slidenum">
+              <a:rPr lang="zh-TW" altLang="en-US" smtClean="0"/>
+              <a:pPr/>
+              <a:t>10</a:t>
             </a:fld>
             <a:endParaRPr lang="zh-TW" altLang="en-US"/>
           </a:p>
@@ -5750,7 +6411,7 @@
 </p:sld>
 </file>
 
-<file path=ppt/slides/slide11.xml><?xml version="1.0" encoding="utf-8"?>
+<file path=ppt/slides/slide12.xml><?xml version="1.0" encoding="utf-8"?>
 <p:sld xmlns:a="http://schemas.openxmlformats.org/drawingml/2006/main" xmlns:r="http://schemas.openxmlformats.org/officeDocument/2006/relationships" xmlns:p="http://schemas.openxmlformats.org/presentationml/2006/main">
   <p:cSld>
     <p:spTree>
@@ -5834,7 +6495,7 @@
             <a:fld id="{8F4EACC7-37E3-43A5-A5FB-BEB9CE95D266}" type="slidenum">
               <a:rPr lang="zh-TW" altLang="en-US" smtClean="0"/>
               <a:pPr/>
-              <a:t>10</a:t>
+              <a:t>11</a:t>
             </a:fld>
             <a:endParaRPr lang="zh-TW" altLang="en-US"/>
           </a:p>
@@ -6049,7 +6710,7 @@
 </p:sld>
 </file>
 
-<file path=ppt/slides/slide12.xml><?xml version="1.0" encoding="utf-8"?>
+<file path=ppt/slides/slide13.xml><?xml version="1.0" encoding="utf-8"?>
 <p:sld xmlns:a="http://schemas.openxmlformats.org/drawingml/2006/main" xmlns:r="http://schemas.openxmlformats.org/officeDocument/2006/relationships" xmlns:p="http://schemas.openxmlformats.org/presentationml/2006/main">
   <p:cSld>
     <p:spTree>
@@ -6123,7 +6784,7 @@
             <a:fld id="{8F4EACC7-37E3-43A5-A5FB-BEB9CE95D266}" type="slidenum">
               <a:rPr lang="zh-TW" altLang="en-US" smtClean="0"/>
               <a:pPr/>
-              <a:t>11</a:t>
+              <a:t>12</a:t>
             </a:fld>
             <a:endParaRPr lang="zh-TW" altLang="en-US"/>
           </a:p>
@@ -6225,191 +6886,6 @@
 </p:sld>
 </file>
 
-<file path=ppt/slides/slide13.xml><?xml version="1.0" encoding="utf-8"?>
-<p:sld xmlns:a="http://schemas.openxmlformats.org/drawingml/2006/main" xmlns:r="http://schemas.openxmlformats.org/officeDocument/2006/relationships" xmlns:p="http://schemas.openxmlformats.org/presentationml/2006/main">
-  <p:cSld>
-    <p:spTree>
-      <p:nvGrpSpPr>
-        <p:cNvPr id="1" name=""/>
-        <p:cNvGrpSpPr/>
-        <p:nvPr/>
-      </p:nvGrpSpPr>
-      <p:grpSpPr>
-        <a:xfrm>
-          <a:off x="0" y="0"/>
-          <a:ext cx="0" cy="0"/>
-          <a:chOff x="0" y="0"/>
-          <a:chExt cx="0" cy="0"/>
-        </a:xfrm>
-      </p:grpSpPr>
-      <p:sp>
-        <p:nvSpPr>
-          <p:cNvPr id="2" name="內容版面配置區 1">
-            <a:extLst>
-              <a:ext uri="{FF2B5EF4-FFF2-40B4-BE49-F238E27FC236}">
-                <a16:creationId xmlns:a16="http://schemas.microsoft.com/office/drawing/2014/main" id="{02411F3C-7416-4CB0-B194-4DEB373EA87B}"/>
-              </a:ext>
-            </a:extLst>
-          </p:cNvPr>
-          <p:cNvSpPr>
-            <a:spLocks noGrp="1"/>
-          </p:cNvSpPr>
-          <p:nvPr>
-            <p:ph idx="1"/>
-          </p:nvPr>
-        </p:nvSpPr>
-        <p:spPr/>
-        <p:txBody>
-          <a:bodyPr>
-            <a:normAutofit/>
-          </a:bodyPr>
-          <a:lstStyle/>
-          <a:p>
-            <a:r>
-              <a:rPr lang="en-US" altLang="zh-TW" dirty="0"/>
-              <a:t>steps</a:t>
-            </a:r>
-          </a:p>
-          <a:p>
-            <a:pPr marL="819150" lvl="1" indent="-457200">
-              <a:buFont typeface="+mj-lt"/>
-              <a:buAutoNum type="arabicPeriod"/>
-            </a:pPr>
-            <a:r>
-              <a:rPr lang="zh-TW" altLang="en-US" dirty="0"/>
-              <a:t>把每一個點當作一個群組</a:t>
-            </a:r>
-          </a:p>
-          <a:p>
-            <a:pPr marL="819150" lvl="1" indent="-457200">
-              <a:buFont typeface="+mj-lt"/>
-              <a:buAutoNum type="arabicPeriod"/>
-            </a:pPr>
-            <a:r>
-              <a:rPr lang="zh-TW" altLang="en-US" dirty="0"/>
-              <a:t>透過掃描過整個資料及尋找出最近的兩個群組，並把這兩個點榜再一起變成一個群組</a:t>
-            </a:r>
-          </a:p>
-          <a:p>
-            <a:pPr marL="819150" lvl="1" indent="-457200">
-              <a:buFont typeface="+mj-lt"/>
-              <a:buAutoNum type="arabicPeriod"/>
-            </a:pPr>
-            <a:r>
-              <a:rPr lang="zh-TW" altLang="en-US" dirty="0"/>
-              <a:t>尋找下一個最近的的兩個群組，再綁再一起變成一個群組</a:t>
-            </a:r>
-          </a:p>
-          <a:p>
-            <a:pPr marL="819150" lvl="1" indent="-457200">
-              <a:buFont typeface="+mj-lt"/>
-              <a:buAutoNum type="arabicPeriod"/>
-            </a:pPr>
-            <a:r>
-              <a:rPr lang="en-US" altLang="zh-TW" dirty="0"/>
-              <a:t>....</a:t>
-            </a:r>
-          </a:p>
-          <a:p>
-            <a:pPr marL="819150" lvl="1" indent="-457200">
-              <a:buFont typeface="+mj-lt"/>
-              <a:buAutoNum type="arabicPeriod"/>
-            </a:pPr>
-            <a:r>
-              <a:rPr lang="zh-TW" altLang="en-US" dirty="0"/>
-              <a:t>停止</a:t>
-            </a:r>
-            <a:r>
-              <a:rPr lang="en-US" altLang="zh-TW" dirty="0"/>
-              <a:t>: </a:t>
-            </a:r>
-            <a:r>
-              <a:rPr lang="zh-TW" altLang="en-US" dirty="0"/>
-              <a:t>直到所有資料都被分成一群，或是透過設定參數到分到幾個群時自動停止</a:t>
-            </a:r>
-          </a:p>
-        </p:txBody>
-      </p:sp>
-      <p:sp>
-        <p:nvSpPr>
-          <p:cNvPr id="3" name="投影片編號版面配置區 2">
-            <a:extLst>
-              <a:ext uri="{FF2B5EF4-FFF2-40B4-BE49-F238E27FC236}">
-                <a16:creationId xmlns:a16="http://schemas.microsoft.com/office/drawing/2014/main" id="{8A3DD650-5DEE-4B1E-A16A-F8D422D045BE}"/>
-              </a:ext>
-            </a:extLst>
-          </p:cNvPr>
-          <p:cNvSpPr>
-            <a:spLocks noGrp="1"/>
-          </p:cNvSpPr>
-          <p:nvPr>
-            <p:ph type="sldNum" sz="quarter" idx="12"/>
-          </p:nvPr>
-        </p:nvSpPr>
-        <p:spPr/>
-        <p:txBody>
-          <a:bodyPr/>
-          <a:lstStyle/>
-          <a:p>
-            <a:fld id="{8F4EACC7-37E3-43A5-A5FB-BEB9CE95D266}" type="slidenum">
-              <a:rPr lang="zh-TW" altLang="en-US" smtClean="0"/>
-              <a:pPr/>
-              <a:t>12</a:t>
-            </a:fld>
-            <a:endParaRPr lang="zh-TW" altLang="en-US"/>
-          </a:p>
-        </p:txBody>
-      </p:sp>
-      <p:sp>
-        <p:nvSpPr>
-          <p:cNvPr id="4" name="標題 3">
-            <a:extLst>
-              <a:ext uri="{FF2B5EF4-FFF2-40B4-BE49-F238E27FC236}">
-                <a16:creationId xmlns:a16="http://schemas.microsoft.com/office/drawing/2014/main" id="{C5D8D76A-E899-4FE5-87A2-F8E19CA8124D}"/>
-              </a:ext>
-            </a:extLst>
-          </p:cNvPr>
-          <p:cNvSpPr>
-            <a:spLocks noGrp="1"/>
-          </p:cNvSpPr>
-          <p:nvPr>
-            <p:ph type="title"/>
-          </p:nvPr>
-        </p:nvSpPr>
-        <p:spPr/>
-        <p:txBody>
-          <a:bodyPr/>
-          <a:lstStyle/>
-          <a:p>
-            <a:r>
-              <a:rPr lang="en-US" altLang="zh-TW" dirty="0"/>
-              <a:t>Clustering -</a:t>
-            </a:r>
-            <a:r>
-              <a:rPr lang="zh-TW" altLang="en-US" dirty="0"/>
-              <a:t> </a:t>
-            </a:r>
-            <a:r>
-              <a:rPr lang="en-US" altLang="zh-TW" dirty="0"/>
-              <a:t>Hierarchical</a:t>
-            </a:r>
-            <a:endParaRPr lang="zh-TW" altLang="en-US" dirty="0"/>
-          </a:p>
-        </p:txBody>
-      </p:sp>
-    </p:spTree>
-    <p:extLst>
-      <p:ext uri="{BB962C8B-B14F-4D97-AF65-F5344CB8AC3E}">
-        <p14:creationId xmlns:p14="http://schemas.microsoft.com/office/powerpoint/2010/main" val="2182833482"/>
-      </p:ext>
-    </p:extLst>
-  </p:cSld>
-  <p:clrMapOvr>
-    <a:masterClrMapping/>
-  </p:clrMapOvr>
-</p:sld>
-</file>
-
 <file path=ppt/slides/slide14.xml><?xml version="1.0" encoding="utf-8"?>
 <p:sld xmlns:a="http://schemas.openxmlformats.org/drawingml/2006/main" xmlns:r="http://schemas.openxmlformats.org/officeDocument/2006/relationships" xmlns:p="http://schemas.openxmlformats.org/presentationml/2006/main">
   <p:cSld>
@@ -6427,47 +6903,100 @@
           <a:chExt cx="0" cy="0"/>
         </a:xfrm>
       </p:grpSpPr>
-      <p:pic>
-        <p:nvPicPr>
-          <p:cNvPr id="6" name="內容版面配置區 5">
+      <p:sp>
+        <p:nvSpPr>
+          <p:cNvPr id="2" name="內容版面配置區 1">
             <a:extLst>
               <a:ext uri="{FF2B5EF4-FFF2-40B4-BE49-F238E27FC236}">
-                <a16:creationId xmlns:a16="http://schemas.microsoft.com/office/drawing/2014/main" id="{D38E6469-A9E5-4C7A-93B1-F83CBE156D30}"/>
+                <a16:creationId xmlns:a16="http://schemas.microsoft.com/office/drawing/2014/main" id="{02411F3C-7416-4CB0-B194-4DEB373EA87B}"/>
               </a:ext>
             </a:extLst>
           </p:cNvPr>
-          <p:cNvPicPr>
-            <a:picLocks noGrp="1" noChangeAspect="1"/>
-          </p:cNvPicPr>
+          <p:cNvSpPr>
+            <a:spLocks noGrp="1"/>
+          </p:cNvSpPr>
           <p:nvPr>
             <p:ph idx="1"/>
           </p:nvPr>
-        </p:nvPicPr>
-        <p:blipFill>
-          <a:blip r:embed="rId2" cstate="print">
-            <a:extLst>
-              <a:ext uri="{28A0092B-C50C-407E-A947-70E740481C1C}">
-                <a14:useLocalDpi xmlns:a14="http://schemas.microsoft.com/office/drawing/2010/main" val="0"/>
-              </a:ext>
-            </a:extLst>
-          </a:blip>
-          <a:stretch>
-            <a:fillRect/>
-          </a:stretch>
-        </p:blipFill>
-        <p:spPr>
-          <a:xfrm>
-            <a:off x="1427215" y="765175"/>
-            <a:ext cx="7051569" cy="5616575"/>
-          </a:xfrm>
-        </p:spPr>
-      </p:pic>
+        </p:nvSpPr>
+        <p:spPr/>
+        <p:txBody>
+          <a:bodyPr>
+            <a:normAutofit/>
+          </a:bodyPr>
+          <a:lstStyle/>
+          <a:p>
+            <a:r>
+              <a:rPr lang="en-US" altLang="zh-TW" dirty="0"/>
+              <a:t>steps</a:t>
+            </a:r>
+          </a:p>
+          <a:p>
+            <a:pPr marL="819150" lvl="1" indent="-457200">
+              <a:buFont typeface="+mj-lt"/>
+              <a:buAutoNum type="arabicPeriod"/>
+            </a:pPr>
+            <a:r>
+              <a:rPr lang="zh-TW" altLang="en-US" dirty="0"/>
+              <a:t>把每一個點當作一個群組</a:t>
+            </a:r>
+          </a:p>
+          <a:p>
+            <a:pPr marL="819150" lvl="1" indent="-457200">
+              <a:buFont typeface="+mj-lt"/>
+              <a:buAutoNum type="arabicPeriod"/>
+            </a:pPr>
+            <a:r>
+              <a:rPr lang="zh-TW" altLang="en-US" dirty="0"/>
+              <a:t>透過掃描過整個資料及尋找出最近的兩個群組，並把這兩個點榜再一起變成一個群組</a:t>
+            </a:r>
+          </a:p>
+          <a:p>
+            <a:pPr marL="819150" lvl="1" indent="-457200">
+              <a:buFont typeface="+mj-lt"/>
+              <a:buAutoNum type="arabicPeriod"/>
+            </a:pPr>
+            <a:r>
+              <a:rPr lang="zh-TW" altLang="en-US" dirty="0"/>
+              <a:t>尋找下一個最近的的兩個群組，再綁再一起變成一個群組</a:t>
+            </a:r>
+          </a:p>
+          <a:p>
+            <a:pPr marL="819150" lvl="1" indent="-457200">
+              <a:buFont typeface="+mj-lt"/>
+              <a:buAutoNum type="arabicPeriod"/>
+            </a:pPr>
+            <a:r>
+              <a:rPr lang="en-US" altLang="zh-TW" dirty="0"/>
+              <a:t>....</a:t>
+            </a:r>
+          </a:p>
+          <a:p>
+            <a:pPr marL="819150" lvl="1" indent="-457200">
+              <a:buFont typeface="+mj-lt"/>
+              <a:buAutoNum type="arabicPeriod"/>
+            </a:pPr>
+            <a:r>
+              <a:rPr lang="zh-TW" altLang="en-US" dirty="0"/>
+              <a:t>停止</a:t>
+            </a:r>
+            <a:r>
+              <a:rPr lang="en-US" altLang="zh-TW" dirty="0"/>
+              <a:t>: </a:t>
+            </a:r>
+            <a:r>
+              <a:rPr lang="zh-TW" altLang="en-US" dirty="0"/>
+              <a:t>直到所有資料都被分成一群，或是透過設定參數到分到幾個群時自動停止</a:t>
+            </a:r>
+          </a:p>
+        </p:txBody>
+      </p:sp>
       <p:sp>
         <p:nvSpPr>
           <p:cNvPr id="3" name="投影片編號版面配置區 2">
             <a:extLst>
               <a:ext uri="{FF2B5EF4-FFF2-40B4-BE49-F238E27FC236}">
-                <a16:creationId xmlns:a16="http://schemas.microsoft.com/office/drawing/2014/main" id="{12FE5EF3-760E-4F6B-8C78-76643A58E940}"/>
+                <a16:creationId xmlns:a16="http://schemas.microsoft.com/office/drawing/2014/main" id="{8A3DD650-5DEE-4B1E-A16A-F8D422D045BE}"/>
               </a:ext>
             </a:extLst>
           </p:cNvPr>
@@ -6497,7 +7026,7 @@
           <p:cNvPr id="4" name="標題 3">
             <a:extLst>
               <a:ext uri="{FF2B5EF4-FFF2-40B4-BE49-F238E27FC236}">
-                <a16:creationId xmlns:a16="http://schemas.microsoft.com/office/drawing/2014/main" id="{5E24D290-EC94-48F1-AF0E-FAB3AF23CF3D}"/>
+                <a16:creationId xmlns:a16="http://schemas.microsoft.com/office/drawing/2014/main" id="{C5D8D76A-E899-4FE5-87A2-F8E19CA8124D}"/>
               </a:ext>
             </a:extLst>
           </p:cNvPr>
@@ -6532,7 +7061,7 @@
     </p:spTree>
     <p:extLst>
       <p:ext uri="{BB962C8B-B14F-4D97-AF65-F5344CB8AC3E}">
-        <p14:creationId xmlns:p14="http://schemas.microsoft.com/office/powerpoint/2010/main" val="2165829134"/>
+        <p14:creationId xmlns:p14="http://schemas.microsoft.com/office/powerpoint/2010/main" val="2182833482"/>
       </p:ext>
     </p:extLst>
   </p:cSld>
@@ -6559,148 +7088,47 @@
           <a:chExt cx="0" cy="0"/>
         </a:xfrm>
       </p:grpSpPr>
-      <p:sp>
-        <p:nvSpPr>
-          <p:cNvPr id="2" name="內容版面配置區 1">
+      <p:pic>
+        <p:nvPicPr>
+          <p:cNvPr id="6" name="內容版面配置區 5">
             <a:extLst>
               <a:ext uri="{FF2B5EF4-FFF2-40B4-BE49-F238E27FC236}">
-                <a16:creationId xmlns:a16="http://schemas.microsoft.com/office/drawing/2014/main" id="{20A0D4FA-65B1-460D-8CF3-2768464970F9}"/>
+                <a16:creationId xmlns:a16="http://schemas.microsoft.com/office/drawing/2014/main" id="{D38E6469-A9E5-4C7A-93B1-F83CBE156D30}"/>
               </a:ext>
             </a:extLst>
           </p:cNvPr>
-          <p:cNvSpPr>
-            <a:spLocks noGrp="1"/>
-          </p:cNvSpPr>
+          <p:cNvPicPr>
+            <a:picLocks noGrp="1" noChangeAspect="1"/>
+          </p:cNvPicPr>
           <p:nvPr>
             <p:ph idx="1"/>
           </p:nvPr>
-        </p:nvSpPr>
-        <p:spPr/>
-        <p:txBody>
-          <a:bodyPr/>
-          <a:lstStyle/>
-          <a:p>
-            <a:r>
-              <a:rPr lang="en-US" altLang="zh-TW" dirty="0"/>
-              <a:t>parameters</a:t>
-            </a:r>
-          </a:p>
-          <a:p>
-            <a:pPr lvl="1"/>
-            <a:r>
-              <a:rPr lang="en-US" altLang="zh-TW" dirty="0"/>
-              <a:t>linkage:</a:t>
-            </a:r>
-            <a:r>
-              <a:rPr lang="zh-TW" altLang="en-US" dirty="0"/>
-              <a:t> 如何衡量群與群之間的距離。</a:t>
-            </a:r>
-            <a:endParaRPr lang="en-US" altLang="zh-TW" dirty="0"/>
-          </a:p>
-          <a:p>
-            <a:pPr lvl="2"/>
-            <a:r>
-              <a:rPr lang="en-US" altLang="zh-TW" dirty="0"/>
-              <a:t>ward(single): </a:t>
-            </a:r>
-            <a:r>
-              <a:rPr lang="zh-TW" altLang="en-US" dirty="0"/>
-              <a:t>兩個群中最近的點。</a:t>
-            </a:r>
-          </a:p>
-          <a:p>
-            <a:pPr lvl="2"/>
-            <a:r>
-              <a:rPr lang="en-US" altLang="zh-TW" dirty="0"/>
-              <a:t>complete: </a:t>
-            </a:r>
-            <a:r>
-              <a:rPr lang="zh-TW" altLang="en-US" dirty="0"/>
-              <a:t>兩個群中最遠的點。</a:t>
-            </a:r>
-          </a:p>
-          <a:p>
-            <a:pPr lvl="2"/>
-            <a:r>
-              <a:rPr lang="en-US" altLang="zh-TW" dirty="0"/>
-              <a:t>average: </a:t>
-            </a:r>
-            <a:r>
-              <a:rPr lang="zh-TW" altLang="en-US" dirty="0"/>
-              <a:t>兩個群的重心。</a:t>
-            </a:r>
-          </a:p>
-          <a:p>
-            <a:pPr lvl="1"/>
-            <a:r>
-              <a:rPr lang="en-US" altLang="zh-TW" dirty="0" err="1"/>
-              <a:t>n_clusters</a:t>
-            </a:r>
-            <a:r>
-              <a:rPr lang="en-US" altLang="zh-TW" dirty="0"/>
-              <a:t>:</a:t>
-            </a:r>
-            <a:r>
-              <a:rPr lang="zh-TW" altLang="en-US" dirty="0"/>
-              <a:t> 分成幾個群</a:t>
-            </a:r>
-            <a:endParaRPr lang="en-US" altLang="zh-TW" dirty="0"/>
-          </a:p>
-          <a:p>
-            <a:r>
-              <a:rPr lang="en-US" altLang="zh-TW" dirty="0"/>
-              <a:t>Pros &amp; Cons</a:t>
-            </a:r>
-          </a:p>
-          <a:p>
-            <a:pPr lvl="1"/>
-            <a:r>
-              <a:rPr lang="zh-TW" altLang="en-US" dirty="0"/>
-              <a:t>比較耗效能</a:t>
-            </a:r>
-            <a:r>
-              <a:rPr lang="en-US" altLang="zh-TW" dirty="0"/>
-              <a:t>: </a:t>
-            </a:r>
-            <a:r>
-              <a:rPr lang="zh-TW" altLang="en-US" dirty="0"/>
-              <a:t>因為有</a:t>
-            </a:r>
-            <a:r>
-              <a:rPr lang="en-US" altLang="zh-TW" dirty="0"/>
-              <a:t>100</a:t>
-            </a:r>
-            <a:r>
-              <a:rPr lang="zh-TW" altLang="en-US" dirty="0"/>
-              <a:t>萬筆資料，就要跑</a:t>
-            </a:r>
-            <a:r>
-              <a:rPr lang="en-US" altLang="zh-TW" dirty="0"/>
-              <a:t>100</a:t>
-            </a:r>
-            <a:r>
-              <a:rPr lang="zh-TW" altLang="en-US" dirty="0"/>
-              <a:t>萬次迴圈，每一次迴圈都要掃描過每一筆資料，才能跑完。</a:t>
-            </a:r>
-          </a:p>
-          <a:p>
-            <a:pPr lvl="1"/>
-            <a:r>
-              <a:rPr lang="zh-TW" altLang="en-US" dirty="0"/>
-              <a:t>很適合用來做生物分類，因為它可以完整畫出分類樹狀圖。</a:t>
-            </a:r>
-          </a:p>
-          <a:p>
-            <a:endParaRPr lang="zh-TW" altLang="en-US" dirty="0"/>
-          </a:p>
-        </p:txBody>
-      </p:sp>
+        </p:nvPicPr>
+        <p:blipFill>
+          <a:blip r:embed="rId2" cstate="print">
+            <a:extLst>
+              <a:ext uri="{28A0092B-C50C-407E-A947-70E740481C1C}">
+                <a14:useLocalDpi xmlns:a14="http://schemas.microsoft.com/office/drawing/2010/main" val="0"/>
+              </a:ext>
+            </a:extLst>
+          </a:blip>
+          <a:stretch>
+            <a:fillRect/>
+          </a:stretch>
+        </p:blipFill>
+        <p:spPr>
+          <a:xfrm>
+            <a:off x="1427215" y="765175"/>
+            <a:ext cx="7051569" cy="5616575"/>
+          </a:xfrm>
+        </p:spPr>
+      </p:pic>
       <p:sp>
         <p:nvSpPr>
           <p:cNvPr id="3" name="投影片編號版面配置區 2">
             <a:extLst>
               <a:ext uri="{FF2B5EF4-FFF2-40B4-BE49-F238E27FC236}">
-                <a16:creationId xmlns:a16="http://schemas.microsoft.com/office/drawing/2014/main" id="{32D1325A-78A4-4FC1-B02D-A3227405F544}"/>
+                <a16:creationId xmlns:a16="http://schemas.microsoft.com/office/drawing/2014/main" id="{12FE5EF3-760E-4F6B-8C78-76643A58E940}"/>
               </a:ext>
             </a:extLst>
           </p:cNvPr>
@@ -6730,7 +7158,7 @@
           <p:cNvPr id="4" name="標題 3">
             <a:extLst>
               <a:ext uri="{FF2B5EF4-FFF2-40B4-BE49-F238E27FC236}">
-                <a16:creationId xmlns:a16="http://schemas.microsoft.com/office/drawing/2014/main" id="{99298D6B-1F5D-4CB6-94F8-68D10DA7CF4E}"/>
+                <a16:creationId xmlns:a16="http://schemas.microsoft.com/office/drawing/2014/main" id="{5E24D290-EC94-48F1-AF0E-FAB3AF23CF3D}"/>
               </a:ext>
             </a:extLst>
           </p:cNvPr>
@@ -6765,7 +7193,7 @@
     </p:spTree>
     <p:extLst>
       <p:ext uri="{BB962C8B-B14F-4D97-AF65-F5344CB8AC3E}">
-        <p14:creationId xmlns:p14="http://schemas.microsoft.com/office/powerpoint/2010/main" val="4230920040"/>
+        <p14:creationId xmlns:p14="http://schemas.microsoft.com/office/powerpoint/2010/main" val="2165829134"/>
       </p:ext>
     </p:extLst>
   </p:cSld>
@@ -6797,6 +7225,239 @@
           <p:cNvPr id="2" name="內容版面配置區 1">
             <a:extLst>
               <a:ext uri="{FF2B5EF4-FFF2-40B4-BE49-F238E27FC236}">
+                <a16:creationId xmlns:a16="http://schemas.microsoft.com/office/drawing/2014/main" id="{20A0D4FA-65B1-460D-8CF3-2768464970F9}"/>
+              </a:ext>
+            </a:extLst>
+          </p:cNvPr>
+          <p:cNvSpPr>
+            <a:spLocks noGrp="1"/>
+          </p:cNvSpPr>
+          <p:nvPr>
+            <p:ph idx="1"/>
+          </p:nvPr>
+        </p:nvSpPr>
+        <p:spPr/>
+        <p:txBody>
+          <a:bodyPr/>
+          <a:lstStyle/>
+          <a:p>
+            <a:r>
+              <a:rPr lang="en-US" altLang="zh-TW" dirty="0"/>
+              <a:t>parameters</a:t>
+            </a:r>
+          </a:p>
+          <a:p>
+            <a:pPr lvl="1"/>
+            <a:r>
+              <a:rPr lang="en-US" altLang="zh-TW" dirty="0"/>
+              <a:t>linkage:</a:t>
+            </a:r>
+            <a:r>
+              <a:rPr lang="zh-TW" altLang="en-US" dirty="0"/>
+              <a:t> 如何衡量群與群之間的距離。</a:t>
+            </a:r>
+            <a:endParaRPr lang="en-US" altLang="zh-TW" dirty="0"/>
+          </a:p>
+          <a:p>
+            <a:pPr lvl="2"/>
+            <a:r>
+              <a:rPr lang="en-US" altLang="zh-TW" dirty="0"/>
+              <a:t>ward(single): </a:t>
+            </a:r>
+            <a:r>
+              <a:rPr lang="zh-TW" altLang="en-US" dirty="0"/>
+              <a:t>兩個群中最近的點。</a:t>
+            </a:r>
+          </a:p>
+          <a:p>
+            <a:pPr lvl="2"/>
+            <a:r>
+              <a:rPr lang="en-US" altLang="zh-TW" dirty="0"/>
+              <a:t>complete: </a:t>
+            </a:r>
+            <a:r>
+              <a:rPr lang="zh-TW" altLang="en-US" dirty="0"/>
+              <a:t>兩個群中最遠的點。</a:t>
+            </a:r>
+          </a:p>
+          <a:p>
+            <a:pPr lvl="2"/>
+            <a:r>
+              <a:rPr lang="en-US" altLang="zh-TW" dirty="0"/>
+              <a:t>average: </a:t>
+            </a:r>
+            <a:r>
+              <a:rPr lang="zh-TW" altLang="en-US" dirty="0"/>
+              <a:t>兩個群的重心。</a:t>
+            </a:r>
+          </a:p>
+          <a:p>
+            <a:pPr lvl="1"/>
+            <a:r>
+              <a:rPr lang="en-US" altLang="zh-TW" dirty="0" err="1"/>
+              <a:t>n_clusters</a:t>
+            </a:r>
+            <a:r>
+              <a:rPr lang="en-US" altLang="zh-TW" dirty="0"/>
+              <a:t>:</a:t>
+            </a:r>
+            <a:r>
+              <a:rPr lang="zh-TW" altLang="en-US" dirty="0"/>
+              <a:t> 分成幾個群</a:t>
+            </a:r>
+            <a:endParaRPr lang="en-US" altLang="zh-TW" dirty="0"/>
+          </a:p>
+          <a:p>
+            <a:r>
+              <a:rPr lang="en-US" altLang="zh-TW" dirty="0"/>
+              <a:t>Pros &amp; Cons</a:t>
+            </a:r>
+          </a:p>
+          <a:p>
+            <a:pPr lvl="1"/>
+            <a:r>
+              <a:rPr lang="zh-TW" altLang="en-US" dirty="0"/>
+              <a:t>比較耗效能</a:t>
+            </a:r>
+            <a:r>
+              <a:rPr lang="en-US" altLang="zh-TW" dirty="0"/>
+              <a:t>: </a:t>
+            </a:r>
+            <a:r>
+              <a:rPr lang="zh-TW" altLang="en-US" dirty="0"/>
+              <a:t>因為有</a:t>
+            </a:r>
+            <a:r>
+              <a:rPr lang="en-US" altLang="zh-TW" dirty="0"/>
+              <a:t>100</a:t>
+            </a:r>
+            <a:r>
+              <a:rPr lang="zh-TW" altLang="en-US" dirty="0"/>
+              <a:t>萬筆資料，就要跑</a:t>
+            </a:r>
+            <a:r>
+              <a:rPr lang="en-US" altLang="zh-TW" dirty="0"/>
+              <a:t>100</a:t>
+            </a:r>
+            <a:r>
+              <a:rPr lang="zh-TW" altLang="en-US" dirty="0"/>
+              <a:t>萬次迴圈，每一次迴圈都要掃描過每一筆資料，才能跑完。</a:t>
+            </a:r>
+          </a:p>
+          <a:p>
+            <a:pPr lvl="1"/>
+            <a:r>
+              <a:rPr lang="zh-TW" altLang="en-US" dirty="0"/>
+              <a:t>很適合用來做生物分類，因為它可以完整畫出分類樹狀圖。</a:t>
+            </a:r>
+          </a:p>
+          <a:p>
+            <a:endParaRPr lang="zh-TW" altLang="en-US" dirty="0"/>
+          </a:p>
+        </p:txBody>
+      </p:sp>
+      <p:sp>
+        <p:nvSpPr>
+          <p:cNvPr id="3" name="投影片編號版面配置區 2">
+            <a:extLst>
+              <a:ext uri="{FF2B5EF4-FFF2-40B4-BE49-F238E27FC236}">
+                <a16:creationId xmlns:a16="http://schemas.microsoft.com/office/drawing/2014/main" id="{32D1325A-78A4-4FC1-B02D-A3227405F544}"/>
+              </a:ext>
+            </a:extLst>
+          </p:cNvPr>
+          <p:cNvSpPr>
+            <a:spLocks noGrp="1"/>
+          </p:cNvSpPr>
+          <p:nvPr>
+            <p:ph type="sldNum" sz="quarter" idx="12"/>
+          </p:nvPr>
+        </p:nvSpPr>
+        <p:spPr/>
+        <p:txBody>
+          <a:bodyPr/>
+          <a:lstStyle/>
+          <a:p>
+            <a:fld id="{8F4EACC7-37E3-43A5-A5FB-BEB9CE95D266}" type="slidenum">
+              <a:rPr lang="zh-TW" altLang="en-US" smtClean="0"/>
+              <a:pPr/>
+              <a:t>15</a:t>
+            </a:fld>
+            <a:endParaRPr lang="zh-TW" altLang="en-US"/>
+          </a:p>
+        </p:txBody>
+      </p:sp>
+      <p:sp>
+        <p:nvSpPr>
+          <p:cNvPr id="4" name="標題 3">
+            <a:extLst>
+              <a:ext uri="{FF2B5EF4-FFF2-40B4-BE49-F238E27FC236}">
+                <a16:creationId xmlns:a16="http://schemas.microsoft.com/office/drawing/2014/main" id="{99298D6B-1F5D-4CB6-94F8-68D10DA7CF4E}"/>
+              </a:ext>
+            </a:extLst>
+          </p:cNvPr>
+          <p:cNvSpPr>
+            <a:spLocks noGrp="1"/>
+          </p:cNvSpPr>
+          <p:nvPr>
+            <p:ph type="title"/>
+          </p:nvPr>
+        </p:nvSpPr>
+        <p:spPr/>
+        <p:txBody>
+          <a:bodyPr/>
+          <a:lstStyle/>
+          <a:p>
+            <a:r>
+              <a:rPr lang="en-US" altLang="zh-TW" dirty="0"/>
+              <a:t>Clustering -</a:t>
+            </a:r>
+            <a:r>
+              <a:rPr lang="zh-TW" altLang="en-US" dirty="0"/>
+              <a:t> </a:t>
+            </a:r>
+            <a:r>
+              <a:rPr lang="en-US" altLang="zh-TW" dirty="0"/>
+              <a:t>Hierarchical</a:t>
+            </a:r>
+            <a:endParaRPr lang="zh-TW" altLang="en-US" dirty="0"/>
+          </a:p>
+        </p:txBody>
+      </p:sp>
+    </p:spTree>
+    <p:extLst>
+      <p:ext uri="{BB962C8B-B14F-4D97-AF65-F5344CB8AC3E}">
+        <p14:creationId xmlns:p14="http://schemas.microsoft.com/office/powerpoint/2010/main" val="4230920040"/>
+      </p:ext>
+    </p:extLst>
+  </p:cSld>
+  <p:clrMapOvr>
+    <a:masterClrMapping/>
+  </p:clrMapOvr>
+</p:sld>
+</file>
+
+<file path=ppt/slides/slide17.xml><?xml version="1.0" encoding="utf-8"?>
+<p:sld xmlns:a="http://schemas.openxmlformats.org/drawingml/2006/main" xmlns:r="http://schemas.openxmlformats.org/officeDocument/2006/relationships" xmlns:p="http://schemas.openxmlformats.org/presentationml/2006/main">
+  <p:cSld>
+    <p:spTree>
+      <p:nvGrpSpPr>
+        <p:cNvPr id="1" name=""/>
+        <p:cNvGrpSpPr/>
+        <p:nvPr/>
+      </p:nvGrpSpPr>
+      <p:grpSpPr>
+        <a:xfrm>
+          <a:off x="0" y="0"/>
+          <a:ext cx="0" cy="0"/>
+          <a:chOff x="0" y="0"/>
+          <a:chExt cx="0" cy="0"/>
+        </a:xfrm>
+      </p:grpSpPr>
+      <p:sp>
+        <p:nvSpPr>
+          <p:cNvPr id="2" name="內容版面配置區 1">
+            <a:extLst>
+              <a:ext uri="{FF2B5EF4-FFF2-40B4-BE49-F238E27FC236}">
                 <a16:creationId xmlns:a16="http://schemas.microsoft.com/office/drawing/2014/main" id="{B7B5687A-EA10-4F83-BF9B-20767EF74BAA}"/>
               </a:ext>
             </a:extLst>
@@ -6859,7 +7520,7 @@
             <a:fld id="{8F4EACC7-37E3-43A5-A5FB-BEB9CE95D266}" type="slidenum">
               <a:rPr lang="zh-TW" altLang="en-US" smtClean="0"/>
               <a:pPr/>
-              <a:t>15</a:t>
+              <a:t>16</a:t>
             </a:fld>
             <a:endParaRPr lang="zh-TW" altLang="en-US"/>
           </a:p>
@@ -7108,7 +7769,7 @@
 </p:sld>
 </file>
 
-<file path=ppt/slides/slide17.xml><?xml version="1.0" encoding="utf-8"?>
+<file path=ppt/slides/slide18.xml><?xml version="1.0" encoding="utf-8"?>
 <p:sld xmlns:a="http://schemas.openxmlformats.org/drawingml/2006/main" xmlns:r="http://schemas.openxmlformats.org/officeDocument/2006/relationships" xmlns:p="http://schemas.openxmlformats.org/presentationml/2006/main">
   <p:cSld>
     <p:spTree>
@@ -7191,7 +7852,7 @@
             <a:fld id="{8F4EACC7-37E3-43A5-A5FB-BEB9CE95D266}" type="slidenum">
               <a:rPr lang="zh-TW" altLang="en-US" smtClean="0"/>
               <a:pPr/>
-              <a:t>16</a:t>
+              <a:t>17</a:t>
             </a:fld>
             <a:endParaRPr lang="zh-TW" altLang="en-US"/>
           </a:p>
@@ -7391,7 +8052,7 @@
 </p:sld>
 </file>
 
-<file path=ppt/slides/slide18.xml><?xml version="1.0" encoding="utf-8"?>
+<file path=ppt/slides/slide19.xml><?xml version="1.0" encoding="utf-8"?>
 <p:sld xmlns:a="http://schemas.openxmlformats.org/drawingml/2006/main" xmlns:r="http://schemas.openxmlformats.org/officeDocument/2006/relationships" xmlns:p="http://schemas.openxmlformats.org/presentationml/2006/main">
   <p:cSld>
     <p:spTree>
@@ -7461,7 +8122,7 @@
             <a:fld id="{8F4EACC7-37E3-43A5-A5FB-BEB9CE95D266}" type="slidenum">
               <a:rPr lang="zh-TW" altLang="en-US" smtClean="0"/>
               <a:pPr/>
-              <a:t>17</a:t>
+              <a:t>18</a:t>
             </a:fld>
             <a:endParaRPr lang="zh-TW" altLang="en-US"/>
           </a:p>
@@ -7553,217 +8214,6 @@
     <p:extLst>
       <p:ext uri="{BB962C8B-B14F-4D97-AF65-F5344CB8AC3E}">
         <p14:creationId xmlns:p14="http://schemas.microsoft.com/office/powerpoint/2010/main" val="374704544"/>
-      </p:ext>
-    </p:extLst>
-  </p:cSld>
-  <p:clrMapOvr>
-    <a:masterClrMapping/>
-  </p:clrMapOvr>
-</p:sld>
-</file>
-
-<file path=ppt/slides/slide19.xml><?xml version="1.0" encoding="utf-8"?>
-<p:sld xmlns:a="http://schemas.openxmlformats.org/drawingml/2006/main" xmlns:r="http://schemas.openxmlformats.org/officeDocument/2006/relationships" xmlns:p="http://schemas.openxmlformats.org/presentationml/2006/main">
-  <p:cSld>
-    <p:spTree>
-      <p:nvGrpSpPr>
-        <p:cNvPr id="1" name=""/>
-        <p:cNvGrpSpPr/>
-        <p:nvPr/>
-      </p:nvGrpSpPr>
-      <p:grpSpPr>
-        <a:xfrm>
-          <a:off x="0" y="0"/>
-          <a:ext cx="0" cy="0"/>
-          <a:chOff x="0" y="0"/>
-          <a:chExt cx="0" cy="0"/>
-        </a:xfrm>
-      </p:grpSpPr>
-      <p:sp>
-        <p:nvSpPr>
-          <p:cNvPr id="2" name="內容版面配置區 1">
-            <a:extLst>
-              <a:ext uri="{FF2B5EF4-FFF2-40B4-BE49-F238E27FC236}">
-                <a16:creationId xmlns:a16="http://schemas.microsoft.com/office/drawing/2014/main" id="{20A0D4FA-65B1-460D-8CF3-2768464970F9}"/>
-              </a:ext>
-            </a:extLst>
-          </p:cNvPr>
-          <p:cNvSpPr>
-            <a:spLocks noGrp="1"/>
-          </p:cNvSpPr>
-          <p:nvPr>
-            <p:ph idx="1"/>
-          </p:nvPr>
-        </p:nvSpPr>
-        <p:spPr/>
-        <p:txBody>
-          <a:bodyPr/>
-          <a:lstStyle/>
-          <a:p>
-            <a:r>
-              <a:rPr lang="zh-TW" altLang="en-US" dirty="0"/>
-              <a:t>全稱</a:t>
-            </a:r>
-            <a:r>
-              <a:rPr lang="en-US" altLang="zh-TW" dirty="0"/>
-              <a:t>:</a:t>
-            </a:r>
-            <a:r>
-              <a:rPr lang="zh-TW" altLang="en-US" dirty="0"/>
-              <a:t> </a:t>
-            </a:r>
-            <a:r>
-              <a:rPr lang="en-US" altLang="zh-TW" dirty="0"/>
-              <a:t>Density Based Scan</a:t>
-            </a:r>
-          </a:p>
-          <a:p>
-            <a:r>
-              <a:rPr lang="en-US" altLang="zh-TW" dirty="0"/>
-              <a:t>steps</a:t>
-            </a:r>
-          </a:p>
-          <a:p>
-            <a:pPr lvl="1"/>
-            <a:r>
-              <a:rPr lang="zh-TW" altLang="en-US" b="0" dirty="0"/>
-              <a:t>這種分群演算法計算的是密度，透過設定多長的半徑內，有出現幾個點，不斷延伸，延伸到無法延伸，所有出現在前面延伸範圍的點分成一個群組，請見下圖</a:t>
-            </a:r>
-            <a:r>
-              <a:rPr lang="en-US" altLang="zh-TW" b="0" dirty="0"/>
-              <a:t>(</a:t>
-            </a:r>
-            <a:r>
-              <a:rPr lang="zh-TW" altLang="en-US" b="0" dirty="0"/>
-              <a:t>取自</a:t>
-            </a:r>
-            <a:r>
-              <a:rPr lang="en-US" altLang="zh-TW" b="0" u="sng" dirty="0" err="1">
-                <a:hlinkClick r:id="rId2"/>
-              </a:rPr>
-              <a:t>stackexchange</a:t>
-            </a:r>
-            <a:r>
-              <a:rPr lang="en-US" altLang="zh-TW" b="0" dirty="0"/>
-              <a:t>)</a:t>
-            </a:r>
-            <a:r>
-              <a:rPr lang="zh-TW" altLang="en-US" b="0" dirty="0"/>
-              <a:t>。</a:t>
-            </a:r>
-          </a:p>
-          <a:p>
-            <a:endParaRPr lang="zh-TW" altLang="en-US" dirty="0"/>
-          </a:p>
-        </p:txBody>
-      </p:sp>
-      <p:sp>
-        <p:nvSpPr>
-          <p:cNvPr id="3" name="投影片編號版面配置區 2">
-            <a:extLst>
-              <a:ext uri="{FF2B5EF4-FFF2-40B4-BE49-F238E27FC236}">
-                <a16:creationId xmlns:a16="http://schemas.microsoft.com/office/drawing/2014/main" id="{32D1325A-78A4-4FC1-B02D-A3227405F544}"/>
-              </a:ext>
-            </a:extLst>
-          </p:cNvPr>
-          <p:cNvSpPr>
-            <a:spLocks noGrp="1"/>
-          </p:cNvSpPr>
-          <p:nvPr>
-            <p:ph type="sldNum" sz="quarter" idx="12"/>
-          </p:nvPr>
-        </p:nvSpPr>
-        <p:spPr/>
-        <p:txBody>
-          <a:bodyPr/>
-          <a:lstStyle/>
-          <a:p>
-            <a:fld id="{8F4EACC7-37E3-43A5-A5FB-BEB9CE95D266}" type="slidenum">
-              <a:rPr lang="zh-TW" altLang="en-US" smtClean="0"/>
-              <a:pPr/>
-              <a:t>18</a:t>
-            </a:fld>
-            <a:endParaRPr lang="zh-TW" altLang="en-US"/>
-          </a:p>
-        </p:txBody>
-      </p:sp>
-      <p:sp>
-        <p:nvSpPr>
-          <p:cNvPr id="4" name="標題 3">
-            <a:extLst>
-              <a:ext uri="{FF2B5EF4-FFF2-40B4-BE49-F238E27FC236}">
-                <a16:creationId xmlns:a16="http://schemas.microsoft.com/office/drawing/2014/main" id="{99298D6B-1F5D-4CB6-94F8-68D10DA7CF4E}"/>
-              </a:ext>
-            </a:extLst>
-          </p:cNvPr>
-          <p:cNvSpPr>
-            <a:spLocks noGrp="1"/>
-          </p:cNvSpPr>
-          <p:nvPr>
-            <p:ph type="title"/>
-          </p:nvPr>
-        </p:nvSpPr>
-        <p:spPr/>
-        <p:txBody>
-          <a:bodyPr/>
-          <a:lstStyle/>
-          <a:p>
-            <a:r>
-              <a:rPr lang="en-US" altLang="zh-TW" dirty="0"/>
-              <a:t>Clustering -</a:t>
-            </a:r>
-            <a:r>
-              <a:rPr lang="zh-TW" altLang="en-US" dirty="0"/>
-              <a:t> </a:t>
-            </a:r>
-            <a:r>
-              <a:rPr lang="en-US" altLang="zh-TW" dirty="0"/>
-              <a:t>DBSCAN</a:t>
-            </a:r>
-            <a:endParaRPr lang="zh-TW" altLang="en-US" dirty="0"/>
-          </a:p>
-        </p:txBody>
-      </p:sp>
-      <p:pic>
-        <p:nvPicPr>
-          <p:cNvPr id="6" name="圖片 5">
-            <a:extLst>
-              <a:ext uri="{FF2B5EF4-FFF2-40B4-BE49-F238E27FC236}">
-                <a16:creationId xmlns:a16="http://schemas.microsoft.com/office/drawing/2014/main" id="{79552B0F-FB12-4772-AF59-4BEFBB890EB2}"/>
-              </a:ext>
-            </a:extLst>
-          </p:cNvPr>
-          <p:cNvPicPr>
-            <a:picLocks noChangeAspect="1"/>
-          </p:cNvPicPr>
-          <p:nvPr/>
-        </p:nvPicPr>
-        <p:blipFill>
-          <a:blip r:embed="rId3">
-            <a:extLst>
-              <a:ext uri="{28A0092B-C50C-407E-A947-70E740481C1C}">
-                <a14:useLocalDpi xmlns:a14="http://schemas.microsoft.com/office/drawing/2010/main" val="0"/>
-              </a:ext>
-            </a:extLst>
-          </a:blip>
-          <a:stretch>
-            <a:fillRect/>
-          </a:stretch>
-        </p:blipFill>
-        <p:spPr>
-          <a:xfrm>
-            <a:off x="2552700" y="3181655"/>
-            <a:ext cx="4800600" cy="3462727"/>
-          </a:xfrm>
-          <a:prstGeom prst="rect">
-            <a:avLst/>
-          </a:prstGeom>
-        </p:spPr>
-      </p:pic>
-    </p:spTree>
-    <p:extLst>
-      <p:ext uri="{BB962C8B-B14F-4D97-AF65-F5344CB8AC3E}">
-        <p14:creationId xmlns:p14="http://schemas.microsoft.com/office/powerpoint/2010/main" val="1195958021"/>
       </p:ext>
     </p:extLst>
   </p:cSld>
@@ -8068,7 +8518,7 @@
           <p:cNvPr id="2" name="內容版面配置區 1">
             <a:extLst>
               <a:ext uri="{FF2B5EF4-FFF2-40B4-BE49-F238E27FC236}">
-                <a16:creationId xmlns:a16="http://schemas.microsoft.com/office/drawing/2014/main" id="{DB53C3ED-6891-4BDE-8C62-41D6F312A32E}"/>
+                <a16:creationId xmlns:a16="http://schemas.microsoft.com/office/drawing/2014/main" id="{20A0D4FA-65B1-460D-8CF3-2768464970F9}"/>
               </a:ext>
             </a:extLst>
           </p:cNvPr>
@@ -8085,48 +8535,59 @@
           <a:lstStyle/>
           <a:p>
             <a:r>
-              <a:rPr lang="en-US" altLang="zh-TW" dirty="0"/>
-              <a:t>parameters</a:t>
+              <a:rPr lang="zh-TW" altLang="en-US" dirty="0"/>
+              <a:t>全稱</a:t>
+            </a:r>
+            <a:r>
+              <a:rPr lang="en-US" altLang="zh-TW" dirty="0"/>
+              <a:t>:</a:t>
+            </a:r>
+            <a:r>
+              <a:rPr lang="zh-TW" altLang="en-US" dirty="0"/>
+              <a:t> </a:t>
+            </a:r>
+            <a:r>
+              <a:rPr lang="en-US" altLang="zh-TW" dirty="0"/>
+              <a:t>Density Based Scan</a:t>
+            </a:r>
+          </a:p>
+          <a:p>
+            <a:r>
+              <a:rPr lang="en-US" altLang="zh-TW" dirty="0"/>
+              <a:t>steps</a:t>
             </a:r>
           </a:p>
           <a:p>
             <a:pPr lvl="1"/>
             <a:r>
-              <a:rPr lang="en-US" altLang="zh-TW" dirty="0"/>
-              <a:t>eps: </a:t>
-            </a:r>
-            <a:r>
-              <a:rPr lang="zh-TW" altLang="en-US" dirty="0"/>
-              <a:t>半徑</a:t>
-            </a:r>
-          </a:p>
-          <a:p>
-            <a:r>
-              <a:rPr lang="en-US" altLang="zh-TW" dirty="0"/>
-              <a:t>Pros &amp; Cons</a:t>
-            </a:r>
-          </a:p>
-          <a:p>
-            <a:pPr lvl="1"/>
-            <a:r>
-              <a:rPr lang="zh-TW" altLang="en-US" dirty="0"/>
-              <a:t>常常用來偵測</a:t>
-            </a:r>
-            <a:r>
-              <a:rPr lang="en-US" altLang="zh-TW" dirty="0"/>
-              <a:t>Noisy Data</a:t>
-            </a:r>
-            <a:r>
-              <a:rPr lang="zh-TW" altLang="en-US" dirty="0"/>
+              <a:rPr lang="zh-TW" altLang="en-US" b="0" dirty="0"/>
+              <a:t>這種分群演算法計算的是密度，透過設定多長的半徑內，有出現幾個點，不斷延伸，延伸到無法延伸，所有出現在前面延伸範圍的點分成一個群組，請見下圖</a:t>
+            </a:r>
+            <a:r>
+              <a:rPr lang="en-US" altLang="zh-TW" b="0" dirty="0"/>
+              <a:t>(</a:t>
+            </a:r>
+            <a:r>
+              <a:rPr lang="zh-TW" altLang="en-US" b="0" dirty="0"/>
+              <a:t>取自</a:t>
+            </a:r>
+            <a:r>
+              <a:rPr lang="en-US" altLang="zh-TW" b="0" u="sng" dirty="0" err="1">
+                <a:hlinkClick r:id="rId2"/>
+              </a:rPr>
+              <a:t>stackexchange</a:t>
+            </a:r>
+            <a:r>
+              <a:rPr lang="en-US" altLang="zh-TW" b="0" dirty="0"/>
+              <a:t>)</a:t>
+            </a:r>
+            <a:r>
+              <a:rPr lang="zh-TW" altLang="en-US" b="0" dirty="0"/>
               <a:t>。</a:t>
             </a:r>
           </a:p>
           <a:p>
-            <a:pPr lvl="1"/>
-            <a:r>
-              <a:rPr lang="zh-TW" altLang="en-US" dirty="0"/>
-              <a:t>無法設定要分成幾個群。</a:t>
-            </a:r>
+            <a:endParaRPr lang="zh-TW" altLang="en-US" dirty="0"/>
           </a:p>
         </p:txBody>
       </p:sp>
@@ -8135,7 +8596,7 @@
           <p:cNvPr id="3" name="投影片編號版面配置區 2">
             <a:extLst>
               <a:ext uri="{FF2B5EF4-FFF2-40B4-BE49-F238E27FC236}">
-                <a16:creationId xmlns:a16="http://schemas.microsoft.com/office/drawing/2014/main" id="{12BAB69D-BEAA-47B0-B3E3-4ED2E482FC5F}"/>
+                <a16:creationId xmlns:a16="http://schemas.microsoft.com/office/drawing/2014/main" id="{32D1325A-78A4-4FC1-B02D-A3227405F544}"/>
               </a:ext>
             </a:extLst>
           </p:cNvPr>
@@ -8165,7 +8626,7 @@
           <p:cNvPr id="4" name="標題 3">
             <a:extLst>
               <a:ext uri="{FF2B5EF4-FFF2-40B4-BE49-F238E27FC236}">
-                <a16:creationId xmlns:a16="http://schemas.microsoft.com/office/drawing/2014/main" id="{9DF79776-E22B-477F-8F05-65362E1DB6C1}"/>
+                <a16:creationId xmlns:a16="http://schemas.microsoft.com/office/drawing/2014/main" id="{99298D6B-1F5D-4CB6-94F8-68D10DA7CF4E}"/>
               </a:ext>
             </a:extLst>
           </p:cNvPr>
@@ -8197,10 +8658,46 @@
           </a:p>
         </p:txBody>
       </p:sp>
+      <p:pic>
+        <p:nvPicPr>
+          <p:cNvPr id="6" name="圖片 5">
+            <a:extLst>
+              <a:ext uri="{FF2B5EF4-FFF2-40B4-BE49-F238E27FC236}">
+                <a16:creationId xmlns:a16="http://schemas.microsoft.com/office/drawing/2014/main" id="{79552B0F-FB12-4772-AF59-4BEFBB890EB2}"/>
+              </a:ext>
+            </a:extLst>
+          </p:cNvPr>
+          <p:cNvPicPr>
+            <a:picLocks noChangeAspect="1"/>
+          </p:cNvPicPr>
+          <p:nvPr/>
+        </p:nvPicPr>
+        <p:blipFill>
+          <a:blip r:embed="rId3">
+            <a:extLst>
+              <a:ext uri="{28A0092B-C50C-407E-A947-70E740481C1C}">
+                <a14:useLocalDpi xmlns:a14="http://schemas.microsoft.com/office/drawing/2010/main" val="0"/>
+              </a:ext>
+            </a:extLst>
+          </a:blip>
+          <a:stretch>
+            <a:fillRect/>
+          </a:stretch>
+        </p:blipFill>
+        <p:spPr>
+          <a:xfrm>
+            <a:off x="2552700" y="3181655"/>
+            <a:ext cx="4800600" cy="3462727"/>
+          </a:xfrm>
+          <a:prstGeom prst="rect">
+            <a:avLst/>
+          </a:prstGeom>
+        </p:spPr>
+      </p:pic>
     </p:spTree>
     <p:extLst>
       <p:ext uri="{BB962C8B-B14F-4D97-AF65-F5344CB8AC3E}">
-        <p14:creationId xmlns:p14="http://schemas.microsoft.com/office/powerpoint/2010/main" val="3791990826"/>
+        <p14:creationId xmlns:p14="http://schemas.microsoft.com/office/powerpoint/2010/main" val="1195958021"/>
       </p:ext>
     </p:extLst>
   </p:cSld>
@@ -8232,6 +8729,170 @@
           <p:cNvPr id="2" name="內容版面配置區 1">
             <a:extLst>
               <a:ext uri="{FF2B5EF4-FFF2-40B4-BE49-F238E27FC236}">
+                <a16:creationId xmlns:a16="http://schemas.microsoft.com/office/drawing/2014/main" id="{DB53C3ED-6891-4BDE-8C62-41D6F312A32E}"/>
+              </a:ext>
+            </a:extLst>
+          </p:cNvPr>
+          <p:cNvSpPr>
+            <a:spLocks noGrp="1"/>
+          </p:cNvSpPr>
+          <p:nvPr>
+            <p:ph idx="1"/>
+          </p:nvPr>
+        </p:nvSpPr>
+        <p:spPr/>
+        <p:txBody>
+          <a:bodyPr/>
+          <a:lstStyle/>
+          <a:p>
+            <a:r>
+              <a:rPr lang="en-US" altLang="zh-TW" dirty="0"/>
+              <a:t>parameters</a:t>
+            </a:r>
+          </a:p>
+          <a:p>
+            <a:pPr lvl="1"/>
+            <a:r>
+              <a:rPr lang="en-US" altLang="zh-TW" dirty="0"/>
+              <a:t>eps: </a:t>
+            </a:r>
+            <a:r>
+              <a:rPr lang="zh-TW" altLang="en-US" dirty="0"/>
+              <a:t>半徑</a:t>
+            </a:r>
+          </a:p>
+          <a:p>
+            <a:r>
+              <a:rPr lang="en-US" altLang="zh-TW" dirty="0"/>
+              <a:t>Pros &amp; Cons</a:t>
+            </a:r>
+          </a:p>
+          <a:p>
+            <a:pPr lvl="1"/>
+            <a:r>
+              <a:rPr lang="zh-TW" altLang="en-US" dirty="0"/>
+              <a:t>常常用來偵測</a:t>
+            </a:r>
+            <a:r>
+              <a:rPr lang="en-US" altLang="zh-TW" dirty="0"/>
+              <a:t>Noisy Data</a:t>
+            </a:r>
+            <a:r>
+              <a:rPr lang="zh-TW" altLang="en-US" dirty="0"/>
+              <a:t>。</a:t>
+            </a:r>
+          </a:p>
+          <a:p>
+            <a:pPr lvl="1"/>
+            <a:r>
+              <a:rPr lang="zh-TW" altLang="en-US" dirty="0"/>
+              <a:t>無法設定要分成幾個群。</a:t>
+            </a:r>
+          </a:p>
+        </p:txBody>
+      </p:sp>
+      <p:sp>
+        <p:nvSpPr>
+          <p:cNvPr id="3" name="投影片編號版面配置區 2">
+            <a:extLst>
+              <a:ext uri="{FF2B5EF4-FFF2-40B4-BE49-F238E27FC236}">
+                <a16:creationId xmlns:a16="http://schemas.microsoft.com/office/drawing/2014/main" id="{12BAB69D-BEAA-47B0-B3E3-4ED2E482FC5F}"/>
+              </a:ext>
+            </a:extLst>
+          </p:cNvPr>
+          <p:cNvSpPr>
+            <a:spLocks noGrp="1"/>
+          </p:cNvSpPr>
+          <p:nvPr>
+            <p:ph type="sldNum" sz="quarter" idx="12"/>
+          </p:nvPr>
+        </p:nvSpPr>
+        <p:spPr/>
+        <p:txBody>
+          <a:bodyPr/>
+          <a:lstStyle/>
+          <a:p>
+            <a:fld id="{8F4EACC7-37E3-43A5-A5FB-BEB9CE95D266}" type="slidenum">
+              <a:rPr lang="zh-TW" altLang="en-US" smtClean="0"/>
+              <a:pPr/>
+              <a:t>20</a:t>
+            </a:fld>
+            <a:endParaRPr lang="zh-TW" altLang="en-US"/>
+          </a:p>
+        </p:txBody>
+      </p:sp>
+      <p:sp>
+        <p:nvSpPr>
+          <p:cNvPr id="4" name="標題 3">
+            <a:extLst>
+              <a:ext uri="{FF2B5EF4-FFF2-40B4-BE49-F238E27FC236}">
+                <a16:creationId xmlns:a16="http://schemas.microsoft.com/office/drawing/2014/main" id="{9DF79776-E22B-477F-8F05-65362E1DB6C1}"/>
+              </a:ext>
+            </a:extLst>
+          </p:cNvPr>
+          <p:cNvSpPr>
+            <a:spLocks noGrp="1"/>
+          </p:cNvSpPr>
+          <p:nvPr>
+            <p:ph type="title"/>
+          </p:nvPr>
+        </p:nvSpPr>
+        <p:spPr/>
+        <p:txBody>
+          <a:bodyPr/>
+          <a:lstStyle/>
+          <a:p>
+            <a:r>
+              <a:rPr lang="en-US" altLang="zh-TW" dirty="0"/>
+              <a:t>Clustering -</a:t>
+            </a:r>
+            <a:r>
+              <a:rPr lang="zh-TW" altLang="en-US" dirty="0"/>
+              <a:t> </a:t>
+            </a:r>
+            <a:r>
+              <a:rPr lang="en-US" altLang="zh-TW" dirty="0"/>
+              <a:t>DBSCAN</a:t>
+            </a:r>
+            <a:endParaRPr lang="zh-TW" altLang="en-US" dirty="0"/>
+          </a:p>
+        </p:txBody>
+      </p:sp>
+    </p:spTree>
+    <p:extLst>
+      <p:ext uri="{BB962C8B-B14F-4D97-AF65-F5344CB8AC3E}">
+        <p14:creationId xmlns:p14="http://schemas.microsoft.com/office/powerpoint/2010/main" val="3791990826"/>
+      </p:ext>
+    </p:extLst>
+  </p:cSld>
+  <p:clrMapOvr>
+    <a:masterClrMapping/>
+  </p:clrMapOvr>
+</p:sld>
+</file>
+
+<file path=ppt/slides/slide22.xml><?xml version="1.0" encoding="utf-8"?>
+<p:sld xmlns:a="http://schemas.openxmlformats.org/drawingml/2006/main" xmlns:r="http://schemas.openxmlformats.org/officeDocument/2006/relationships" xmlns:p="http://schemas.openxmlformats.org/presentationml/2006/main">
+  <p:cSld>
+    <p:spTree>
+      <p:nvGrpSpPr>
+        <p:cNvPr id="1" name=""/>
+        <p:cNvGrpSpPr/>
+        <p:nvPr/>
+      </p:nvGrpSpPr>
+      <p:grpSpPr>
+        <a:xfrm>
+          <a:off x="0" y="0"/>
+          <a:ext cx="0" cy="0"/>
+          <a:chOff x="0" y="0"/>
+          <a:chExt cx="0" cy="0"/>
+        </a:xfrm>
+      </p:grpSpPr>
+      <p:sp>
+        <p:nvSpPr>
+          <p:cNvPr id="2" name="內容版面配置區 1">
+            <a:extLst>
+              <a:ext uri="{FF2B5EF4-FFF2-40B4-BE49-F238E27FC236}">
                 <a16:creationId xmlns:a16="http://schemas.microsoft.com/office/drawing/2014/main" id="{B7B5687A-EA10-4F83-BF9B-20767EF74BAA}"/>
               </a:ext>
             </a:extLst>
@@ -8294,7 +8955,7 @@
             <a:fld id="{8F4EACC7-37E3-43A5-A5FB-BEB9CE95D266}" type="slidenum">
               <a:rPr lang="zh-TW" altLang="en-US" smtClean="0"/>
               <a:pPr/>
-              <a:t>20</a:t>
+              <a:t>21</a:t>
             </a:fld>
             <a:endParaRPr lang="zh-TW" altLang="en-US"/>
           </a:p>
@@ -8518,7 +9179,7 @@
 </p:sld>
 </file>
 
-<file path=ppt/slides/slide22.xml><?xml version="1.0" encoding="utf-8"?>
+<file path=ppt/slides/slide23.xml><?xml version="1.0" encoding="utf-8"?>
 <p:sld xmlns:a="http://schemas.openxmlformats.org/drawingml/2006/main" xmlns:r="http://schemas.openxmlformats.org/officeDocument/2006/relationships" xmlns:p="http://schemas.openxmlformats.org/presentationml/2006/main">
   <p:cSld>
     <p:spTree>
@@ -8598,7 +9259,7 @@
             <a:fld id="{8F4EACC7-37E3-43A5-A5FB-BEB9CE95D266}" type="slidenum">
               <a:rPr lang="zh-TW" altLang="en-US" smtClean="0"/>
               <a:pPr/>
-              <a:t>21</a:t>
+              <a:t>22</a:t>
             </a:fld>
             <a:endParaRPr lang="zh-TW" altLang="en-US"/>
           </a:p>
@@ -8699,7 +9360,7 @@
 </p:sld>
 </file>
 
-<file path=ppt/slides/slide23.xml><?xml version="1.0" encoding="utf-8"?>
+<file path=ppt/slides/slide24.xml><?xml version="1.0" encoding="utf-8"?>
 <p:sld xmlns:a="http://schemas.openxmlformats.org/drawingml/2006/main" xmlns:r="http://schemas.openxmlformats.org/officeDocument/2006/relationships" xmlns:p="http://schemas.openxmlformats.org/presentationml/2006/main">
   <p:cSld>
     <p:spTree>
@@ -8852,6 +9513,279 @@
       </p:grpSpPr>
       <p:sp>
         <p:nvSpPr>
+          <p:cNvPr id="3" name="投影片編號版面配置區 2">
+            <a:extLst>
+              <a:ext uri="{FF2B5EF4-FFF2-40B4-BE49-F238E27FC236}">
+                <a16:creationId xmlns:a16="http://schemas.microsoft.com/office/drawing/2014/main" id="{62169F3F-DF2C-4777-9A52-9A6F7B43F9DA}"/>
+              </a:ext>
+            </a:extLst>
+          </p:cNvPr>
+          <p:cNvSpPr>
+            <a:spLocks noGrp="1"/>
+          </p:cNvSpPr>
+          <p:nvPr>
+            <p:ph type="sldNum" sz="quarter" idx="12"/>
+          </p:nvPr>
+        </p:nvSpPr>
+        <p:spPr/>
+        <p:txBody>
+          <a:bodyPr/>
+          <a:lstStyle/>
+          <a:p>
+            <a:fld id="{8F4EACC7-37E3-43A5-A5FB-BEB9CE95D266}" type="slidenum">
+              <a:rPr lang="zh-TW" altLang="en-US" smtClean="0"/>
+              <a:pPr/>
+              <a:t>2</a:t>
+            </a:fld>
+            <a:endParaRPr lang="zh-TW" altLang="en-US"/>
+          </a:p>
+        </p:txBody>
+      </p:sp>
+      <p:sp>
+        <p:nvSpPr>
+          <p:cNvPr id="4" name="標題 3">
+            <a:extLst>
+              <a:ext uri="{FF2B5EF4-FFF2-40B4-BE49-F238E27FC236}">
+                <a16:creationId xmlns:a16="http://schemas.microsoft.com/office/drawing/2014/main" id="{58845DEA-5A56-4269-9D99-ECE642113B70}"/>
+              </a:ext>
+            </a:extLst>
+          </p:cNvPr>
+          <p:cNvSpPr>
+            <a:spLocks noGrp="1"/>
+          </p:cNvSpPr>
+          <p:nvPr>
+            <p:ph type="title"/>
+          </p:nvPr>
+        </p:nvSpPr>
+        <p:spPr/>
+        <p:txBody>
+          <a:bodyPr/>
+          <a:lstStyle/>
+          <a:p>
+            <a:endParaRPr lang="zh-TW" altLang="en-US"/>
+          </a:p>
+        </p:txBody>
+      </p:sp>
+      <p:pic>
+        <p:nvPicPr>
+          <p:cNvPr id="1026" name="Picture 2">
+            <a:extLst>
+              <a:ext uri="{FF2B5EF4-FFF2-40B4-BE49-F238E27FC236}">
+                <a16:creationId xmlns:a16="http://schemas.microsoft.com/office/drawing/2014/main" id="{D55E11AA-FAB4-4833-97A8-ADA3928073A1}"/>
+              </a:ext>
+            </a:extLst>
+          </p:cNvPr>
+          <p:cNvPicPr>
+            <a:picLocks noChangeAspect="1" noChangeArrowheads="1"/>
+          </p:cNvPicPr>
+          <p:nvPr/>
+        </p:nvPicPr>
+        <p:blipFill>
+          <a:blip r:embed="rId2">
+            <a:extLst>
+              <a:ext uri="{28A0092B-C50C-407E-A947-70E740481C1C}">
+                <a14:useLocalDpi xmlns:a14="http://schemas.microsoft.com/office/drawing/2010/main" val="0"/>
+              </a:ext>
+            </a:extLst>
+          </a:blip>
+          <a:srcRect/>
+          <a:stretch>
+            <a:fillRect/>
+          </a:stretch>
+        </p:blipFill>
+        <p:spPr bwMode="auto">
+          <a:xfrm>
+            <a:off x="5334000" y="3352800"/>
+            <a:ext cx="3514920" cy="2831788"/>
+          </a:xfrm>
+          <a:prstGeom prst="rect">
+            <a:avLst/>
+          </a:prstGeom>
+          <a:noFill/>
+          <a:extLst>
+            <a:ext uri="{909E8E84-426E-40DD-AFC4-6F175D3DCCD1}">
+              <a14:hiddenFill xmlns:a14="http://schemas.microsoft.com/office/drawing/2010/main">
+                <a:solidFill>
+                  <a:srgbClr val="FFFFFF"/>
+                </a:solidFill>
+              </a14:hiddenFill>
+            </a:ext>
+          </a:extLst>
+        </p:spPr>
+      </p:pic>
+      <p:pic>
+        <p:nvPicPr>
+          <p:cNvPr id="1028" name="Picture 4">
+            <a:extLst>
+              <a:ext uri="{FF2B5EF4-FFF2-40B4-BE49-F238E27FC236}">
+                <a16:creationId xmlns:a16="http://schemas.microsoft.com/office/drawing/2014/main" id="{A32950ED-25FE-44A5-AA7D-E40A73AB39AD}"/>
+              </a:ext>
+            </a:extLst>
+          </p:cNvPr>
+          <p:cNvPicPr>
+            <a:picLocks noChangeAspect="1" noChangeArrowheads="1"/>
+          </p:cNvPicPr>
+          <p:nvPr/>
+        </p:nvPicPr>
+        <p:blipFill>
+          <a:blip r:embed="rId3">
+            <a:extLst>
+              <a:ext uri="{28A0092B-C50C-407E-A947-70E740481C1C}">
+                <a14:useLocalDpi xmlns:a14="http://schemas.microsoft.com/office/drawing/2010/main" val="0"/>
+              </a:ext>
+            </a:extLst>
+          </a:blip>
+          <a:srcRect/>
+          <a:stretch>
+            <a:fillRect/>
+          </a:stretch>
+        </p:blipFill>
+        <p:spPr bwMode="auto">
+          <a:xfrm>
+            <a:off x="893684" y="3214986"/>
+            <a:ext cx="3514919" cy="3339756"/>
+          </a:xfrm>
+          <a:prstGeom prst="rect">
+            <a:avLst/>
+          </a:prstGeom>
+          <a:noFill/>
+          <a:extLst>
+            <a:ext uri="{909E8E84-426E-40DD-AFC4-6F175D3DCCD1}">
+              <a14:hiddenFill xmlns:a14="http://schemas.microsoft.com/office/drawing/2010/main">
+                <a:solidFill>
+                  <a:srgbClr val="FFFFFF"/>
+                </a:solidFill>
+              </a14:hiddenFill>
+            </a:ext>
+          </a:extLst>
+        </p:spPr>
+      </p:pic>
+      <p:pic>
+        <p:nvPicPr>
+          <p:cNvPr id="1030" name="Picture 6">
+            <a:extLst>
+              <a:ext uri="{FF2B5EF4-FFF2-40B4-BE49-F238E27FC236}">
+                <a16:creationId xmlns:a16="http://schemas.microsoft.com/office/drawing/2014/main" id="{94162750-2943-4B36-9978-8267CA139C3F}"/>
+              </a:ext>
+            </a:extLst>
+          </p:cNvPr>
+          <p:cNvPicPr>
+            <a:picLocks noChangeAspect="1" noChangeArrowheads="1"/>
+          </p:cNvPicPr>
+          <p:nvPr/>
+        </p:nvPicPr>
+        <p:blipFill>
+          <a:blip r:embed="rId4">
+            <a:extLst>
+              <a:ext uri="{28A0092B-C50C-407E-A947-70E740481C1C}">
+                <a14:useLocalDpi xmlns:a14="http://schemas.microsoft.com/office/drawing/2010/main" val="0"/>
+              </a:ext>
+            </a:extLst>
+          </a:blip>
+          <a:srcRect/>
+          <a:stretch>
+            <a:fillRect/>
+          </a:stretch>
+        </p:blipFill>
+        <p:spPr bwMode="auto">
+          <a:xfrm>
+            <a:off x="914400" y="388572"/>
+            <a:ext cx="3514920" cy="2640807"/>
+          </a:xfrm>
+          <a:prstGeom prst="rect">
+            <a:avLst/>
+          </a:prstGeom>
+          <a:noFill/>
+          <a:extLst>
+            <a:ext uri="{909E8E84-426E-40DD-AFC4-6F175D3DCCD1}">
+              <a14:hiddenFill xmlns:a14="http://schemas.microsoft.com/office/drawing/2010/main">
+                <a:solidFill>
+                  <a:srgbClr val="FFFFFF"/>
+                </a:solidFill>
+              </a14:hiddenFill>
+            </a:ext>
+          </a:extLst>
+        </p:spPr>
+      </p:pic>
+      <p:pic>
+        <p:nvPicPr>
+          <p:cNvPr id="1032" name="Picture 8">
+            <a:extLst>
+              <a:ext uri="{FF2B5EF4-FFF2-40B4-BE49-F238E27FC236}">
+                <a16:creationId xmlns:a16="http://schemas.microsoft.com/office/drawing/2014/main" id="{151D7CEC-ADFE-4BA9-8B26-4B35D4547C24}"/>
+              </a:ext>
+            </a:extLst>
+          </p:cNvPr>
+          <p:cNvPicPr>
+            <a:picLocks noChangeAspect="1" noChangeArrowheads="1"/>
+          </p:cNvPicPr>
+          <p:nvPr/>
+        </p:nvPicPr>
+        <p:blipFill>
+          <a:blip r:embed="rId5">
+            <a:extLst>
+              <a:ext uri="{28A0092B-C50C-407E-A947-70E740481C1C}">
+                <a14:useLocalDpi xmlns:a14="http://schemas.microsoft.com/office/drawing/2010/main" val="0"/>
+              </a:ext>
+            </a:extLst>
+          </a:blip>
+          <a:srcRect/>
+          <a:stretch>
+            <a:fillRect/>
+          </a:stretch>
+        </p:blipFill>
+        <p:spPr bwMode="auto">
+          <a:xfrm>
+            <a:off x="5334000" y="388573"/>
+            <a:ext cx="3514920" cy="2643912"/>
+          </a:xfrm>
+          <a:prstGeom prst="rect">
+            <a:avLst/>
+          </a:prstGeom>
+          <a:noFill/>
+          <a:extLst>
+            <a:ext uri="{909E8E84-426E-40DD-AFC4-6F175D3DCCD1}">
+              <a14:hiddenFill xmlns:a14="http://schemas.microsoft.com/office/drawing/2010/main">
+                <a:solidFill>
+                  <a:srgbClr val="FFFFFF"/>
+                </a:solidFill>
+              </a14:hiddenFill>
+            </a:ext>
+          </a:extLst>
+        </p:spPr>
+      </p:pic>
+    </p:spTree>
+    <p:extLst>
+      <p:ext uri="{BB962C8B-B14F-4D97-AF65-F5344CB8AC3E}">
+        <p14:creationId xmlns:p14="http://schemas.microsoft.com/office/powerpoint/2010/main" val="2233050384"/>
+      </p:ext>
+    </p:extLst>
+  </p:cSld>
+  <p:clrMapOvr>
+    <a:masterClrMapping/>
+  </p:clrMapOvr>
+</p:sld>
+</file>
+
+<file path=ppt/slides/slide4.xml><?xml version="1.0" encoding="utf-8"?>
+<p:sld xmlns:a="http://schemas.openxmlformats.org/drawingml/2006/main" xmlns:r="http://schemas.openxmlformats.org/officeDocument/2006/relationships" xmlns:p="http://schemas.openxmlformats.org/presentationml/2006/main">
+  <p:cSld>
+    <p:spTree>
+      <p:nvGrpSpPr>
+        <p:cNvPr id="1" name=""/>
+        <p:cNvGrpSpPr/>
+        <p:nvPr/>
+      </p:nvGrpSpPr>
+      <p:grpSpPr>
+        <a:xfrm>
+          <a:off x="0" y="0"/>
+          <a:ext cx="0" cy="0"/>
+          <a:chOff x="0" y="0"/>
+          <a:chExt cx="0" cy="0"/>
+        </a:xfrm>
+      </p:grpSpPr>
+      <p:sp>
+        <p:nvSpPr>
           <p:cNvPr id="2" name="內容版面配置區 1">
             <a:extLst>
               <a:ext uri="{FF2B5EF4-FFF2-40B4-BE49-F238E27FC236}">
@@ -8968,7 +9902,7 @@
             <a:fld id="{8F4EACC7-37E3-43A5-A5FB-BEB9CE95D266}" type="slidenum">
               <a:rPr lang="zh-TW" altLang="en-US" smtClean="0"/>
               <a:pPr/>
-              <a:t>2</a:t>
+              <a:t>3</a:t>
             </a:fld>
             <a:endParaRPr lang="zh-TW" altLang="en-US"/>
           </a:p>
@@ -9024,7 +9958,7 @@
         </p:blipFill>
         <p:spPr>
           <a:xfrm>
-            <a:off x="42862" y="2971800"/>
+            <a:off x="45776" y="1313266"/>
             <a:ext cx="9820275" cy="724689"/>
           </a:xfrm>
           <a:prstGeom prst="rect">
@@ -9053,7 +9987,7 @@
         </p:blipFill>
         <p:spPr>
           <a:xfrm>
-            <a:off x="42862" y="1295400"/>
+            <a:off x="0" y="3047705"/>
             <a:ext cx="9820275" cy="457201"/>
           </a:xfrm>
           <a:prstGeom prst="rect">
@@ -9132,7 +10066,7 @@
 </p:sld>
 </file>
 
-<file path=ppt/slides/slide4.xml><?xml version="1.0" encoding="utf-8"?>
+<file path=ppt/slides/slide5.xml><?xml version="1.0" encoding="utf-8"?>
 <p:sld xmlns:a="http://schemas.openxmlformats.org/drawingml/2006/main" xmlns:r="http://schemas.openxmlformats.org/officeDocument/2006/relationships" xmlns:p="http://schemas.openxmlformats.org/presentationml/2006/main">
   <p:cSld>
     <p:spTree>
@@ -9173,7 +10107,7 @@
             <a:fld id="{8F4EACC7-37E3-43A5-A5FB-BEB9CE95D266}" type="slidenum">
               <a:rPr lang="zh-TW" altLang="en-US" smtClean="0"/>
               <a:pPr/>
-              <a:t>3</a:t>
+              <a:t>4</a:t>
             </a:fld>
             <a:endParaRPr lang="zh-TW" altLang="en-US"/>
           </a:p>
@@ -9250,7 +10184,7 @@
 </p:sld>
 </file>
 
-<file path=ppt/slides/slide5.xml><?xml version="1.0" encoding="utf-8"?>
+<file path=ppt/slides/slide6.xml><?xml version="1.0" encoding="utf-8"?>
 <p:sld xmlns:a="http://schemas.openxmlformats.org/drawingml/2006/main" xmlns:r="http://schemas.openxmlformats.org/officeDocument/2006/relationships" xmlns:p="http://schemas.openxmlformats.org/presentationml/2006/main">
   <p:cSld>
     <p:spTree>
@@ -9291,7 +10225,7 @@
             <a:fld id="{8F4EACC7-37E3-43A5-A5FB-BEB9CE95D266}" type="slidenum">
               <a:rPr lang="zh-TW" altLang="en-US" smtClean="0"/>
               <a:pPr/>
-              <a:t>4</a:t>
+              <a:t>5</a:t>
             </a:fld>
             <a:endParaRPr lang="zh-TW" altLang="en-US"/>
           </a:p>
@@ -9573,7 +10507,7 @@
 </p:sld>
 </file>
 
-<file path=ppt/slides/slide6.xml><?xml version="1.0" encoding="utf-8"?>
+<file path=ppt/slides/slide7.xml><?xml version="1.0" encoding="utf-8"?>
 <p:sld xmlns:a="http://schemas.openxmlformats.org/drawingml/2006/main" xmlns:r="http://schemas.openxmlformats.org/officeDocument/2006/relationships" xmlns:p="http://schemas.openxmlformats.org/presentationml/2006/main">
   <p:cSld>
     <p:spTree>
@@ -9614,7 +10548,7 @@
             <a:fld id="{8F4EACC7-37E3-43A5-A5FB-BEB9CE95D266}" type="slidenum">
               <a:rPr lang="zh-TW" altLang="en-US" smtClean="0"/>
               <a:pPr/>
-              <a:t>5</a:t>
+              <a:t>6</a:t>
             </a:fld>
             <a:endParaRPr lang="zh-TW" altLang="en-US"/>
           </a:p>
@@ -9737,275 +10671,6 @@
 </p:sld>
 </file>
 
-<file path=ppt/slides/slide7.xml><?xml version="1.0" encoding="utf-8"?>
-<p:sld xmlns:a="http://schemas.openxmlformats.org/drawingml/2006/main" xmlns:r="http://schemas.openxmlformats.org/officeDocument/2006/relationships" xmlns:p="http://schemas.openxmlformats.org/presentationml/2006/main">
-  <p:cSld>
-    <p:spTree>
-      <p:nvGrpSpPr>
-        <p:cNvPr id="1" name=""/>
-        <p:cNvGrpSpPr/>
-        <p:nvPr/>
-      </p:nvGrpSpPr>
-      <p:grpSpPr>
-        <a:xfrm>
-          <a:off x="0" y="0"/>
-          <a:ext cx="0" cy="0"/>
-          <a:chOff x="0" y="0"/>
-          <a:chExt cx="0" cy="0"/>
-        </a:xfrm>
-      </p:grpSpPr>
-      <p:sp>
-        <p:nvSpPr>
-          <p:cNvPr id="2" name="內容版面配置區 1">
-            <a:extLst>
-              <a:ext uri="{FF2B5EF4-FFF2-40B4-BE49-F238E27FC236}">
-                <a16:creationId xmlns:a16="http://schemas.microsoft.com/office/drawing/2014/main" id="{DD1850DB-C8E9-4C25-B18D-3BC64B07B224}"/>
-              </a:ext>
-            </a:extLst>
-          </p:cNvPr>
-          <p:cNvSpPr>
-            <a:spLocks noGrp="1"/>
-          </p:cNvSpPr>
-          <p:nvPr>
-            <p:ph idx="1"/>
-          </p:nvPr>
-        </p:nvSpPr>
-        <p:spPr/>
-        <p:txBody>
-          <a:bodyPr>
-            <a:normAutofit lnSpcReduction="10000"/>
-          </a:bodyPr>
-          <a:lstStyle/>
-          <a:p>
-            <a:r>
-              <a:rPr lang="en-US" altLang="zh-TW" dirty="0"/>
-              <a:t>steps</a:t>
-            </a:r>
-          </a:p>
-          <a:p>
-            <a:pPr marL="819150" lvl="1" indent="-457200">
-              <a:buFont typeface="+mj-lt"/>
-              <a:buAutoNum type="arabicPeriod"/>
-            </a:pPr>
-            <a:r>
-              <a:rPr lang="zh-TW" altLang="en-US" dirty="0"/>
-              <a:t>設定重心</a:t>
-            </a:r>
-            <a:r>
-              <a:rPr lang="en-US" altLang="zh-TW" dirty="0"/>
-              <a:t>:</a:t>
-            </a:r>
-          </a:p>
-          <a:p>
-            <a:pPr lvl="2"/>
-            <a:r>
-              <a:rPr lang="zh-TW" altLang="en-US" dirty="0"/>
-              <a:t>決定要分幾個群</a:t>
-            </a:r>
-            <a:r>
-              <a:rPr lang="en-US" altLang="zh-TW" dirty="0"/>
-              <a:t>(e.g. K</a:t>
-            </a:r>
-            <a:r>
-              <a:rPr lang="zh-TW" altLang="en-US" dirty="0"/>
-              <a:t>群</a:t>
-            </a:r>
-            <a:r>
-              <a:rPr lang="en-US" altLang="zh-TW" dirty="0"/>
-              <a:t>)</a:t>
-            </a:r>
-          </a:p>
-          <a:p>
-            <a:pPr lvl="2"/>
-            <a:r>
-              <a:rPr lang="zh-TW" altLang="en-US" dirty="0"/>
-              <a:t>隨機產生</a:t>
-            </a:r>
-            <a:r>
-              <a:rPr lang="en-US" altLang="zh-TW" dirty="0"/>
-              <a:t>K</a:t>
-            </a:r>
-            <a:r>
-              <a:rPr lang="zh-TW" altLang="en-US" dirty="0"/>
-              <a:t>個重心</a:t>
-            </a:r>
-          </a:p>
-          <a:p>
-            <a:pPr marL="819150" lvl="1" indent="-457200">
-              <a:buFont typeface="+mj-lt"/>
-              <a:buAutoNum type="arabicPeriod"/>
-            </a:pPr>
-            <a:r>
-              <a:rPr lang="zh-TW" altLang="en-US" dirty="0"/>
-              <a:t>分群</a:t>
-            </a:r>
-            <a:r>
-              <a:rPr lang="en-US" altLang="zh-TW" dirty="0"/>
-              <a:t>:</a:t>
-            </a:r>
-          </a:p>
-          <a:p>
-            <a:pPr lvl="2"/>
-            <a:r>
-              <a:rPr lang="zh-TW" altLang="en-US" dirty="0"/>
-              <a:t>找到所有資料點歸屬的重心</a:t>
-            </a:r>
-            <a:r>
-              <a:rPr lang="en-US" altLang="zh-TW" dirty="0"/>
-              <a:t>: </a:t>
-            </a:r>
-            <a:r>
-              <a:rPr lang="zh-TW" altLang="en-US" dirty="0"/>
-              <a:t>找到分別最靠近這三個點的所有資料點，並做第一個迴圈的分群</a:t>
-            </a:r>
-          </a:p>
-          <a:p>
-            <a:pPr marL="819150" lvl="1" indent="-457200">
-              <a:buFont typeface="+mj-lt"/>
-              <a:buAutoNum type="arabicPeriod"/>
-            </a:pPr>
-            <a:r>
-              <a:rPr lang="zh-TW" altLang="en-US" dirty="0"/>
-              <a:t>尋找重心</a:t>
-            </a:r>
-            <a:r>
-              <a:rPr lang="en-US" altLang="zh-TW" dirty="0"/>
-              <a:t>:</a:t>
-            </a:r>
-          </a:p>
-          <a:p>
-            <a:pPr lvl="2"/>
-            <a:r>
-              <a:rPr lang="zh-TW" altLang="en-US" dirty="0"/>
-              <a:t>重新計算所有資料點的重心</a:t>
-            </a:r>
-            <a:r>
-              <a:rPr lang="en-US" altLang="zh-TW" dirty="0"/>
-              <a:t>(element-wise</a:t>
-            </a:r>
-            <a:r>
-              <a:rPr lang="zh-TW" altLang="en-US" dirty="0"/>
-              <a:t>的平均</a:t>
-            </a:r>
-            <a:r>
-              <a:rPr lang="en-US" altLang="zh-TW" dirty="0"/>
-              <a:t>)</a:t>
-            </a:r>
-          </a:p>
-          <a:p>
-            <a:pPr marL="819150" lvl="1" indent="-457200">
-              <a:buFont typeface="+mj-lt"/>
-              <a:buAutoNum type="arabicPeriod"/>
-            </a:pPr>
-            <a:r>
-              <a:rPr lang="en-US" altLang="zh-TW" dirty="0"/>
-              <a:t>....</a:t>
-            </a:r>
-          </a:p>
-          <a:p>
-            <a:pPr marL="819150" lvl="1" indent="-457200">
-              <a:buFont typeface="+mj-lt"/>
-              <a:buAutoNum type="arabicPeriod"/>
-            </a:pPr>
-            <a:r>
-              <a:rPr lang="zh-TW" altLang="en-US" dirty="0"/>
-              <a:t>停止</a:t>
-            </a:r>
-            <a:r>
-              <a:rPr lang="en-US" altLang="zh-TW" dirty="0"/>
-              <a:t>:</a:t>
-            </a:r>
-            <a:r>
-              <a:rPr lang="zh-TW" altLang="en-US" dirty="0"/>
-              <a:t> </a:t>
-            </a:r>
-            <a:endParaRPr lang="en-US" altLang="zh-TW" dirty="0"/>
-          </a:p>
-          <a:p>
-            <a:pPr lvl="2"/>
-            <a:r>
-              <a:rPr lang="zh-TW" altLang="en-US" dirty="0"/>
-              <a:t>重複上述方法，只到不會有資料點因為重新尋找重心而改變群組</a:t>
-            </a:r>
-          </a:p>
-        </p:txBody>
-      </p:sp>
-      <p:sp>
-        <p:nvSpPr>
-          <p:cNvPr id="3" name="投影片編號版面配置區 2">
-            <a:extLst>
-              <a:ext uri="{FF2B5EF4-FFF2-40B4-BE49-F238E27FC236}">
-                <a16:creationId xmlns:a16="http://schemas.microsoft.com/office/drawing/2014/main" id="{B20274A0-D978-4320-A1D8-D26913FC3B36}"/>
-              </a:ext>
-            </a:extLst>
-          </p:cNvPr>
-          <p:cNvSpPr>
-            <a:spLocks noGrp="1"/>
-          </p:cNvSpPr>
-          <p:nvPr>
-            <p:ph type="sldNum" sz="quarter" idx="12"/>
-          </p:nvPr>
-        </p:nvSpPr>
-        <p:spPr/>
-        <p:txBody>
-          <a:bodyPr/>
-          <a:lstStyle/>
-          <a:p>
-            <a:fld id="{8F4EACC7-37E3-43A5-A5FB-BEB9CE95D266}" type="slidenum">
-              <a:rPr lang="zh-TW" altLang="en-US" smtClean="0"/>
-              <a:pPr/>
-              <a:t>6</a:t>
-            </a:fld>
-            <a:endParaRPr lang="zh-TW" altLang="en-US"/>
-          </a:p>
-        </p:txBody>
-      </p:sp>
-      <p:sp>
-        <p:nvSpPr>
-          <p:cNvPr id="4" name="標題 3">
-            <a:extLst>
-              <a:ext uri="{FF2B5EF4-FFF2-40B4-BE49-F238E27FC236}">
-                <a16:creationId xmlns:a16="http://schemas.microsoft.com/office/drawing/2014/main" id="{509A37B4-9426-4710-BC90-75B4BE2BB2E9}"/>
-              </a:ext>
-            </a:extLst>
-          </p:cNvPr>
-          <p:cNvSpPr>
-            <a:spLocks noGrp="1"/>
-          </p:cNvSpPr>
-          <p:nvPr>
-            <p:ph type="title"/>
-          </p:nvPr>
-        </p:nvSpPr>
-        <p:spPr/>
-        <p:txBody>
-          <a:bodyPr/>
-          <a:lstStyle/>
-          <a:p>
-            <a:r>
-              <a:rPr lang="en-US" altLang="zh-TW" dirty="0"/>
-              <a:t>Algorithms - </a:t>
-            </a:r>
-            <a:r>
-              <a:rPr lang="en-US" altLang="zh-TW" dirty="0" err="1"/>
-              <a:t>Kmeans</a:t>
-            </a:r>
-            <a:endParaRPr lang="zh-TW" altLang="en-US" dirty="0"/>
-          </a:p>
-        </p:txBody>
-      </p:sp>
-    </p:spTree>
-    <p:extLst>
-      <p:ext uri="{BB962C8B-B14F-4D97-AF65-F5344CB8AC3E}">
-        <p14:creationId xmlns:p14="http://schemas.microsoft.com/office/powerpoint/2010/main" val="811438314"/>
-      </p:ext>
-    </p:extLst>
-  </p:cSld>
-  <p:clrMapOvr>
-    <a:masterClrMapping/>
-  </p:clrMapOvr>
-</p:sld>
-</file>
-
 <file path=ppt/slides/slide8.xml><?xml version="1.0" encoding="utf-8"?>
 <p:sld xmlns:a="http://schemas.openxmlformats.org/drawingml/2006/main" xmlns:r="http://schemas.openxmlformats.org/officeDocument/2006/relationships" xmlns:p="http://schemas.openxmlformats.org/presentationml/2006/main">
   <p:cSld>
@@ -10042,41 +10707,160 @@
         <p:spPr/>
         <p:txBody>
           <a:bodyPr>
-            <a:normAutofit/>
+            <a:normAutofit lnSpcReduction="10000"/>
           </a:bodyPr>
           <a:lstStyle/>
           <a:p>
             <a:r>
               <a:rPr lang="en-US" altLang="zh-TW" dirty="0"/>
-              <a:t>Visualize¶</a:t>
-            </a:r>
-          </a:p>
-          <a:p>
-            <a:pPr lvl="1"/>
-            <a:r>
-              <a:rPr lang="en-US" altLang="zh-TW" dirty="0"/>
-              <a:t>Web:</a:t>
+              <a:t>steps</a:t>
+            </a:r>
+          </a:p>
+          <a:p>
+            <a:pPr marL="819150" lvl="1" indent="-457200">
+              <a:buFont typeface="+mj-lt"/>
+              <a:buAutoNum type="arabicPeriod"/>
+            </a:pPr>
+            <a:r>
+              <a:rPr lang="zh-TW" altLang="en-US" dirty="0"/>
+              <a:t>設定重心</a:t>
+            </a:r>
+            <a:r>
+              <a:rPr lang="en-US" altLang="zh-TW" dirty="0"/>
+              <a:t>:</a:t>
+            </a:r>
+          </a:p>
+          <a:p>
+            <a:pPr lvl="2"/>
+            <a:r>
+              <a:rPr lang="zh-TW" altLang="en-US" dirty="0"/>
+              <a:t>決定要分幾個群</a:t>
+            </a:r>
+            <a:r>
+              <a:rPr lang="en-US" altLang="zh-TW" dirty="0"/>
+              <a:t>(e.g. K</a:t>
+            </a:r>
+            <a:r>
+              <a:rPr lang="zh-TW" altLang="en-US" dirty="0"/>
+              <a:t>群</a:t>
+            </a:r>
+            <a:r>
+              <a:rPr lang="en-US" altLang="zh-TW" dirty="0"/>
+              <a:t>)</a:t>
+            </a:r>
+          </a:p>
+          <a:p>
+            <a:pPr lvl="2"/>
+            <a:r>
+              <a:rPr lang="zh-TW" altLang="en-US" dirty="0"/>
+              <a:t>隨機產生</a:t>
+            </a:r>
+            <a:r>
+              <a:rPr lang="en-US" altLang="zh-TW" dirty="0"/>
+              <a:t>K</a:t>
+            </a:r>
+            <a:r>
+              <a:rPr lang="zh-TW" altLang="en-US" dirty="0"/>
+              <a:t>個重心</a:t>
+            </a:r>
+          </a:p>
+          <a:p>
+            <a:pPr marL="819150" lvl="1" indent="-457200">
+              <a:buFont typeface="+mj-lt"/>
+              <a:buAutoNum type="arabicPeriod"/>
+            </a:pPr>
+            <a:r>
+              <a:rPr lang="zh-TW" altLang="en-US" dirty="0"/>
+              <a:t>分群</a:t>
+            </a:r>
+            <a:r>
+              <a:rPr lang="en-US" altLang="zh-TW" dirty="0"/>
+              <a:t>:</a:t>
+            </a:r>
+          </a:p>
+          <a:p>
+            <a:pPr lvl="2"/>
+            <a:r>
+              <a:rPr lang="zh-TW" altLang="en-US" dirty="0"/>
+              <a:t>找到所有資料點歸屬的重心</a:t>
+            </a:r>
+            <a:r>
+              <a:rPr lang="en-US" altLang="zh-TW" dirty="0"/>
+              <a:t>: </a:t>
+            </a:r>
+            <a:r>
+              <a:rPr lang="zh-TW" altLang="en-US" dirty="0"/>
+              <a:t>找到分別最靠近這三個點的所有資料點，並做第一個迴圈的分群</a:t>
+            </a:r>
+          </a:p>
+          <a:p>
+            <a:pPr marL="819150" lvl="1" indent="-457200">
+              <a:buFont typeface="+mj-lt"/>
+              <a:buAutoNum type="arabicPeriod"/>
+            </a:pPr>
+            <a:r>
+              <a:rPr lang="zh-TW" altLang="en-US" dirty="0"/>
+              <a:t>尋找重心</a:t>
+            </a:r>
+            <a:r>
+              <a:rPr lang="en-US" altLang="zh-TW" dirty="0"/>
+              <a:t>:</a:t>
+            </a:r>
+          </a:p>
+          <a:p>
+            <a:pPr lvl="2"/>
+            <a:r>
+              <a:rPr lang="zh-TW" altLang="en-US" dirty="0"/>
+              <a:t>重新計算所有資料點的重心</a:t>
+            </a:r>
+            <a:r>
+              <a:rPr lang="en-US" altLang="zh-TW" dirty="0"/>
+              <a:t>(element-wise</a:t>
+            </a:r>
+            <a:r>
+              <a:rPr lang="zh-TW" altLang="en-US" dirty="0"/>
+              <a:t>的平均</a:t>
+            </a:r>
+            <a:r>
+              <a:rPr lang="en-US" altLang="zh-TW" dirty="0"/>
+              <a:t>)</a:t>
+            </a:r>
+          </a:p>
+          <a:p>
+            <a:pPr marL="819150" lvl="1" indent="-457200">
+              <a:buFont typeface="+mj-lt"/>
+              <a:buAutoNum type="arabicPeriod"/>
+            </a:pPr>
+            <a:r>
+              <a:rPr lang="en-US" altLang="zh-TW" dirty="0"/>
+              <a:t>....</a:t>
+            </a:r>
+          </a:p>
+          <a:p>
+            <a:pPr marL="819150" lvl="1" indent="-457200">
+              <a:buFont typeface="+mj-lt"/>
+              <a:buAutoNum type="arabicPeriod"/>
+            </a:pPr>
+            <a:r>
+              <a:rPr lang="zh-TW" altLang="en-US" dirty="0"/>
+              <a:t>停止</a:t>
+            </a:r>
+            <a:r>
+              <a:rPr lang="en-US" altLang="zh-TW" dirty="0"/>
+              <a:t>:</a:t>
             </a:r>
             <a:r>
               <a:rPr lang="zh-TW" altLang="en-US" dirty="0"/>
               <a:t> </a:t>
             </a:r>
-            <a:r>
-              <a:rPr lang="en-US" altLang="zh-TW" dirty="0">
-                <a:hlinkClick r:id="rId2"/>
-              </a:rPr>
-              <a:t>http://stanford.edu/class/ee103/visualizations/kmeans/kmeans.html</a:t>
-            </a:r>
             <a:endParaRPr lang="en-US" altLang="zh-TW" dirty="0"/>
           </a:p>
           <a:p>
-            <a:r>
-              <a:rPr lang="en-US" altLang="zh-TW" dirty="0"/>
-              <a:t>GIF:</a:t>
-            </a:r>
-          </a:p>
-          <a:p>
-            <a:endParaRPr lang="en-US" altLang="zh-TW" dirty="0"/>
+            <a:pPr lvl="2"/>
+            <a:r>
+              <a:rPr lang="zh-TW" altLang="en-US" dirty="0"/>
+              <a:t>重複上述方法，只到不會有資料點因為重新尋找重心而改變群組</a:t>
+            </a:r>
           </a:p>
         </p:txBody>
       </p:sp>
@@ -10143,46 +10927,10 @@
           </a:p>
         </p:txBody>
       </p:sp>
-      <p:pic>
-        <p:nvPicPr>
-          <p:cNvPr id="6" name="圖片 5">
-            <a:extLst>
-              <a:ext uri="{FF2B5EF4-FFF2-40B4-BE49-F238E27FC236}">
-                <a16:creationId xmlns:a16="http://schemas.microsoft.com/office/drawing/2014/main" id="{EDFE4634-B4A5-43AF-AF7A-BBC21987C082}"/>
-              </a:ext>
-            </a:extLst>
-          </p:cNvPr>
-          <p:cNvPicPr>
-            <a:picLocks noChangeAspect="1"/>
-          </p:cNvPicPr>
-          <p:nvPr/>
-        </p:nvPicPr>
-        <p:blipFill>
-          <a:blip r:embed="rId3">
-            <a:extLst>
-              <a:ext uri="{28A0092B-C50C-407E-A947-70E740481C1C}">
-                <a14:useLocalDpi xmlns:a14="http://schemas.microsoft.com/office/drawing/2010/main" val="0"/>
-              </a:ext>
-            </a:extLst>
-          </a:blip>
-          <a:stretch>
-            <a:fillRect/>
-          </a:stretch>
-        </p:blipFill>
-        <p:spPr>
-          <a:xfrm>
-            <a:off x="3009900" y="2590800"/>
-            <a:ext cx="3886200" cy="3886200"/>
-          </a:xfrm>
-          <a:prstGeom prst="rect">
-            <a:avLst/>
-          </a:prstGeom>
-        </p:spPr>
-      </p:pic>
     </p:spTree>
     <p:extLst>
       <p:ext uri="{BB962C8B-B14F-4D97-AF65-F5344CB8AC3E}">
-        <p14:creationId xmlns:p14="http://schemas.microsoft.com/office/powerpoint/2010/main" val="2052895324"/>
+        <p14:creationId xmlns:p14="http://schemas.microsoft.com/office/powerpoint/2010/main" val="811438314"/>
       </p:ext>
     </p:extLst>
   </p:cSld>
@@ -10214,7 +10962,7 @@
           <p:cNvPr id="2" name="內容版面配置區 1">
             <a:extLst>
               <a:ext uri="{FF2B5EF4-FFF2-40B4-BE49-F238E27FC236}">
-                <a16:creationId xmlns:a16="http://schemas.microsoft.com/office/drawing/2014/main" id="{C3796DC3-5694-44EC-8DD7-4FBA449AB52C}"/>
+                <a16:creationId xmlns:a16="http://schemas.microsoft.com/office/drawing/2014/main" id="{DD1850DB-C8E9-4C25-B18D-3BC64B07B224}"/>
               </a:ext>
             </a:extLst>
           </p:cNvPr>
@@ -10228,180 +10976,41 @@
         <p:spPr/>
         <p:txBody>
           <a:bodyPr>
-            <a:normAutofit lnSpcReduction="10000"/>
+            <a:normAutofit/>
           </a:bodyPr>
           <a:lstStyle/>
           <a:p>
             <a:r>
               <a:rPr lang="en-US" altLang="zh-TW" dirty="0"/>
-              <a:t>Parameters</a:t>
+              <a:t>Visualize¶</a:t>
             </a:r>
           </a:p>
           <a:p>
             <a:pPr lvl="1"/>
             <a:r>
-              <a:rPr lang="en-US" altLang="zh-TW" dirty="0" err="1"/>
-              <a:t>n_cluster</a:t>
-            </a:r>
-            <a:r>
-              <a:rPr lang="en-US" altLang="zh-TW" dirty="0"/>
-              <a:t>: </a:t>
+              <a:rPr lang="en-US" altLang="zh-TW" dirty="0"/>
+              <a:t>Web:</a:t>
             </a:r>
             <a:r>
               <a:rPr lang="zh-TW" altLang="en-US" dirty="0"/>
-              <a:t>要分成幾個群</a:t>
-            </a:r>
-          </a:p>
-          <a:p>
-            <a:pPr lvl="1"/>
-            <a:r>
-              <a:rPr lang="en-US" altLang="zh-TW" dirty="0" err="1"/>
-              <a:t>random_state</a:t>
-            </a:r>
-            <a:r>
-              <a:rPr lang="en-US" altLang="zh-TW" dirty="0"/>
-              <a:t>: </a:t>
-            </a:r>
-            <a:r>
-              <a:rPr lang="zh-TW" altLang="en-US" dirty="0"/>
-              <a:t>決定初始點的隨機</a:t>
-            </a:r>
-            <a:r>
-              <a:rPr lang="en-US" altLang="zh-TW" dirty="0"/>
-              <a:t>seed</a:t>
-            </a:r>
-          </a:p>
-          <a:p>
-            <a:r>
-              <a:rPr lang="en-US" altLang="zh-TW" dirty="0"/>
-              <a:t>Pros &amp; Cons</a:t>
-            </a:r>
-          </a:p>
-          <a:p>
-            <a:pPr lvl="1"/>
-            <a:r>
-              <a:rPr lang="zh-TW" altLang="en-US" dirty="0"/>
-              <a:t>優點</a:t>
-            </a:r>
-          </a:p>
-          <a:p>
-            <a:pPr lvl="2"/>
-            <a:r>
-              <a:rPr lang="zh-TW" altLang="en-US" dirty="0"/>
-              <a:t>效率</a:t>
-            </a:r>
-            <a:r>
-              <a:rPr lang="en-US" altLang="zh-TW" dirty="0"/>
-              <a:t>: </a:t>
-            </a:r>
-            <a:r>
-              <a:rPr lang="zh-TW" altLang="en-US" dirty="0"/>
-              <a:t>時間複雜度</a:t>
-            </a:r>
-            <a:r>
-              <a:rPr lang="en-US" altLang="zh-TW" dirty="0"/>
-              <a:t>O(</a:t>
-            </a:r>
-            <a:r>
-              <a:rPr lang="en-US" altLang="zh-TW" dirty="0" err="1"/>
-              <a:t>tkn</a:t>
-            </a:r>
-            <a:r>
-              <a:rPr lang="en-US" altLang="zh-TW" dirty="0"/>
-              <a:t>)</a:t>
-            </a:r>
-            <a:r>
-              <a:rPr lang="zh-TW" altLang="en-US" dirty="0"/>
-              <a:t>。</a:t>
-            </a:r>
-            <a:r>
-              <a:rPr lang="en-US" altLang="zh-TW" dirty="0"/>
-              <a:t>n</a:t>
-            </a:r>
-            <a:r>
-              <a:rPr lang="zh-TW" altLang="en-US" dirty="0"/>
-              <a:t>是資料點的個數，</a:t>
-            </a:r>
-            <a:r>
-              <a:rPr lang="en-US" altLang="zh-TW" dirty="0"/>
-              <a:t>k</a:t>
-            </a:r>
-            <a:r>
-              <a:rPr lang="zh-TW" altLang="en-US" dirty="0"/>
-              <a:t>是群的個數，</a:t>
-            </a:r>
-            <a:r>
-              <a:rPr lang="en-US" altLang="zh-TW" dirty="0"/>
-              <a:t>t</a:t>
-            </a:r>
-            <a:r>
-              <a:rPr lang="zh-TW" altLang="en-US" dirty="0"/>
-              <a:t>是迴圈的個數，一班來說</a:t>
-            </a:r>
-            <a:r>
-              <a:rPr lang="en-US" altLang="zh-TW" dirty="0"/>
-              <a:t>: k, t &lt;&lt; n</a:t>
-            </a:r>
-            <a:r>
-              <a:rPr lang="zh-TW" altLang="en-US" dirty="0"/>
-              <a:t>。</a:t>
-            </a:r>
-          </a:p>
-          <a:p>
-            <a:pPr lvl="1"/>
-            <a:r>
-              <a:rPr lang="zh-TW" altLang="en-US" dirty="0"/>
-              <a:t>缺點</a:t>
-            </a:r>
-          </a:p>
-          <a:p>
-            <a:pPr lvl="2"/>
-            <a:r>
-              <a:rPr lang="zh-TW" altLang="en-US" dirty="0"/>
-              <a:t>需要指定分成幾群</a:t>
-            </a:r>
-          </a:p>
-          <a:p>
-            <a:pPr lvl="2"/>
-            <a:r>
-              <a:rPr lang="zh-TW" altLang="en-US" dirty="0"/>
-              <a:t>無法處理具有雜訊</a:t>
-            </a:r>
-            <a:r>
-              <a:rPr lang="en-US" altLang="zh-TW" dirty="0"/>
-              <a:t>(noisy)</a:t>
-            </a:r>
-            <a:r>
-              <a:rPr lang="zh-TW" altLang="en-US" dirty="0"/>
-              <a:t>的資料及離群值</a:t>
-            </a:r>
-            <a:r>
-              <a:rPr lang="en-US" altLang="zh-TW" dirty="0"/>
-              <a:t>(outliers)</a:t>
-            </a:r>
-          </a:p>
-          <a:p>
-            <a:pPr lvl="2"/>
-            <a:r>
-              <a:rPr lang="zh-TW" altLang="en-US" dirty="0"/>
-              <a:t>無法處理不同大小及不同密度的群</a:t>
+              <a:t> </a:t>
+            </a:r>
+            <a:r>
+              <a:rPr lang="en-US" altLang="zh-TW" dirty="0">
+                <a:hlinkClick r:id="rId2"/>
+              </a:rPr>
+              <a:t>http://stanford.edu/class/ee103/visualizations/kmeans/kmeans.html</a:t>
             </a:r>
             <a:endParaRPr lang="en-US" altLang="zh-TW" dirty="0"/>
           </a:p>
           <a:p>
-            <a:pPr lvl="2"/>
-            <a:r>
-              <a:rPr lang="zh-TW" altLang="en-US" dirty="0"/>
-              <a:t>無法發現凸多邊形</a:t>
-            </a:r>
-            <a:r>
-              <a:rPr lang="en-US" altLang="zh-TW" dirty="0"/>
-              <a:t>(non-convex)</a:t>
-            </a:r>
-            <a:r>
-              <a:rPr lang="zh-TW" altLang="en-US" dirty="0"/>
-              <a:t>以外的群</a:t>
-            </a:r>
+            <a:r>
+              <a:rPr lang="en-US" altLang="zh-TW" dirty="0"/>
+              <a:t>GIF:</a:t>
+            </a:r>
+          </a:p>
+          <a:p>
+            <a:endParaRPr lang="en-US" altLang="zh-TW" dirty="0"/>
           </a:p>
         </p:txBody>
       </p:sp>
@@ -10410,7 +11019,7 @@
           <p:cNvPr id="3" name="投影片編號版面配置區 2">
             <a:extLst>
               <a:ext uri="{FF2B5EF4-FFF2-40B4-BE49-F238E27FC236}">
-                <a16:creationId xmlns:a16="http://schemas.microsoft.com/office/drawing/2014/main" id="{F16A4F9E-54FE-481A-96BF-E7F33A07A2A6}"/>
+                <a16:creationId xmlns:a16="http://schemas.microsoft.com/office/drawing/2014/main" id="{B20274A0-D978-4320-A1D8-D26913FC3B36}"/>
               </a:ext>
             </a:extLst>
           </p:cNvPr>
@@ -10440,7 +11049,7 @@
           <p:cNvPr id="4" name="標題 3">
             <a:extLst>
               <a:ext uri="{FF2B5EF4-FFF2-40B4-BE49-F238E27FC236}">
-                <a16:creationId xmlns:a16="http://schemas.microsoft.com/office/drawing/2014/main" id="{157C233E-7EF8-48BF-9165-83C64CE9C9EC}"/>
+                <a16:creationId xmlns:a16="http://schemas.microsoft.com/office/drawing/2014/main" id="{509A37B4-9426-4710-BC90-75B4BE2BB2E9}"/>
               </a:ext>
             </a:extLst>
           </p:cNvPr>
@@ -10468,381 +11077,46 @@
           </a:p>
         </p:txBody>
       </p:sp>
-      <p:sp>
-        <p:nvSpPr>
-          <p:cNvPr id="5" name="內容版面配置區 1">
+      <p:pic>
+        <p:nvPicPr>
+          <p:cNvPr id="6" name="圖片 5">
             <a:extLst>
               <a:ext uri="{FF2B5EF4-FFF2-40B4-BE49-F238E27FC236}">
-                <a16:creationId xmlns:a16="http://schemas.microsoft.com/office/drawing/2014/main" id="{9008070C-7A33-4A90-B6F8-ACA1530577A6}"/>
+                <a16:creationId xmlns:a16="http://schemas.microsoft.com/office/drawing/2014/main" id="{EDFE4634-B4A5-43AF-AF7A-BBC21987C082}"/>
               </a:ext>
             </a:extLst>
           </p:cNvPr>
-          <p:cNvSpPr txBox="1">
-            <a:spLocks/>
-          </p:cNvSpPr>
+          <p:cNvPicPr>
+            <a:picLocks noChangeAspect="1"/>
+          </p:cNvPicPr>
           <p:nvPr/>
-        </p:nvSpPr>
-        <p:spPr bwMode="ltGray">
+        </p:nvPicPr>
+        <p:blipFill>
+          <a:blip r:embed="rId3">
+            <a:extLst>
+              <a:ext uri="{28A0092B-C50C-407E-A947-70E740481C1C}">
+                <a14:useLocalDpi xmlns:a14="http://schemas.microsoft.com/office/drawing/2010/main" val="0"/>
+              </a:ext>
+            </a:extLst>
+          </a:blip>
+          <a:stretch>
+            <a:fillRect/>
+          </a:stretch>
+        </p:blipFill>
+        <p:spPr>
           <a:xfrm>
-            <a:off x="272480" y="762000"/>
-            <a:ext cx="9361040" cy="5616624"/>
+            <a:off x="3009900" y="2590800"/>
+            <a:ext cx="3886200" cy="3886200"/>
           </a:xfrm>
           <a:prstGeom prst="rect">
             <a:avLst/>
           </a:prstGeom>
         </p:spPr>
-        <p:txBody>
-          <a:bodyPr vert="horz" lIns="91440" tIns="45720" rIns="91440" bIns="45720" rtlCol="0">
-            <a:normAutofit lnSpcReduction="10000"/>
-          </a:bodyPr>
-          <a:lstStyle>
-            <a:lvl1pPr marL="342900" indent="-342900" algn="l" defTabSz="914400" rtl="0" eaLnBrk="1" latinLnBrk="0" hangingPunct="1">
-              <a:lnSpc>
-                <a:spcPct val="100000"/>
-              </a:lnSpc>
-              <a:spcBef>
-                <a:spcPts val="600"/>
-              </a:spcBef>
-              <a:spcAft>
-                <a:spcPts val="600"/>
-              </a:spcAft>
-              <a:buClr>
-                <a:schemeClr val="accent1"/>
-              </a:buClr>
-              <a:buFont typeface="Arial" pitchFamily="34" charset="0"/>
-              <a:buChar char="•"/>
-              <a:defRPr sz="2800" b="1" kern="1200">
-                <a:solidFill>
-                  <a:srgbClr val="393939"/>
-                </a:solidFill>
-                <a:latin typeface="微軟正黑體" pitchFamily="34" charset="-120"/>
-                <a:ea typeface="微軟正黑體" pitchFamily="34" charset="-120"/>
-                <a:cs typeface="+mn-cs"/>
-              </a:defRPr>
-            </a:lvl1pPr>
-            <a:lvl2pPr marL="714375" indent="-352425" algn="l" defTabSz="914400" rtl="0" eaLnBrk="1" latinLnBrk="0" hangingPunct="1">
-              <a:lnSpc>
-                <a:spcPct val="100000"/>
-              </a:lnSpc>
-              <a:spcBef>
-                <a:spcPts val="600"/>
-              </a:spcBef>
-              <a:spcAft>
-                <a:spcPts val="600"/>
-              </a:spcAft>
-              <a:buClr>
-                <a:schemeClr val="accent2"/>
-              </a:buClr>
-              <a:buFont typeface="Arial" pitchFamily="34" charset="0"/>
-              <a:buChar char="–"/>
-              <a:defRPr sz="2400" b="1" kern="1200">
-                <a:solidFill>
-                  <a:srgbClr val="393939"/>
-                </a:solidFill>
-                <a:latin typeface="微軟正黑體" pitchFamily="34" charset="-120"/>
-                <a:ea typeface="微軟正黑體" pitchFamily="34" charset="-120"/>
-                <a:cs typeface="+mn-cs"/>
-              </a:defRPr>
-            </a:lvl2pPr>
-            <a:lvl3pPr marL="1076325" indent="-266700" algn="l" defTabSz="914400" rtl="0" eaLnBrk="1" latinLnBrk="0" hangingPunct="1">
-              <a:lnSpc>
-                <a:spcPct val="100000"/>
-              </a:lnSpc>
-              <a:spcBef>
-                <a:spcPts val="600"/>
-              </a:spcBef>
-              <a:spcAft>
-                <a:spcPts val="600"/>
-              </a:spcAft>
-              <a:buClr>
-                <a:schemeClr val="accent3"/>
-              </a:buClr>
-              <a:buFont typeface="Arial" pitchFamily="34" charset="0"/>
-              <a:buChar char="•"/>
-              <a:defRPr sz="2000" kern="1200">
-                <a:solidFill>
-                  <a:srgbClr val="393939"/>
-                </a:solidFill>
-                <a:latin typeface="微軟正黑體" pitchFamily="34" charset="-120"/>
-                <a:ea typeface="微軟正黑體" pitchFamily="34" charset="-120"/>
-                <a:cs typeface="+mn-cs"/>
-              </a:defRPr>
-            </a:lvl3pPr>
-            <a:lvl4pPr marL="1343025" indent="-180975" algn="l" defTabSz="914400" rtl="0" eaLnBrk="1" latinLnBrk="0" hangingPunct="1">
-              <a:lnSpc>
-                <a:spcPct val="100000"/>
-              </a:lnSpc>
-              <a:spcBef>
-                <a:spcPts val="600"/>
-              </a:spcBef>
-              <a:spcAft>
-                <a:spcPts val="600"/>
-              </a:spcAft>
-              <a:buClr>
-                <a:schemeClr val="accent4"/>
-              </a:buClr>
-              <a:buFont typeface="Arial" pitchFamily="34" charset="0"/>
-              <a:buChar char="–"/>
-              <a:defRPr sz="1800" kern="1200">
-                <a:solidFill>
-                  <a:srgbClr val="393939"/>
-                </a:solidFill>
-                <a:latin typeface="微軟正黑體" pitchFamily="34" charset="-120"/>
-                <a:ea typeface="微軟正黑體" pitchFamily="34" charset="-120"/>
-                <a:cs typeface="+mn-cs"/>
-              </a:defRPr>
-            </a:lvl4pPr>
-            <a:lvl5pPr marL="1619250" indent="-276225" algn="l" defTabSz="914400" rtl="0" eaLnBrk="1" latinLnBrk="0" hangingPunct="1">
-              <a:lnSpc>
-                <a:spcPct val="100000"/>
-              </a:lnSpc>
-              <a:spcBef>
-                <a:spcPts val="600"/>
-              </a:spcBef>
-              <a:spcAft>
-                <a:spcPts val="600"/>
-              </a:spcAft>
-              <a:buClr>
-                <a:schemeClr val="accent5"/>
-              </a:buClr>
-              <a:buFont typeface="Arial" pitchFamily="34" charset="0"/>
-              <a:buChar char="»"/>
-              <a:tabLst>
-                <a:tab pos="7981950" algn="l"/>
-              </a:tabLst>
-              <a:defRPr sz="1800" kern="1200">
-                <a:solidFill>
-                  <a:srgbClr val="393939"/>
-                </a:solidFill>
-                <a:latin typeface="微軟正黑體" pitchFamily="34" charset="-120"/>
-                <a:ea typeface="微軟正黑體" pitchFamily="34" charset="-120"/>
-                <a:cs typeface="+mn-cs"/>
-              </a:defRPr>
-            </a:lvl5pPr>
-            <a:lvl6pPr marL="2514600" indent="-228600" algn="l" defTabSz="914400" rtl="0" eaLnBrk="1" latinLnBrk="0" hangingPunct="1">
-              <a:spcBef>
-                <a:spcPct val="20000"/>
-              </a:spcBef>
-              <a:buFont typeface="Arial" pitchFamily="34" charset="0"/>
-              <a:buChar char="•"/>
-              <a:defRPr sz="2000" kern="1200">
-                <a:solidFill>
-                  <a:schemeClr val="tx1"/>
-                </a:solidFill>
-                <a:latin typeface="+mn-lt"/>
-                <a:ea typeface="+mn-ea"/>
-                <a:cs typeface="+mn-cs"/>
-              </a:defRPr>
-            </a:lvl6pPr>
-            <a:lvl7pPr marL="2971800" indent="-228600" algn="l" defTabSz="914400" rtl="0" eaLnBrk="1" latinLnBrk="0" hangingPunct="1">
-              <a:spcBef>
-                <a:spcPct val="20000"/>
-              </a:spcBef>
-              <a:buFont typeface="Arial" pitchFamily="34" charset="0"/>
-              <a:buChar char="•"/>
-              <a:defRPr sz="2000" kern="1200">
-                <a:solidFill>
-                  <a:schemeClr val="tx1"/>
-                </a:solidFill>
-                <a:latin typeface="+mn-lt"/>
-                <a:ea typeface="+mn-ea"/>
-                <a:cs typeface="+mn-cs"/>
-              </a:defRPr>
-            </a:lvl7pPr>
-            <a:lvl8pPr marL="3429000" indent="-228600" algn="l" defTabSz="914400" rtl="0" eaLnBrk="1" latinLnBrk="0" hangingPunct="1">
-              <a:spcBef>
-                <a:spcPct val="20000"/>
-              </a:spcBef>
-              <a:buFont typeface="Arial" pitchFamily="34" charset="0"/>
-              <a:buChar char="•"/>
-              <a:defRPr sz="2000" kern="1200">
-                <a:solidFill>
-                  <a:schemeClr val="tx1"/>
-                </a:solidFill>
-                <a:latin typeface="+mn-lt"/>
-                <a:ea typeface="+mn-ea"/>
-                <a:cs typeface="+mn-cs"/>
-              </a:defRPr>
-            </a:lvl8pPr>
-            <a:lvl9pPr marL="3886200" indent="-228600" algn="l" defTabSz="914400" rtl="0" eaLnBrk="1" latinLnBrk="0" hangingPunct="1">
-              <a:spcBef>
-                <a:spcPct val="20000"/>
-              </a:spcBef>
-              <a:buFont typeface="Arial" pitchFamily="34" charset="0"/>
-              <a:buChar char="•"/>
-              <a:defRPr sz="2000" kern="1200">
-                <a:solidFill>
-                  <a:schemeClr val="tx1"/>
-                </a:solidFill>
-                <a:latin typeface="+mn-lt"/>
-                <a:ea typeface="+mn-ea"/>
-                <a:cs typeface="+mn-cs"/>
-              </a:defRPr>
-            </a:lvl9pPr>
-          </a:lstStyle>
-          <a:p>
-            <a:r>
-              <a:rPr lang="en-US" altLang="zh-TW"/>
-              <a:t>Parameters</a:t>
-            </a:r>
-          </a:p>
-          <a:p>
-            <a:pPr lvl="1"/>
-            <a:r>
-              <a:rPr lang="en-US" altLang="zh-TW"/>
-              <a:t>n_cluster: </a:t>
-            </a:r>
-            <a:r>
-              <a:rPr lang="zh-TW" altLang="en-US"/>
-              <a:t>要分成幾個群</a:t>
-            </a:r>
-          </a:p>
-          <a:p>
-            <a:pPr lvl="1"/>
-            <a:r>
-              <a:rPr lang="en-US" altLang="zh-TW"/>
-              <a:t>random_state: </a:t>
-            </a:r>
-            <a:r>
-              <a:rPr lang="zh-TW" altLang="en-US"/>
-              <a:t>決定初始點的隨機</a:t>
-            </a:r>
-            <a:r>
-              <a:rPr lang="en-US" altLang="zh-TW"/>
-              <a:t>seed</a:t>
-            </a:r>
-          </a:p>
-          <a:p>
-            <a:r>
-              <a:rPr lang="en-US" altLang="zh-TW"/>
-              <a:t>Pros &amp; Cons</a:t>
-            </a:r>
-          </a:p>
-          <a:p>
-            <a:pPr lvl="1"/>
-            <a:r>
-              <a:rPr lang="zh-TW" altLang="en-US"/>
-              <a:t>優點</a:t>
-            </a:r>
-          </a:p>
-          <a:p>
-            <a:pPr lvl="2"/>
-            <a:r>
-              <a:rPr lang="zh-TW" altLang="en-US"/>
-              <a:t>效率</a:t>
-            </a:r>
-            <a:r>
-              <a:rPr lang="en-US" altLang="zh-TW"/>
-              <a:t>: </a:t>
-            </a:r>
-            <a:r>
-              <a:rPr lang="zh-TW" altLang="en-US"/>
-              <a:t>時間複雜度</a:t>
-            </a:r>
-            <a:r>
-              <a:rPr lang="en-US" altLang="zh-TW"/>
-              <a:t>O(tkn)</a:t>
-            </a:r>
-            <a:r>
-              <a:rPr lang="zh-TW" altLang="en-US"/>
-              <a:t>。</a:t>
-            </a:r>
-            <a:r>
-              <a:rPr lang="en-US" altLang="zh-TW"/>
-              <a:t>n</a:t>
-            </a:r>
-            <a:r>
-              <a:rPr lang="zh-TW" altLang="en-US"/>
-              <a:t>是資料點的個數，</a:t>
-            </a:r>
-            <a:r>
-              <a:rPr lang="en-US" altLang="zh-TW"/>
-              <a:t>k</a:t>
-            </a:r>
-            <a:r>
-              <a:rPr lang="zh-TW" altLang="en-US"/>
-              <a:t>是群的個數，</a:t>
-            </a:r>
-            <a:r>
-              <a:rPr lang="en-US" altLang="zh-TW"/>
-              <a:t>t</a:t>
-            </a:r>
-            <a:r>
-              <a:rPr lang="zh-TW" altLang="en-US"/>
-              <a:t>是迴圈的個數，一班來說</a:t>
-            </a:r>
-            <a:r>
-              <a:rPr lang="en-US" altLang="zh-TW"/>
-              <a:t>: k, t &lt;&lt; n</a:t>
-            </a:r>
-            <a:r>
-              <a:rPr lang="zh-TW" altLang="en-US"/>
-              <a:t>。</a:t>
-            </a:r>
-          </a:p>
-          <a:p>
-            <a:pPr lvl="1"/>
-            <a:r>
-              <a:rPr lang="zh-TW" altLang="en-US"/>
-              <a:t>缺點</a:t>
-            </a:r>
-          </a:p>
-          <a:p>
-            <a:pPr lvl="2"/>
-            <a:r>
-              <a:rPr lang="zh-TW" altLang="en-US"/>
-              <a:t>需要指定分成幾群</a:t>
-            </a:r>
-          </a:p>
-          <a:p>
-            <a:pPr lvl="2"/>
-            <a:r>
-              <a:rPr lang="zh-TW" altLang="en-US"/>
-              <a:t>無法處理具有雜訊</a:t>
-            </a:r>
-            <a:r>
-              <a:rPr lang="en-US" altLang="zh-TW"/>
-              <a:t>(noisy)</a:t>
-            </a:r>
-            <a:r>
-              <a:rPr lang="zh-TW" altLang="en-US"/>
-              <a:t>的資料及離群值</a:t>
-            </a:r>
-            <a:r>
-              <a:rPr lang="en-US" altLang="zh-TW"/>
-              <a:t>(outliers)</a:t>
-            </a:r>
-          </a:p>
-          <a:p>
-            <a:pPr lvl="2"/>
-            <a:r>
-              <a:rPr lang="zh-TW" altLang="en-US"/>
-              <a:t>無法處理不同大小及不同密度的群</a:t>
-            </a:r>
-            <a:endParaRPr lang="en-US" altLang="zh-TW"/>
-          </a:p>
-          <a:p>
-            <a:pPr lvl="2"/>
-            <a:r>
-              <a:rPr lang="zh-TW" altLang="en-US"/>
-              <a:t>無法發現凸多邊形</a:t>
-            </a:r>
-            <a:r>
-              <a:rPr lang="en-US" altLang="zh-TW"/>
-              <a:t>(non-convex)</a:t>
-            </a:r>
-            <a:r>
-              <a:rPr lang="zh-TW" altLang="en-US"/>
-              <a:t>以外的群</a:t>
-            </a:r>
-            <a:endParaRPr lang="zh-TW" altLang="en-US" dirty="0"/>
-          </a:p>
-        </p:txBody>
-      </p:sp>
+      </p:pic>
     </p:spTree>
     <p:extLst>
       <p:ext uri="{BB962C8B-B14F-4D97-AF65-F5344CB8AC3E}">
-        <p14:creationId xmlns:p14="http://schemas.microsoft.com/office/powerpoint/2010/main" val="4257339657"/>
+        <p14:creationId xmlns:p14="http://schemas.microsoft.com/office/powerpoint/2010/main" val="2052895324"/>
       </p:ext>
     </p:extLst>
   </p:cSld>

--- a/03_ClusteringTheory/03_ClusteringTheory.pptx
+++ b/03_ClusteringTheory/03_ClusteringTheory.pptx
@@ -135,7 +135,7 @@
   </p:defaultTextStyle>
   <p:extLst>
     <p:ext uri="{EFAFB233-063F-42B5-8137-9DF3F51BA10A}">
-      <p15:sldGuideLst xmlns:p15="http://schemas.microsoft.com/office/powerpoint/2012/main">
+      <p15:sldGuideLst xmlns:p15="http://schemas.microsoft.com/office/powerpoint/2012/main" xmlns="">
         <p15:guide id="1" orient="horz" pos="2160">
           <p15:clr>
             <a:srgbClr val="A4A3A4"/>
@@ -234,7 +234,7 @@
           <a:p>
             <a:fld id="{05BF5AB9-3463-4E65-AFD3-5431B79ADFDC}" type="datetimeFigureOut">
               <a:rPr lang="zh-TW" altLang="en-US" smtClean="0"/>
-              <a:t>2020/6/7</a:t>
+              <a:t>2021/7/20</a:t>
             </a:fld>
             <a:endParaRPr lang="zh-TW" altLang="en-US"/>
           </a:p>
@@ -399,7 +399,7 @@
           <a:p>
             <a:fld id="{838FF680-7B6B-4655-B6A1-33A8AD0AE8B4}" type="datetimeFigureOut">
               <a:rPr lang="zh-TW" altLang="en-US" smtClean="0"/>
-              <a:t>2020/6/7</a:t>
+              <a:t>2021/7/20</a:t>
             </a:fld>
             <a:endParaRPr lang="zh-TW" altLang="en-US"/>
           </a:p>
@@ -3036,7 +3036,7 @@
   </p:clrMapOvr>
   <p:extLst>
     <p:ext uri="{DCECCB84-F9BA-43D5-87BE-67443E8EF086}">
-      <p15:sldGuideLst xmlns:p15="http://schemas.microsoft.com/office/powerpoint/2012/main">
+      <p15:sldGuideLst xmlns:p15="http://schemas.microsoft.com/office/powerpoint/2012/main" xmlns="">
         <p15:guide id="1" orient="horz" pos="2160">
           <p15:clr>
             <a:srgbClr val="FBAE40"/>
@@ -5296,7 +5296,7 @@
           <p:cNvPr id="2" name="內容版面配置區 1">
             <a:extLst>
               <a:ext uri="{FF2B5EF4-FFF2-40B4-BE49-F238E27FC236}">
-                <a16:creationId xmlns:a16="http://schemas.microsoft.com/office/drawing/2014/main" id="{C3796DC3-5694-44EC-8DD7-4FBA449AB52C}"/>
+                <a16:creationId xmlns:a16="http://schemas.microsoft.com/office/drawing/2014/main" xmlns="" id="{C3796DC3-5694-44EC-8DD7-4FBA449AB52C}"/>
               </a:ext>
             </a:extLst>
           </p:cNvPr>
@@ -5492,7 +5492,7 @@
           <p:cNvPr id="3" name="投影片編號版面配置區 2">
             <a:extLst>
               <a:ext uri="{FF2B5EF4-FFF2-40B4-BE49-F238E27FC236}">
-                <a16:creationId xmlns:a16="http://schemas.microsoft.com/office/drawing/2014/main" id="{F16A4F9E-54FE-481A-96BF-E7F33A07A2A6}"/>
+                <a16:creationId xmlns:a16="http://schemas.microsoft.com/office/drawing/2014/main" xmlns="" id="{F16A4F9E-54FE-481A-96BF-E7F33A07A2A6}"/>
               </a:ext>
             </a:extLst>
           </p:cNvPr>
@@ -5522,7 +5522,7 @@
           <p:cNvPr id="4" name="標題 3">
             <a:extLst>
               <a:ext uri="{FF2B5EF4-FFF2-40B4-BE49-F238E27FC236}">
-                <a16:creationId xmlns:a16="http://schemas.microsoft.com/office/drawing/2014/main" id="{157C233E-7EF8-48BF-9165-83C64CE9C9EC}"/>
+                <a16:creationId xmlns:a16="http://schemas.microsoft.com/office/drawing/2014/main" xmlns="" id="{157C233E-7EF8-48BF-9165-83C64CE9C9EC}"/>
               </a:ext>
             </a:extLst>
           </p:cNvPr>
@@ -5555,7 +5555,7 @@
           <p:cNvPr id="5" name="內容版面配置區 1">
             <a:extLst>
               <a:ext uri="{FF2B5EF4-FFF2-40B4-BE49-F238E27FC236}">
-                <a16:creationId xmlns:a16="http://schemas.microsoft.com/office/drawing/2014/main" id="{9008070C-7A33-4A90-B6F8-ACA1530577A6}"/>
+                <a16:creationId xmlns:a16="http://schemas.microsoft.com/office/drawing/2014/main" xmlns="" id="{9008070C-7A33-4A90-B6F8-ACA1530577A6}"/>
               </a:ext>
             </a:extLst>
           </p:cNvPr>
@@ -5956,7 +5956,7 @@
           <p:cNvPr id="3" name="投影片編號版面配置區 2">
             <a:extLst>
               <a:ext uri="{FF2B5EF4-FFF2-40B4-BE49-F238E27FC236}">
-                <a16:creationId xmlns:a16="http://schemas.microsoft.com/office/drawing/2014/main" id="{167215AF-BD77-4DAD-BC10-19595D549659}"/>
+                <a16:creationId xmlns:a16="http://schemas.microsoft.com/office/drawing/2014/main" xmlns="" id="{167215AF-BD77-4DAD-BC10-19595D549659}"/>
               </a:ext>
             </a:extLst>
           </p:cNvPr>
@@ -5986,7 +5986,7 @@
           <p:cNvPr id="4" name="標題 3">
             <a:extLst>
               <a:ext uri="{FF2B5EF4-FFF2-40B4-BE49-F238E27FC236}">
-                <a16:creationId xmlns:a16="http://schemas.microsoft.com/office/drawing/2014/main" id="{876332E8-D958-443E-996F-ECEF97E7E3A7}"/>
+                <a16:creationId xmlns:a16="http://schemas.microsoft.com/office/drawing/2014/main" xmlns="" id="{876332E8-D958-443E-996F-ECEF97E7E3A7}"/>
               </a:ext>
             </a:extLst>
           </p:cNvPr>
@@ -6019,7 +6019,7 @@
           <p:cNvPr id="11" name="圖片 10">
             <a:extLst>
               <a:ext uri="{FF2B5EF4-FFF2-40B4-BE49-F238E27FC236}">
-                <a16:creationId xmlns:a16="http://schemas.microsoft.com/office/drawing/2014/main" id="{19AD04DF-81BD-4429-8F01-B23F25E7DC2D}"/>
+                <a16:creationId xmlns:a16="http://schemas.microsoft.com/office/drawing/2014/main" xmlns="" id="{19AD04DF-81BD-4429-8F01-B23F25E7DC2D}"/>
               </a:ext>
             </a:extLst>
           </p:cNvPr>
@@ -6055,7 +6055,7 @@
           <p:cNvPr id="12" name="內容版面配置區 1">
             <a:extLst>
               <a:ext uri="{FF2B5EF4-FFF2-40B4-BE49-F238E27FC236}">
-                <a16:creationId xmlns:a16="http://schemas.microsoft.com/office/drawing/2014/main" id="{52301B7B-4C37-4A9D-9B70-1C7585F7BE90}"/>
+                <a16:creationId xmlns:a16="http://schemas.microsoft.com/office/drawing/2014/main" xmlns="" id="{52301B7B-4C37-4A9D-9B70-1C7585F7BE90}"/>
               </a:ext>
             </a:extLst>
           </p:cNvPr>
@@ -6312,7 +6312,7 @@
           <p:cNvPr id="16" name="群組 15">
             <a:extLst>
               <a:ext uri="{FF2B5EF4-FFF2-40B4-BE49-F238E27FC236}">
-                <a16:creationId xmlns:a16="http://schemas.microsoft.com/office/drawing/2014/main" id="{4A7062DE-093E-4C5F-B1D2-D52739313882}"/>
+                <a16:creationId xmlns:a16="http://schemas.microsoft.com/office/drawing/2014/main" xmlns="" id="{4A7062DE-093E-4C5F-B1D2-D52739313882}"/>
               </a:ext>
             </a:extLst>
           </p:cNvPr>
@@ -6332,7 +6332,7 @@
             <p:cNvPr id="9" name="圖片 8">
               <a:extLst>
                 <a:ext uri="{FF2B5EF4-FFF2-40B4-BE49-F238E27FC236}">
-                  <a16:creationId xmlns:a16="http://schemas.microsoft.com/office/drawing/2014/main" id="{5A1BE687-6FA6-4720-8BE4-4536E405960C}"/>
+                  <a16:creationId xmlns:a16="http://schemas.microsoft.com/office/drawing/2014/main" xmlns="" id="{5A1BE687-6FA6-4720-8BE4-4536E405960C}"/>
                 </a:ext>
               </a:extLst>
             </p:cNvPr>
@@ -6367,7 +6367,7 @@
             <p:cNvPr id="15" name="圖片 14">
               <a:extLst>
                 <a:ext uri="{FF2B5EF4-FFF2-40B4-BE49-F238E27FC236}">
-                  <a16:creationId xmlns:a16="http://schemas.microsoft.com/office/drawing/2014/main" id="{9F09A34F-1693-4546-B88F-5887C613E2C3}"/>
+                  <a16:creationId xmlns:a16="http://schemas.microsoft.com/office/drawing/2014/main" xmlns="" id="{9F09A34F-1693-4546-B88F-5887C613E2C3}"/>
                 </a:ext>
               </a:extLst>
             </p:cNvPr>
@@ -6433,7 +6433,7 @@
           <p:cNvPr id="2" name="內容版面配置區 1">
             <a:extLst>
               <a:ext uri="{FF2B5EF4-FFF2-40B4-BE49-F238E27FC236}">
-                <a16:creationId xmlns:a16="http://schemas.microsoft.com/office/drawing/2014/main" id="{B7B5687A-EA10-4F83-BF9B-20767EF74BAA}"/>
+                <a16:creationId xmlns:a16="http://schemas.microsoft.com/office/drawing/2014/main" xmlns="" id="{B7B5687A-EA10-4F83-BF9B-20767EF74BAA}"/>
               </a:ext>
             </a:extLst>
           </p:cNvPr>
@@ -6476,7 +6476,7 @@
           <p:cNvPr id="3" name="投影片編號版面配置區 2">
             <a:extLst>
               <a:ext uri="{FF2B5EF4-FFF2-40B4-BE49-F238E27FC236}">
-                <a16:creationId xmlns:a16="http://schemas.microsoft.com/office/drawing/2014/main" id="{4A658E91-C92A-4633-AC41-3BBF0C0D93A1}"/>
+                <a16:creationId xmlns:a16="http://schemas.microsoft.com/office/drawing/2014/main" xmlns="" id="{4A658E91-C92A-4633-AC41-3BBF0C0D93A1}"/>
               </a:ext>
             </a:extLst>
           </p:cNvPr>
@@ -6506,7 +6506,7 @@
           <p:cNvPr id="4" name="標題 3">
             <a:extLst>
               <a:ext uri="{FF2B5EF4-FFF2-40B4-BE49-F238E27FC236}">
-                <a16:creationId xmlns:a16="http://schemas.microsoft.com/office/drawing/2014/main" id="{8EDD900F-0511-439E-8EBE-8B3AF70C8565}"/>
+                <a16:creationId xmlns:a16="http://schemas.microsoft.com/office/drawing/2014/main" xmlns="" id="{8EDD900F-0511-439E-8EBE-8B3AF70C8565}"/>
               </a:ext>
             </a:extLst>
           </p:cNvPr>
@@ -6544,7 +6544,7 @@
           <p:cNvPr id="6" name="矩形 5">
             <a:extLst>
               <a:ext uri="{FF2B5EF4-FFF2-40B4-BE49-F238E27FC236}">
-                <a16:creationId xmlns:a16="http://schemas.microsoft.com/office/drawing/2014/main" id="{412F04D8-6CC3-4827-B745-79F2E3CC3C30}"/>
+                <a16:creationId xmlns:a16="http://schemas.microsoft.com/office/drawing/2014/main" xmlns="" id="{412F04D8-6CC3-4827-B745-79F2E3CC3C30}"/>
               </a:ext>
             </a:extLst>
           </p:cNvPr>
@@ -6655,7 +6655,7 @@
           <p:cNvPr id="4098" name="Picture 2">
             <a:extLst>
               <a:ext uri="{FF2B5EF4-FFF2-40B4-BE49-F238E27FC236}">
-                <a16:creationId xmlns:a16="http://schemas.microsoft.com/office/drawing/2014/main" id="{9ADD23CE-FE3D-4227-A1F9-9CA405CDA887}"/>
+                <a16:creationId xmlns:a16="http://schemas.microsoft.com/office/drawing/2014/main" xmlns="" id="{9ADD23CE-FE3D-4227-A1F9-9CA405CDA887}"/>
               </a:ext>
             </a:extLst>
           </p:cNvPr>
@@ -6732,7 +6732,7 @@
           <p:cNvPr id="2" name="內容版面配置區 1">
             <a:extLst>
               <a:ext uri="{FF2B5EF4-FFF2-40B4-BE49-F238E27FC236}">
-                <a16:creationId xmlns:a16="http://schemas.microsoft.com/office/drawing/2014/main" id="{B7B5687A-EA10-4F83-BF9B-20767EF74BAA}"/>
+                <a16:creationId xmlns:a16="http://schemas.microsoft.com/office/drawing/2014/main" xmlns="" id="{B7B5687A-EA10-4F83-BF9B-20767EF74BAA}"/>
               </a:ext>
             </a:extLst>
           </p:cNvPr>
@@ -6765,7 +6765,7 @@
           <p:cNvPr id="3" name="投影片編號版面配置區 2">
             <a:extLst>
               <a:ext uri="{FF2B5EF4-FFF2-40B4-BE49-F238E27FC236}">
-                <a16:creationId xmlns:a16="http://schemas.microsoft.com/office/drawing/2014/main" id="{4A658E91-C92A-4633-AC41-3BBF0C0D93A1}"/>
+                <a16:creationId xmlns:a16="http://schemas.microsoft.com/office/drawing/2014/main" xmlns="" id="{4A658E91-C92A-4633-AC41-3BBF0C0D93A1}"/>
               </a:ext>
             </a:extLst>
           </p:cNvPr>
@@ -6795,7 +6795,7 @@
           <p:cNvPr id="4" name="標題 3">
             <a:extLst>
               <a:ext uri="{FF2B5EF4-FFF2-40B4-BE49-F238E27FC236}">
-                <a16:creationId xmlns:a16="http://schemas.microsoft.com/office/drawing/2014/main" id="{8EDD900F-0511-439E-8EBE-8B3AF70C8565}"/>
+                <a16:creationId xmlns:a16="http://schemas.microsoft.com/office/drawing/2014/main" xmlns="" id="{8EDD900F-0511-439E-8EBE-8B3AF70C8565}"/>
               </a:ext>
             </a:extLst>
           </p:cNvPr>
@@ -6833,7 +6833,7 @@
           <p:cNvPr id="9" name="Picture 2">
             <a:extLst>
               <a:ext uri="{FF2B5EF4-FFF2-40B4-BE49-F238E27FC236}">
-                <a16:creationId xmlns:a16="http://schemas.microsoft.com/office/drawing/2014/main" id="{D342BCFC-829A-4EF4-BFE5-619C421575F8}"/>
+                <a16:creationId xmlns:a16="http://schemas.microsoft.com/office/drawing/2014/main" xmlns="" id="{D342BCFC-829A-4EF4-BFE5-619C421575F8}"/>
               </a:ext>
             </a:extLst>
           </p:cNvPr>
@@ -6908,7 +6908,7 @@
           <p:cNvPr id="2" name="內容版面配置區 1">
             <a:extLst>
               <a:ext uri="{FF2B5EF4-FFF2-40B4-BE49-F238E27FC236}">
-                <a16:creationId xmlns:a16="http://schemas.microsoft.com/office/drawing/2014/main" id="{02411F3C-7416-4CB0-B194-4DEB373EA87B}"/>
+                <a16:creationId xmlns:a16="http://schemas.microsoft.com/office/drawing/2014/main" xmlns="" id="{02411F3C-7416-4CB0-B194-4DEB373EA87B}"/>
               </a:ext>
             </a:extLst>
           </p:cNvPr>
@@ -6996,7 +6996,7 @@
           <p:cNvPr id="3" name="投影片編號版面配置區 2">
             <a:extLst>
               <a:ext uri="{FF2B5EF4-FFF2-40B4-BE49-F238E27FC236}">
-                <a16:creationId xmlns:a16="http://schemas.microsoft.com/office/drawing/2014/main" id="{8A3DD650-5DEE-4B1E-A16A-F8D422D045BE}"/>
+                <a16:creationId xmlns:a16="http://schemas.microsoft.com/office/drawing/2014/main" xmlns="" id="{8A3DD650-5DEE-4B1E-A16A-F8D422D045BE}"/>
               </a:ext>
             </a:extLst>
           </p:cNvPr>
@@ -7026,7 +7026,7 @@
           <p:cNvPr id="4" name="標題 3">
             <a:extLst>
               <a:ext uri="{FF2B5EF4-FFF2-40B4-BE49-F238E27FC236}">
-                <a16:creationId xmlns:a16="http://schemas.microsoft.com/office/drawing/2014/main" id="{C5D8D76A-E899-4FE5-87A2-F8E19CA8124D}"/>
+                <a16:creationId xmlns:a16="http://schemas.microsoft.com/office/drawing/2014/main" xmlns="" id="{C5D8D76A-E899-4FE5-87A2-F8E19CA8124D}"/>
               </a:ext>
             </a:extLst>
           </p:cNvPr>
@@ -7093,7 +7093,7 @@
           <p:cNvPr id="6" name="內容版面配置區 5">
             <a:extLst>
               <a:ext uri="{FF2B5EF4-FFF2-40B4-BE49-F238E27FC236}">
-                <a16:creationId xmlns:a16="http://schemas.microsoft.com/office/drawing/2014/main" id="{D38E6469-A9E5-4C7A-93B1-F83CBE156D30}"/>
+                <a16:creationId xmlns:a16="http://schemas.microsoft.com/office/drawing/2014/main" xmlns="" id="{D38E6469-A9E5-4C7A-93B1-F83CBE156D30}"/>
               </a:ext>
             </a:extLst>
           </p:cNvPr>
@@ -7128,7 +7128,7 @@
           <p:cNvPr id="3" name="投影片編號版面配置區 2">
             <a:extLst>
               <a:ext uri="{FF2B5EF4-FFF2-40B4-BE49-F238E27FC236}">
-                <a16:creationId xmlns:a16="http://schemas.microsoft.com/office/drawing/2014/main" id="{12FE5EF3-760E-4F6B-8C78-76643A58E940}"/>
+                <a16:creationId xmlns:a16="http://schemas.microsoft.com/office/drawing/2014/main" xmlns="" id="{12FE5EF3-760E-4F6B-8C78-76643A58E940}"/>
               </a:ext>
             </a:extLst>
           </p:cNvPr>
@@ -7158,7 +7158,7 @@
           <p:cNvPr id="4" name="標題 3">
             <a:extLst>
               <a:ext uri="{FF2B5EF4-FFF2-40B4-BE49-F238E27FC236}">
-                <a16:creationId xmlns:a16="http://schemas.microsoft.com/office/drawing/2014/main" id="{5E24D290-EC94-48F1-AF0E-FAB3AF23CF3D}"/>
+                <a16:creationId xmlns:a16="http://schemas.microsoft.com/office/drawing/2014/main" xmlns="" id="{5E24D290-EC94-48F1-AF0E-FAB3AF23CF3D}"/>
               </a:ext>
             </a:extLst>
           </p:cNvPr>
@@ -7225,7 +7225,7 @@
           <p:cNvPr id="2" name="內容版面配置區 1">
             <a:extLst>
               <a:ext uri="{FF2B5EF4-FFF2-40B4-BE49-F238E27FC236}">
-                <a16:creationId xmlns:a16="http://schemas.microsoft.com/office/drawing/2014/main" id="{20A0D4FA-65B1-460D-8CF3-2768464970F9}"/>
+                <a16:creationId xmlns:a16="http://schemas.microsoft.com/office/drawing/2014/main" xmlns="" id="{20A0D4FA-65B1-460D-8CF3-2768464970F9}"/>
               </a:ext>
             </a:extLst>
           </p:cNvPr>
@@ -7361,7 +7361,7 @@
           <p:cNvPr id="3" name="投影片編號版面配置區 2">
             <a:extLst>
               <a:ext uri="{FF2B5EF4-FFF2-40B4-BE49-F238E27FC236}">
-                <a16:creationId xmlns:a16="http://schemas.microsoft.com/office/drawing/2014/main" id="{32D1325A-78A4-4FC1-B02D-A3227405F544}"/>
+                <a16:creationId xmlns:a16="http://schemas.microsoft.com/office/drawing/2014/main" xmlns="" id="{32D1325A-78A4-4FC1-B02D-A3227405F544}"/>
               </a:ext>
             </a:extLst>
           </p:cNvPr>
@@ -7391,7 +7391,7 @@
           <p:cNvPr id="4" name="標題 3">
             <a:extLst>
               <a:ext uri="{FF2B5EF4-FFF2-40B4-BE49-F238E27FC236}">
-                <a16:creationId xmlns:a16="http://schemas.microsoft.com/office/drawing/2014/main" id="{99298D6B-1F5D-4CB6-94F8-68D10DA7CF4E}"/>
+                <a16:creationId xmlns:a16="http://schemas.microsoft.com/office/drawing/2014/main" xmlns="" id="{99298D6B-1F5D-4CB6-94F8-68D10DA7CF4E}"/>
               </a:ext>
             </a:extLst>
           </p:cNvPr>
@@ -7458,7 +7458,7 @@
           <p:cNvPr id="2" name="內容版面配置區 1">
             <a:extLst>
               <a:ext uri="{FF2B5EF4-FFF2-40B4-BE49-F238E27FC236}">
-                <a16:creationId xmlns:a16="http://schemas.microsoft.com/office/drawing/2014/main" id="{B7B5687A-EA10-4F83-BF9B-20767EF74BAA}"/>
+                <a16:creationId xmlns:a16="http://schemas.microsoft.com/office/drawing/2014/main" xmlns="" id="{B7B5687A-EA10-4F83-BF9B-20767EF74BAA}"/>
               </a:ext>
             </a:extLst>
           </p:cNvPr>
@@ -7501,7 +7501,7 @@
           <p:cNvPr id="3" name="投影片編號版面配置區 2">
             <a:extLst>
               <a:ext uri="{FF2B5EF4-FFF2-40B4-BE49-F238E27FC236}">
-                <a16:creationId xmlns:a16="http://schemas.microsoft.com/office/drawing/2014/main" id="{4A658E91-C92A-4633-AC41-3BBF0C0D93A1}"/>
+                <a16:creationId xmlns:a16="http://schemas.microsoft.com/office/drawing/2014/main" xmlns="" id="{4A658E91-C92A-4633-AC41-3BBF0C0D93A1}"/>
               </a:ext>
             </a:extLst>
           </p:cNvPr>
@@ -7531,7 +7531,7 @@
           <p:cNvPr id="4" name="標題 3">
             <a:extLst>
               <a:ext uri="{FF2B5EF4-FFF2-40B4-BE49-F238E27FC236}">
-                <a16:creationId xmlns:a16="http://schemas.microsoft.com/office/drawing/2014/main" id="{8EDD900F-0511-439E-8EBE-8B3AF70C8565}"/>
+                <a16:creationId xmlns:a16="http://schemas.microsoft.com/office/drawing/2014/main" xmlns="" id="{8EDD900F-0511-439E-8EBE-8B3AF70C8565}"/>
               </a:ext>
             </a:extLst>
           </p:cNvPr>
@@ -7568,7 +7568,7 @@
           <p:cNvPr id="6" name="矩形 5">
             <a:extLst>
               <a:ext uri="{FF2B5EF4-FFF2-40B4-BE49-F238E27FC236}">
-                <a16:creationId xmlns:a16="http://schemas.microsoft.com/office/drawing/2014/main" id="{412F04D8-6CC3-4827-B745-79F2E3CC3C30}"/>
+                <a16:creationId xmlns:a16="http://schemas.microsoft.com/office/drawing/2014/main" xmlns="" id="{412F04D8-6CC3-4827-B745-79F2E3CC3C30}"/>
               </a:ext>
             </a:extLst>
           </p:cNvPr>
@@ -7667,7 +7667,7 @@
           <p:cNvPr id="6146" name="Picture 2">
             <a:extLst>
               <a:ext uri="{FF2B5EF4-FFF2-40B4-BE49-F238E27FC236}">
-                <a16:creationId xmlns:a16="http://schemas.microsoft.com/office/drawing/2014/main" id="{B9BDCAAD-72E6-484F-A5B3-7FAEA2DEAD83}"/>
+                <a16:creationId xmlns:a16="http://schemas.microsoft.com/office/drawing/2014/main" xmlns="" id="{B9BDCAAD-72E6-484F-A5B3-7FAEA2DEAD83}"/>
               </a:ext>
             </a:extLst>
           </p:cNvPr>
@@ -7714,7 +7714,7 @@
           <p:cNvPr id="6150" name="Picture 6">
             <a:extLst>
               <a:ext uri="{FF2B5EF4-FFF2-40B4-BE49-F238E27FC236}">
-                <a16:creationId xmlns:a16="http://schemas.microsoft.com/office/drawing/2014/main" id="{77E08226-36B5-45D7-A4B2-573F599C5354}"/>
+                <a16:creationId xmlns:a16="http://schemas.microsoft.com/office/drawing/2014/main" xmlns="" id="{77E08226-36B5-45D7-A4B2-573F599C5354}"/>
               </a:ext>
             </a:extLst>
           </p:cNvPr>
@@ -7791,7 +7791,7 @@
           <p:cNvPr id="2" name="內容版面配置區 1">
             <a:extLst>
               <a:ext uri="{FF2B5EF4-FFF2-40B4-BE49-F238E27FC236}">
-                <a16:creationId xmlns:a16="http://schemas.microsoft.com/office/drawing/2014/main" id="{B7B5687A-EA10-4F83-BF9B-20767EF74BAA}"/>
+                <a16:creationId xmlns:a16="http://schemas.microsoft.com/office/drawing/2014/main" xmlns="" id="{B7B5687A-EA10-4F83-BF9B-20767EF74BAA}"/>
               </a:ext>
             </a:extLst>
           </p:cNvPr>
@@ -7833,7 +7833,7 @@
           <p:cNvPr id="3" name="投影片編號版面配置區 2">
             <a:extLst>
               <a:ext uri="{FF2B5EF4-FFF2-40B4-BE49-F238E27FC236}">
-                <a16:creationId xmlns:a16="http://schemas.microsoft.com/office/drawing/2014/main" id="{4A658E91-C92A-4633-AC41-3BBF0C0D93A1}"/>
+                <a16:creationId xmlns:a16="http://schemas.microsoft.com/office/drawing/2014/main" xmlns="" id="{4A658E91-C92A-4633-AC41-3BBF0C0D93A1}"/>
               </a:ext>
             </a:extLst>
           </p:cNvPr>
@@ -7863,7 +7863,7 @@
           <p:cNvPr id="4" name="標題 3">
             <a:extLst>
               <a:ext uri="{FF2B5EF4-FFF2-40B4-BE49-F238E27FC236}">
-                <a16:creationId xmlns:a16="http://schemas.microsoft.com/office/drawing/2014/main" id="{8EDD900F-0511-439E-8EBE-8B3AF70C8565}"/>
+                <a16:creationId xmlns:a16="http://schemas.microsoft.com/office/drawing/2014/main" xmlns="" id="{8EDD900F-0511-439E-8EBE-8B3AF70C8565}"/>
               </a:ext>
             </a:extLst>
           </p:cNvPr>
@@ -7905,7 +7905,7 @@
           <p:cNvPr id="6" name="矩形 5">
             <a:extLst>
               <a:ext uri="{FF2B5EF4-FFF2-40B4-BE49-F238E27FC236}">
-                <a16:creationId xmlns:a16="http://schemas.microsoft.com/office/drawing/2014/main" id="{412F04D8-6CC3-4827-B745-79F2E3CC3C30}"/>
+                <a16:creationId xmlns:a16="http://schemas.microsoft.com/office/drawing/2014/main" xmlns="" id="{412F04D8-6CC3-4827-B745-79F2E3CC3C30}"/>
               </a:ext>
             </a:extLst>
           </p:cNvPr>
@@ -7997,7 +7997,7 @@
           <p:cNvPr id="7170" name="Picture 2">
             <a:extLst>
               <a:ext uri="{FF2B5EF4-FFF2-40B4-BE49-F238E27FC236}">
-                <a16:creationId xmlns:a16="http://schemas.microsoft.com/office/drawing/2014/main" id="{0243AD2B-C0F9-48D4-9038-E02C0752A1D4}"/>
+                <a16:creationId xmlns:a16="http://schemas.microsoft.com/office/drawing/2014/main" xmlns="" id="{0243AD2B-C0F9-48D4-9038-E02C0752A1D4}"/>
               </a:ext>
             </a:extLst>
           </p:cNvPr>
@@ -8074,7 +8074,7 @@
           <p:cNvPr id="2" name="內容版面配置區 1">
             <a:extLst>
               <a:ext uri="{FF2B5EF4-FFF2-40B4-BE49-F238E27FC236}">
-                <a16:creationId xmlns:a16="http://schemas.microsoft.com/office/drawing/2014/main" id="{3B898564-1A5E-4191-A218-E51AEDAA6C22}"/>
+                <a16:creationId xmlns:a16="http://schemas.microsoft.com/office/drawing/2014/main" xmlns="" id="{3B898564-1A5E-4191-A218-E51AEDAA6C22}"/>
               </a:ext>
             </a:extLst>
           </p:cNvPr>
@@ -8103,7 +8103,7 @@
           <p:cNvPr id="3" name="投影片編號版面配置區 2">
             <a:extLst>
               <a:ext uri="{FF2B5EF4-FFF2-40B4-BE49-F238E27FC236}">
-                <a16:creationId xmlns:a16="http://schemas.microsoft.com/office/drawing/2014/main" id="{67D27AD7-ECE5-4349-B0A6-80BCB13227F3}"/>
+                <a16:creationId xmlns:a16="http://schemas.microsoft.com/office/drawing/2014/main" xmlns="" id="{67D27AD7-ECE5-4349-B0A6-80BCB13227F3}"/>
               </a:ext>
             </a:extLst>
           </p:cNvPr>
@@ -8133,7 +8133,7 @@
           <p:cNvPr id="4" name="標題 3">
             <a:extLst>
               <a:ext uri="{FF2B5EF4-FFF2-40B4-BE49-F238E27FC236}">
-                <a16:creationId xmlns:a16="http://schemas.microsoft.com/office/drawing/2014/main" id="{63E0536D-5E42-471A-BFFF-05B45FBFFDDE}"/>
+                <a16:creationId xmlns:a16="http://schemas.microsoft.com/office/drawing/2014/main" xmlns="" id="{63E0536D-5E42-471A-BFFF-05B45FBFFDDE}"/>
               </a:ext>
             </a:extLst>
           </p:cNvPr>
@@ -8170,7 +8170,7 @@
           <p:cNvPr id="8196" name="Picture 4">
             <a:extLst>
               <a:ext uri="{FF2B5EF4-FFF2-40B4-BE49-F238E27FC236}">
-                <a16:creationId xmlns:a16="http://schemas.microsoft.com/office/drawing/2014/main" id="{B70F8EBC-E86E-4B5F-971C-ED477AA55C74}"/>
+                <a16:creationId xmlns:a16="http://schemas.microsoft.com/office/drawing/2014/main" xmlns="" id="{B70F8EBC-E86E-4B5F-971C-ED477AA55C74}"/>
               </a:ext>
             </a:extLst>
           </p:cNvPr>
@@ -8245,7 +8245,7 @@
           <p:cNvPr id="2" name="內容版面配置區 1">
             <a:extLst>
               <a:ext uri="{FF2B5EF4-FFF2-40B4-BE49-F238E27FC236}">
-                <a16:creationId xmlns:a16="http://schemas.microsoft.com/office/drawing/2014/main" id="{C097A585-27F3-44F2-B87C-DA48C741B23D}"/>
+                <a16:creationId xmlns:a16="http://schemas.microsoft.com/office/drawing/2014/main" xmlns="" id="{C097A585-27F3-44F2-B87C-DA48C741B23D}"/>
               </a:ext>
             </a:extLst>
           </p:cNvPr>
@@ -8399,7 +8399,7 @@
           <p:cNvPr id="3" name="投影片編號版面配置區 2">
             <a:extLst>
               <a:ext uri="{FF2B5EF4-FFF2-40B4-BE49-F238E27FC236}">
-                <a16:creationId xmlns:a16="http://schemas.microsoft.com/office/drawing/2014/main" id="{5055D2BF-36C3-43B5-BFF8-E1B381260BD1}"/>
+                <a16:creationId xmlns:a16="http://schemas.microsoft.com/office/drawing/2014/main" xmlns="" id="{5055D2BF-36C3-43B5-BFF8-E1B381260BD1}"/>
               </a:ext>
             </a:extLst>
           </p:cNvPr>
@@ -8429,7 +8429,7 @@
           <p:cNvPr id="4" name="標題 3">
             <a:extLst>
               <a:ext uri="{FF2B5EF4-FFF2-40B4-BE49-F238E27FC236}">
-                <a16:creationId xmlns:a16="http://schemas.microsoft.com/office/drawing/2014/main" id="{DA53E060-A7D8-4EC4-B558-CD18BD34DD45}"/>
+                <a16:creationId xmlns:a16="http://schemas.microsoft.com/office/drawing/2014/main" xmlns="" id="{DA53E060-A7D8-4EC4-B558-CD18BD34DD45}"/>
               </a:ext>
             </a:extLst>
           </p:cNvPr>
@@ -8458,7 +8458,7 @@
           <p:cNvPr id="5" name="圖片 4">
             <a:extLst>
               <a:ext uri="{FF2B5EF4-FFF2-40B4-BE49-F238E27FC236}">
-                <a16:creationId xmlns:a16="http://schemas.microsoft.com/office/drawing/2014/main" id="{8C6BDE8B-8BE4-4B6A-9A22-711B063FD0D6}"/>
+                <a16:creationId xmlns:a16="http://schemas.microsoft.com/office/drawing/2014/main" xmlns="" id="{8C6BDE8B-8BE4-4B6A-9A22-711B063FD0D6}"/>
               </a:ext>
             </a:extLst>
           </p:cNvPr>
@@ -8518,7 +8518,7 @@
           <p:cNvPr id="2" name="內容版面配置區 1">
             <a:extLst>
               <a:ext uri="{FF2B5EF4-FFF2-40B4-BE49-F238E27FC236}">
-                <a16:creationId xmlns:a16="http://schemas.microsoft.com/office/drawing/2014/main" id="{20A0D4FA-65B1-460D-8CF3-2768464970F9}"/>
+                <a16:creationId xmlns:a16="http://schemas.microsoft.com/office/drawing/2014/main" xmlns="" id="{20A0D4FA-65B1-460D-8CF3-2768464970F9}"/>
               </a:ext>
             </a:extLst>
           </p:cNvPr>
@@ -8596,7 +8596,7 @@
           <p:cNvPr id="3" name="投影片編號版面配置區 2">
             <a:extLst>
               <a:ext uri="{FF2B5EF4-FFF2-40B4-BE49-F238E27FC236}">
-                <a16:creationId xmlns:a16="http://schemas.microsoft.com/office/drawing/2014/main" id="{32D1325A-78A4-4FC1-B02D-A3227405F544}"/>
+                <a16:creationId xmlns:a16="http://schemas.microsoft.com/office/drawing/2014/main" xmlns="" id="{32D1325A-78A4-4FC1-B02D-A3227405F544}"/>
               </a:ext>
             </a:extLst>
           </p:cNvPr>
@@ -8626,7 +8626,7 @@
           <p:cNvPr id="4" name="標題 3">
             <a:extLst>
               <a:ext uri="{FF2B5EF4-FFF2-40B4-BE49-F238E27FC236}">
-                <a16:creationId xmlns:a16="http://schemas.microsoft.com/office/drawing/2014/main" id="{99298D6B-1F5D-4CB6-94F8-68D10DA7CF4E}"/>
+                <a16:creationId xmlns:a16="http://schemas.microsoft.com/office/drawing/2014/main" xmlns="" id="{99298D6B-1F5D-4CB6-94F8-68D10DA7CF4E}"/>
               </a:ext>
             </a:extLst>
           </p:cNvPr>
@@ -8663,7 +8663,7 @@
           <p:cNvPr id="6" name="圖片 5">
             <a:extLst>
               <a:ext uri="{FF2B5EF4-FFF2-40B4-BE49-F238E27FC236}">
-                <a16:creationId xmlns:a16="http://schemas.microsoft.com/office/drawing/2014/main" id="{79552B0F-FB12-4772-AF59-4BEFBB890EB2}"/>
+                <a16:creationId xmlns:a16="http://schemas.microsoft.com/office/drawing/2014/main" xmlns="" id="{79552B0F-FB12-4772-AF59-4BEFBB890EB2}"/>
               </a:ext>
             </a:extLst>
           </p:cNvPr>
@@ -8729,7 +8729,7 @@
           <p:cNvPr id="2" name="內容版面配置區 1">
             <a:extLst>
               <a:ext uri="{FF2B5EF4-FFF2-40B4-BE49-F238E27FC236}">
-                <a16:creationId xmlns:a16="http://schemas.microsoft.com/office/drawing/2014/main" id="{DB53C3ED-6891-4BDE-8C62-41D6F312A32E}"/>
+                <a16:creationId xmlns:a16="http://schemas.microsoft.com/office/drawing/2014/main" xmlns="" id="{DB53C3ED-6891-4BDE-8C62-41D6F312A32E}"/>
               </a:ext>
             </a:extLst>
           </p:cNvPr>
@@ -8796,7 +8796,7 @@
           <p:cNvPr id="3" name="投影片編號版面配置區 2">
             <a:extLst>
               <a:ext uri="{FF2B5EF4-FFF2-40B4-BE49-F238E27FC236}">
-                <a16:creationId xmlns:a16="http://schemas.microsoft.com/office/drawing/2014/main" id="{12BAB69D-BEAA-47B0-B3E3-4ED2E482FC5F}"/>
+                <a16:creationId xmlns:a16="http://schemas.microsoft.com/office/drawing/2014/main" xmlns="" id="{12BAB69D-BEAA-47B0-B3E3-4ED2E482FC5F}"/>
               </a:ext>
             </a:extLst>
           </p:cNvPr>
@@ -8826,7 +8826,7 @@
           <p:cNvPr id="4" name="標題 3">
             <a:extLst>
               <a:ext uri="{FF2B5EF4-FFF2-40B4-BE49-F238E27FC236}">
-                <a16:creationId xmlns:a16="http://schemas.microsoft.com/office/drawing/2014/main" id="{9DF79776-E22B-477F-8F05-65362E1DB6C1}"/>
+                <a16:creationId xmlns:a16="http://schemas.microsoft.com/office/drawing/2014/main" xmlns="" id="{9DF79776-E22B-477F-8F05-65362E1DB6C1}"/>
               </a:ext>
             </a:extLst>
           </p:cNvPr>
@@ -8893,7 +8893,7 @@
           <p:cNvPr id="2" name="內容版面配置區 1">
             <a:extLst>
               <a:ext uri="{FF2B5EF4-FFF2-40B4-BE49-F238E27FC236}">
-                <a16:creationId xmlns:a16="http://schemas.microsoft.com/office/drawing/2014/main" id="{B7B5687A-EA10-4F83-BF9B-20767EF74BAA}"/>
+                <a16:creationId xmlns:a16="http://schemas.microsoft.com/office/drawing/2014/main" xmlns="" id="{B7B5687A-EA10-4F83-BF9B-20767EF74BAA}"/>
               </a:ext>
             </a:extLst>
           </p:cNvPr>
@@ -8936,7 +8936,7 @@
           <p:cNvPr id="3" name="投影片編號版面配置區 2">
             <a:extLst>
               <a:ext uri="{FF2B5EF4-FFF2-40B4-BE49-F238E27FC236}">
-                <a16:creationId xmlns:a16="http://schemas.microsoft.com/office/drawing/2014/main" id="{4A658E91-C92A-4633-AC41-3BBF0C0D93A1}"/>
+                <a16:creationId xmlns:a16="http://schemas.microsoft.com/office/drawing/2014/main" xmlns="" id="{4A658E91-C92A-4633-AC41-3BBF0C0D93A1}"/>
               </a:ext>
             </a:extLst>
           </p:cNvPr>
@@ -8966,7 +8966,7 @@
           <p:cNvPr id="4" name="標題 3">
             <a:extLst>
               <a:ext uri="{FF2B5EF4-FFF2-40B4-BE49-F238E27FC236}">
-                <a16:creationId xmlns:a16="http://schemas.microsoft.com/office/drawing/2014/main" id="{8EDD900F-0511-439E-8EBE-8B3AF70C8565}"/>
+                <a16:creationId xmlns:a16="http://schemas.microsoft.com/office/drawing/2014/main" xmlns="" id="{8EDD900F-0511-439E-8EBE-8B3AF70C8565}"/>
               </a:ext>
             </a:extLst>
           </p:cNvPr>
@@ -9003,7 +9003,7 @@
           <p:cNvPr id="6" name="矩形 5">
             <a:extLst>
               <a:ext uri="{FF2B5EF4-FFF2-40B4-BE49-F238E27FC236}">
-                <a16:creationId xmlns:a16="http://schemas.microsoft.com/office/drawing/2014/main" id="{412F04D8-6CC3-4827-B745-79F2E3CC3C30}"/>
+                <a16:creationId xmlns:a16="http://schemas.microsoft.com/office/drawing/2014/main" xmlns="" id="{412F04D8-6CC3-4827-B745-79F2E3CC3C30}"/>
               </a:ext>
             </a:extLst>
           </p:cNvPr>
@@ -9077,7 +9077,7 @@
           <p:cNvPr id="11266" name="Picture 2">
             <a:extLst>
               <a:ext uri="{FF2B5EF4-FFF2-40B4-BE49-F238E27FC236}">
-                <a16:creationId xmlns:a16="http://schemas.microsoft.com/office/drawing/2014/main" id="{05780335-F9B7-4C82-996E-A68990C96067}"/>
+                <a16:creationId xmlns:a16="http://schemas.microsoft.com/office/drawing/2014/main" xmlns="" id="{05780335-F9B7-4C82-996E-A68990C96067}"/>
               </a:ext>
             </a:extLst>
           </p:cNvPr>
@@ -9124,7 +9124,7 @@
           <p:cNvPr id="11268" name="Picture 4">
             <a:extLst>
               <a:ext uri="{FF2B5EF4-FFF2-40B4-BE49-F238E27FC236}">
-                <a16:creationId xmlns:a16="http://schemas.microsoft.com/office/drawing/2014/main" id="{05758BD9-CB83-4BAC-A5B7-859B9999EB2E}"/>
+                <a16:creationId xmlns:a16="http://schemas.microsoft.com/office/drawing/2014/main" xmlns="" id="{05758BD9-CB83-4BAC-A5B7-859B9999EB2E}"/>
               </a:ext>
             </a:extLst>
           </p:cNvPr>
@@ -9201,7 +9201,7 @@
           <p:cNvPr id="2" name="內容版面配置區 1">
             <a:extLst>
               <a:ext uri="{FF2B5EF4-FFF2-40B4-BE49-F238E27FC236}">
-                <a16:creationId xmlns:a16="http://schemas.microsoft.com/office/drawing/2014/main" id="{B7B5687A-EA10-4F83-BF9B-20767EF74BAA}"/>
+                <a16:creationId xmlns:a16="http://schemas.microsoft.com/office/drawing/2014/main" xmlns="" id="{B7B5687A-EA10-4F83-BF9B-20767EF74BAA}"/>
               </a:ext>
             </a:extLst>
           </p:cNvPr>
@@ -9240,7 +9240,7 @@
           <p:cNvPr id="3" name="投影片編號版面配置區 2">
             <a:extLst>
               <a:ext uri="{FF2B5EF4-FFF2-40B4-BE49-F238E27FC236}">
-                <a16:creationId xmlns:a16="http://schemas.microsoft.com/office/drawing/2014/main" id="{4A658E91-C92A-4633-AC41-3BBF0C0D93A1}"/>
+                <a16:creationId xmlns:a16="http://schemas.microsoft.com/office/drawing/2014/main" xmlns="" id="{4A658E91-C92A-4633-AC41-3BBF0C0D93A1}"/>
               </a:ext>
             </a:extLst>
           </p:cNvPr>
@@ -9270,7 +9270,7 @@
           <p:cNvPr id="4" name="標題 3">
             <a:extLst>
               <a:ext uri="{FF2B5EF4-FFF2-40B4-BE49-F238E27FC236}">
-                <a16:creationId xmlns:a16="http://schemas.microsoft.com/office/drawing/2014/main" id="{8EDD900F-0511-439E-8EBE-8B3AF70C8565}"/>
+                <a16:creationId xmlns:a16="http://schemas.microsoft.com/office/drawing/2014/main" xmlns="" id="{8EDD900F-0511-439E-8EBE-8B3AF70C8565}"/>
               </a:ext>
             </a:extLst>
           </p:cNvPr>
@@ -9307,7 +9307,7 @@
           <p:cNvPr id="12290" name="Picture 2">
             <a:extLst>
               <a:ext uri="{FF2B5EF4-FFF2-40B4-BE49-F238E27FC236}">
-                <a16:creationId xmlns:a16="http://schemas.microsoft.com/office/drawing/2014/main" id="{4A0597D7-BE4F-4C78-8B7F-41AEFAF31DD8}"/>
+                <a16:creationId xmlns:a16="http://schemas.microsoft.com/office/drawing/2014/main" xmlns="" id="{4A0597D7-BE4F-4C78-8B7F-41AEFAF31DD8}"/>
               </a:ext>
             </a:extLst>
           </p:cNvPr>
@@ -9516,7 +9516,7 @@
           <p:cNvPr id="3" name="投影片編號版面配置區 2">
             <a:extLst>
               <a:ext uri="{FF2B5EF4-FFF2-40B4-BE49-F238E27FC236}">
-                <a16:creationId xmlns:a16="http://schemas.microsoft.com/office/drawing/2014/main" id="{62169F3F-DF2C-4777-9A52-9A6F7B43F9DA}"/>
+                <a16:creationId xmlns:a16="http://schemas.microsoft.com/office/drawing/2014/main" xmlns="" id="{62169F3F-DF2C-4777-9A52-9A6F7B43F9DA}"/>
               </a:ext>
             </a:extLst>
           </p:cNvPr>
@@ -9546,7 +9546,7 @@
           <p:cNvPr id="4" name="標題 3">
             <a:extLst>
               <a:ext uri="{FF2B5EF4-FFF2-40B4-BE49-F238E27FC236}">
-                <a16:creationId xmlns:a16="http://schemas.microsoft.com/office/drawing/2014/main" id="{58845DEA-5A56-4269-9D99-ECE642113B70}"/>
+                <a16:creationId xmlns:a16="http://schemas.microsoft.com/office/drawing/2014/main" xmlns="" id="{58845DEA-5A56-4269-9D99-ECE642113B70}"/>
               </a:ext>
             </a:extLst>
           </p:cNvPr>
@@ -9571,7 +9571,7 @@
           <p:cNvPr id="1026" name="Picture 2">
             <a:extLst>
               <a:ext uri="{FF2B5EF4-FFF2-40B4-BE49-F238E27FC236}">
-                <a16:creationId xmlns:a16="http://schemas.microsoft.com/office/drawing/2014/main" id="{D55E11AA-FAB4-4833-97A8-ADA3928073A1}"/>
+                <a16:creationId xmlns:a16="http://schemas.microsoft.com/office/drawing/2014/main" xmlns="" id="{D55E11AA-FAB4-4833-97A8-ADA3928073A1}"/>
               </a:ext>
             </a:extLst>
           </p:cNvPr>
@@ -9618,7 +9618,7 @@
           <p:cNvPr id="1028" name="Picture 4">
             <a:extLst>
               <a:ext uri="{FF2B5EF4-FFF2-40B4-BE49-F238E27FC236}">
-                <a16:creationId xmlns:a16="http://schemas.microsoft.com/office/drawing/2014/main" id="{A32950ED-25FE-44A5-AA7D-E40A73AB39AD}"/>
+                <a16:creationId xmlns:a16="http://schemas.microsoft.com/office/drawing/2014/main" xmlns="" id="{A32950ED-25FE-44A5-AA7D-E40A73AB39AD}"/>
               </a:ext>
             </a:extLst>
           </p:cNvPr>
@@ -9665,7 +9665,7 @@
           <p:cNvPr id="1030" name="Picture 6">
             <a:extLst>
               <a:ext uri="{FF2B5EF4-FFF2-40B4-BE49-F238E27FC236}">
-                <a16:creationId xmlns:a16="http://schemas.microsoft.com/office/drawing/2014/main" id="{94162750-2943-4B36-9978-8267CA139C3F}"/>
+                <a16:creationId xmlns:a16="http://schemas.microsoft.com/office/drawing/2014/main" xmlns="" id="{94162750-2943-4B36-9978-8267CA139C3F}"/>
               </a:ext>
             </a:extLst>
           </p:cNvPr>
@@ -9712,7 +9712,7 @@
           <p:cNvPr id="1032" name="Picture 8">
             <a:extLst>
               <a:ext uri="{FF2B5EF4-FFF2-40B4-BE49-F238E27FC236}">
-                <a16:creationId xmlns:a16="http://schemas.microsoft.com/office/drawing/2014/main" id="{151D7CEC-ADFE-4BA9-8B26-4B35D4547C24}"/>
+                <a16:creationId xmlns:a16="http://schemas.microsoft.com/office/drawing/2014/main" xmlns="" id="{151D7CEC-ADFE-4BA9-8B26-4B35D4547C24}"/>
               </a:ext>
             </a:extLst>
           </p:cNvPr>
@@ -9789,7 +9789,7 @@
           <p:cNvPr id="2" name="內容版面配置區 1">
             <a:extLst>
               <a:ext uri="{FF2B5EF4-FFF2-40B4-BE49-F238E27FC236}">
-                <a16:creationId xmlns:a16="http://schemas.microsoft.com/office/drawing/2014/main" id="{2DB5D070-8FD7-4FAA-A061-79004B5407D8}"/>
+                <a16:creationId xmlns:a16="http://schemas.microsoft.com/office/drawing/2014/main" xmlns="" id="{2DB5D070-8FD7-4FAA-A061-79004B5407D8}"/>
               </a:ext>
             </a:extLst>
           </p:cNvPr>
@@ -9883,7 +9883,7 @@
           <p:cNvPr id="3" name="投影片編號版面配置區 2">
             <a:extLst>
               <a:ext uri="{FF2B5EF4-FFF2-40B4-BE49-F238E27FC236}">
-                <a16:creationId xmlns:a16="http://schemas.microsoft.com/office/drawing/2014/main" id="{E5FD2DCA-8200-482D-91D2-7F83EE5AD0F6}"/>
+                <a16:creationId xmlns:a16="http://schemas.microsoft.com/office/drawing/2014/main" xmlns="" id="{E5FD2DCA-8200-482D-91D2-7F83EE5AD0F6}"/>
               </a:ext>
             </a:extLst>
           </p:cNvPr>
@@ -9913,7 +9913,7 @@
           <p:cNvPr id="4" name="標題 3">
             <a:extLst>
               <a:ext uri="{FF2B5EF4-FFF2-40B4-BE49-F238E27FC236}">
-                <a16:creationId xmlns:a16="http://schemas.microsoft.com/office/drawing/2014/main" id="{02BCA776-02A4-4EE0-B276-C538A53D64D5}"/>
+                <a16:creationId xmlns:a16="http://schemas.microsoft.com/office/drawing/2014/main" xmlns="" id="{02BCA776-02A4-4EE0-B276-C538A53D64D5}"/>
               </a:ext>
             </a:extLst>
           </p:cNvPr>
@@ -9942,7 +9942,7 @@
           <p:cNvPr id="5" name="圖片 4">
             <a:extLst>
               <a:ext uri="{FF2B5EF4-FFF2-40B4-BE49-F238E27FC236}">
-                <a16:creationId xmlns:a16="http://schemas.microsoft.com/office/drawing/2014/main" id="{AC434006-DA74-41A5-9010-F3D118578F6C}"/>
+                <a16:creationId xmlns:a16="http://schemas.microsoft.com/office/drawing/2014/main" xmlns="" id="{AC434006-DA74-41A5-9010-F3D118578F6C}"/>
               </a:ext>
             </a:extLst>
           </p:cNvPr>
@@ -9971,7 +9971,7 @@
           <p:cNvPr id="6" name="圖片 5">
             <a:extLst>
               <a:ext uri="{FF2B5EF4-FFF2-40B4-BE49-F238E27FC236}">
-                <a16:creationId xmlns:a16="http://schemas.microsoft.com/office/drawing/2014/main" id="{E69ED771-0D6C-47DD-B579-E9710AB9793A}"/>
+                <a16:creationId xmlns:a16="http://schemas.microsoft.com/office/drawing/2014/main" xmlns="" id="{E69ED771-0D6C-47DD-B579-E9710AB9793A}"/>
               </a:ext>
             </a:extLst>
           </p:cNvPr>
@@ -10000,7 +10000,7 @@
           <p:cNvPr id="7" name="圖片 6">
             <a:extLst>
               <a:ext uri="{FF2B5EF4-FFF2-40B4-BE49-F238E27FC236}">
-                <a16:creationId xmlns:a16="http://schemas.microsoft.com/office/drawing/2014/main" id="{788F07EB-BFE3-4AE0-A79A-7DB156AC8EBE}"/>
+                <a16:creationId xmlns:a16="http://schemas.microsoft.com/office/drawing/2014/main" xmlns="" id="{788F07EB-BFE3-4AE0-A79A-7DB156AC8EBE}"/>
               </a:ext>
             </a:extLst>
           </p:cNvPr>
@@ -10029,7 +10029,7 @@
           <p:cNvPr id="8" name="圖片 7">
             <a:extLst>
               <a:ext uri="{FF2B5EF4-FFF2-40B4-BE49-F238E27FC236}">
-                <a16:creationId xmlns:a16="http://schemas.microsoft.com/office/drawing/2014/main" id="{9A073F82-C912-4338-93B4-AEA94276A548}"/>
+                <a16:creationId xmlns:a16="http://schemas.microsoft.com/office/drawing/2014/main" xmlns="" id="{9A073F82-C912-4338-93B4-AEA94276A548}"/>
               </a:ext>
             </a:extLst>
           </p:cNvPr>
@@ -10088,7 +10088,7 @@
           <p:cNvPr id="3" name="投影片編號版面配置區 2">
             <a:extLst>
               <a:ext uri="{FF2B5EF4-FFF2-40B4-BE49-F238E27FC236}">
-                <a16:creationId xmlns:a16="http://schemas.microsoft.com/office/drawing/2014/main" id="{278FD496-4DF3-4C10-9C77-61F25C606A93}"/>
+                <a16:creationId xmlns:a16="http://schemas.microsoft.com/office/drawing/2014/main" xmlns="" id="{278FD496-4DF3-4C10-9C77-61F25C606A93}"/>
               </a:ext>
             </a:extLst>
           </p:cNvPr>
@@ -10118,7 +10118,7 @@
           <p:cNvPr id="4" name="標題 3">
             <a:extLst>
               <a:ext uri="{FF2B5EF4-FFF2-40B4-BE49-F238E27FC236}">
-                <a16:creationId xmlns:a16="http://schemas.microsoft.com/office/drawing/2014/main" id="{C8D46416-5CF6-49F2-8FFB-F1A64525BABF}"/>
+                <a16:creationId xmlns:a16="http://schemas.microsoft.com/office/drawing/2014/main" xmlns="" id="{C8D46416-5CF6-49F2-8FFB-F1A64525BABF}"/>
               </a:ext>
             </a:extLst>
           </p:cNvPr>
@@ -10146,7 +10146,7 @@
           <p:cNvPr id="2" name="圖片 1">
             <a:extLst>
               <a:ext uri="{FF2B5EF4-FFF2-40B4-BE49-F238E27FC236}">
-                <a16:creationId xmlns:a16="http://schemas.microsoft.com/office/drawing/2014/main" id="{61081E43-C80A-4973-97C1-684E5134F219}"/>
+                <a16:creationId xmlns:a16="http://schemas.microsoft.com/office/drawing/2014/main" xmlns="" id="{61081E43-C80A-4973-97C1-684E5134F219}"/>
               </a:ext>
             </a:extLst>
           </p:cNvPr>
@@ -10206,7 +10206,7 @@
           <p:cNvPr id="3" name="投影片編號版面配置區 2">
             <a:extLst>
               <a:ext uri="{FF2B5EF4-FFF2-40B4-BE49-F238E27FC236}">
-                <a16:creationId xmlns:a16="http://schemas.microsoft.com/office/drawing/2014/main" id="{278FD496-4DF3-4C10-9C77-61F25C606A93}"/>
+                <a16:creationId xmlns:a16="http://schemas.microsoft.com/office/drawing/2014/main" xmlns="" id="{278FD496-4DF3-4C10-9C77-61F25C606A93}"/>
               </a:ext>
             </a:extLst>
           </p:cNvPr>
@@ -10236,7 +10236,7 @@
           <p:cNvPr id="4" name="標題 3">
             <a:extLst>
               <a:ext uri="{FF2B5EF4-FFF2-40B4-BE49-F238E27FC236}">
-                <a16:creationId xmlns:a16="http://schemas.microsoft.com/office/drawing/2014/main" id="{C8D46416-5CF6-49F2-8FFB-F1A64525BABF}"/>
+                <a16:creationId xmlns:a16="http://schemas.microsoft.com/office/drawing/2014/main" xmlns="" id="{C8D46416-5CF6-49F2-8FFB-F1A64525BABF}"/>
               </a:ext>
             </a:extLst>
           </p:cNvPr>
@@ -10264,7 +10264,7 @@
           <p:cNvPr id="1026" name="Picture 2">
             <a:extLst>
               <a:ext uri="{FF2B5EF4-FFF2-40B4-BE49-F238E27FC236}">
-                <a16:creationId xmlns:a16="http://schemas.microsoft.com/office/drawing/2014/main" id="{8C773068-5191-4AFB-809D-1055BDAC78D9}"/>
+                <a16:creationId xmlns:a16="http://schemas.microsoft.com/office/drawing/2014/main" xmlns="" id="{8C773068-5191-4AFB-809D-1055BDAC78D9}"/>
               </a:ext>
             </a:extLst>
           </p:cNvPr>
@@ -10311,7 +10311,7 @@
           <p:cNvPr id="1028" name="Picture 4">
             <a:extLst>
               <a:ext uri="{FF2B5EF4-FFF2-40B4-BE49-F238E27FC236}">
-                <a16:creationId xmlns:a16="http://schemas.microsoft.com/office/drawing/2014/main" id="{00E07A0D-01FE-43F0-B03A-896B62BA495F}"/>
+                <a16:creationId xmlns:a16="http://schemas.microsoft.com/office/drawing/2014/main" xmlns="" id="{00E07A0D-01FE-43F0-B03A-896B62BA495F}"/>
               </a:ext>
             </a:extLst>
           </p:cNvPr>
@@ -10358,7 +10358,7 @@
           <p:cNvPr id="1030" name="Picture 6">
             <a:extLst>
               <a:ext uri="{FF2B5EF4-FFF2-40B4-BE49-F238E27FC236}">
-                <a16:creationId xmlns:a16="http://schemas.microsoft.com/office/drawing/2014/main" id="{4057FACB-5A52-44E6-AAB6-C47319C6A184}"/>
+                <a16:creationId xmlns:a16="http://schemas.microsoft.com/office/drawing/2014/main" xmlns="" id="{4057FACB-5A52-44E6-AAB6-C47319C6A184}"/>
               </a:ext>
             </a:extLst>
           </p:cNvPr>
@@ -10405,7 +10405,7 @@
           <p:cNvPr id="1032" name="Picture 8">
             <a:extLst>
               <a:ext uri="{FF2B5EF4-FFF2-40B4-BE49-F238E27FC236}">
-                <a16:creationId xmlns:a16="http://schemas.microsoft.com/office/drawing/2014/main" id="{A5F58FFC-9E43-4C81-A803-24252A1E07E0}"/>
+                <a16:creationId xmlns:a16="http://schemas.microsoft.com/office/drawing/2014/main" xmlns="" id="{A5F58FFC-9E43-4C81-A803-24252A1E07E0}"/>
               </a:ext>
             </a:extLst>
           </p:cNvPr>
@@ -10452,7 +10452,7 @@
           <p:cNvPr id="1034" name="Picture 10">
             <a:extLst>
               <a:ext uri="{FF2B5EF4-FFF2-40B4-BE49-F238E27FC236}">
-                <a16:creationId xmlns:a16="http://schemas.microsoft.com/office/drawing/2014/main" id="{47749B64-213A-4E9B-84BC-526B19DB1A1A}"/>
+                <a16:creationId xmlns:a16="http://schemas.microsoft.com/office/drawing/2014/main" xmlns="" id="{47749B64-213A-4E9B-84BC-526B19DB1A1A}"/>
               </a:ext>
             </a:extLst>
           </p:cNvPr>
@@ -10529,7 +10529,7 @@
           <p:cNvPr id="3" name="投影片編號版面配置區 2">
             <a:extLst>
               <a:ext uri="{FF2B5EF4-FFF2-40B4-BE49-F238E27FC236}">
-                <a16:creationId xmlns:a16="http://schemas.microsoft.com/office/drawing/2014/main" id="{FB9DB402-BE56-4069-8778-9685822DCFA8}"/>
+                <a16:creationId xmlns:a16="http://schemas.microsoft.com/office/drawing/2014/main" xmlns="" id="{FB9DB402-BE56-4069-8778-9685822DCFA8}"/>
               </a:ext>
             </a:extLst>
           </p:cNvPr>
@@ -10559,7 +10559,7 @@
           <p:cNvPr id="4" name="標題 3">
             <a:extLst>
               <a:ext uri="{FF2B5EF4-FFF2-40B4-BE49-F238E27FC236}">
-                <a16:creationId xmlns:a16="http://schemas.microsoft.com/office/drawing/2014/main" id="{D1AB5A42-7131-48B8-923F-7A12C7269138}"/>
+                <a16:creationId xmlns:a16="http://schemas.microsoft.com/office/drawing/2014/main" xmlns="" id="{D1AB5A42-7131-48B8-923F-7A12C7269138}"/>
               </a:ext>
             </a:extLst>
           </p:cNvPr>
@@ -10588,7 +10588,7 @@
           <p:cNvPr id="5" name="圖片 4">
             <a:extLst>
               <a:ext uri="{FF2B5EF4-FFF2-40B4-BE49-F238E27FC236}">
-                <a16:creationId xmlns:a16="http://schemas.microsoft.com/office/drawing/2014/main" id="{05A385C9-1602-4896-8F86-9259ADCE79C1}"/>
+                <a16:creationId xmlns:a16="http://schemas.microsoft.com/office/drawing/2014/main" xmlns="" id="{05A385C9-1602-4896-8F86-9259ADCE79C1}"/>
               </a:ext>
             </a:extLst>
           </p:cNvPr>
@@ -10618,7 +10618,7 @@
           <p:cNvPr id="2050" name="Picture 2">
             <a:extLst>
               <a:ext uri="{FF2B5EF4-FFF2-40B4-BE49-F238E27FC236}">
-                <a16:creationId xmlns:a16="http://schemas.microsoft.com/office/drawing/2014/main" id="{DD163C8F-3277-409B-A8CA-D0F4A662CEF1}"/>
+                <a16:creationId xmlns:a16="http://schemas.microsoft.com/office/drawing/2014/main" xmlns="" id="{DD163C8F-3277-409B-A8CA-D0F4A662CEF1}"/>
               </a:ext>
             </a:extLst>
           </p:cNvPr>
@@ -10693,7 +10693,7 @@
           <p:cNvPr id="2" name="內容版面配置區 1">
             <a:extLst>
               <a:ext uri="{FF2B5EF4-FFF2-40B4-BE49-F238E27FC236}">
-                <a16:creationId xmlns:a16="http://schemas.microsoft.com/office/drawing/2014/main" id="{DD1850DB-C8E9-4C25-B18D-3BC64B07B224}"/>
+                <a16:creationId xmlns:a16="http://schemas.microsoft.com/office/drawing/2014/main" xmlns="" id="{DD1850DB-C8E9-4C25-B18D-3BC64B07B224}"/>
               </a:ext>
             </a:extLst>
           </p:cNvPr>
@@ -10869,7 +10869,7 @@
           <p:cNvPr id="3" name="投影片編號版面配置區 2">
             <a:extLst>
               <a:ext uri="{FF2B5EF4-FFF2-40B4-BE49-F238E27FC236}">
-                <a16:creationId xmlns:a16="http://schemas.microsoft.com/office/drawing/2014/main" id="{B20274A0-D978-4320-A1D8-D26913FC3B36}"/>
+                <a16:creationId xmlns:a16="http://schemas.microsoft.com/office/drawing/2014/main" xmlns="" id="{B20274A0-D978-4320-A1D8-D26913FC3B36}"/>
               </a:ext>
             </a:extLst>
           </p:cNvPr>
@@ -10899,7 +10899,7 @@
           <p:cNvPr id="4" name="標題 3">
             <a:extLst>
               <a:ext uri="{FF2B5EF4-FFF2-40B4-BE49-F238E27FC236}">
-                <a16:creationId xmlns:a16="http://schemas.microsoft.com/office/drawing/2014/main" id="{509A37B4-9426-4710-BC90-75B4BE2BB2E9}"/>
+                <a16:creationId xmlns:a16="http://schemas.microsoft.com/office/drawing/2014/main" xmlns="" id="{509A37B4-9426-4710-BC90-75B4BE2BB2E9}"/>
               </a:ext>
             </a:extLst>
           </p:cNvPr>
@@ -10962,7 +10962,7 @@
           <p:cNvPr id="2" name="內容版面配置區 1">
             <a:extLst>
               <a:ext uri="{FF2B5EF4-FFF2-40B4-BE49-F238E27FC236}">
-                <a16:creationId xmlns:a16="http://schemas.microsoft.com/office/drawing/2014/main" id="{DD1850DB-C8E9-4C25-B18D-3BC64B07B224}"/>
+                <a16:creationId xmlns:a16="http://schemas.microsoft.com/office/drawing/2014/main" xmlns="" id="{DD1850DB-C8E9-4C25-B18D-3BC64B07B224}"/>
               </a:ext>
             </a:extLst>
           </p:cNvPr>
@@ -11019,7 +11019,7 @@
           <p:cNvPr id="3" name="投影片編號版面配置區 2">
             <a:extLst>
               <a:ext uri="{FF2B5EF4-FFF2-40B4-BE49-F238E27FC236}">
-                <a16:creationId xmlns:a16="http://schemas.microsoft.com/office/drawing/2014/main" id="{B20274A0-D978-4320-A1D8-D26913FC3B36}"/>
+                <a16:creationId xmlns:a16="http://schemas.microsoft.com/office/drawing/2014/main" xmlns="" id="{B20274A0-D978-4320-A1D8-D26913FC3B36}"/>
               </a:ext>
             </a:extLst>
           </p:cNvPr>
@@ -11049,7 +11049,7 @@
           <p:cNvPr id="4" name="標題 3">
             <a:extLst>
               <a:ext uri="{FF2B5EF4-FFF2-40B4-BE49-F238E27FC236}">
-                <a16:creationId xmlns:a16="http://schemas.microsoft.com/office/drawing/2014/main" id="{509A37B4-9426-4710-BC90-75B4BE2BB2E9}"/>
+                <a16:creationId xmlns:a16="http://schemas.microsoft.com/office/drawing/2014/main" xmlns="" id="{509A37B4-9426-4710-BC90-75B4BE2BB2E9}"/>
               </a:ext>
             </a:extLst>
           </p:cNvPr>
@@ -11082,7 +11082,7 @@
           <p:cNvPr id="6" name="圖片 5">
             <a:extLst>
               <a:ext uri="{FF2B5EF4-FFF2-40B4-BE49-F238E27FC236}">
-                <a16:creationId xmlns:a16="http://schemas.microsoft.com/office/drawing/2014/main" id="{EDFE4634-B4A5-43AF-AF7A-BBC21987C082}"/>
+                <a16:creationId xmlns:a16="http://schemas.microsoft.com/office/drawing/2014/main" xmlns="" id="{EDFE4634-B4A5-43AF-AF7A-BBC21987C082}"/>
               </a:ext>
             </a:extLst>
           </p:cNvPr>
@@ -11378,7 +11378,7 @@
   <a:extraClrSchemeLst/>
   <a:extLst>
     <a:ext uri="{05A4C25C-085E-4340-85A3-A5531E510DB2}">
-      <thm15:themeFamily xmlns:thm15="http://schemas.microsoft.com/office/thememl/2012/main" name="簡報1" id="{9F657D65-ACA1-4C9A-A249-42B91234B9AD}" vid="{DF6CEEC3-935B-462F-971D-61A2C59E3EC3}"/>
+      <thm15:themeFamily xmlns:thm15="http://schemas.microsoft.com/office/thememl/2012/main" xmlns="" name="簡報1" id="{9F657D65-ACA1-4C9A-A249-42B91234B9AD}" vid="{DF6CEEC3-935B-462F-971D-61A2C59E3EC3}"/>
     </a:ext>
   </a:extLst>
 </a:theme>

--- a/03_ClusteringTheory/03_ClusteringTheory.pptx
+++ b/03_ClusteringTheory/03_ClusteringTheory.pptx
@@ -135,7 +135,7 @@
   </p:defaultTextStyle>
   <p:extLst>
     <p:ext uri="{EFAFB233-063F-42B5-8137-9DF3F51BA10A}">
-      <p15:sldGuideLst xmlns:p15="http://schemas.microsoft.com/office/powerpoint/2012/main" xmlns="">
+      <p15:sldGuideLst xmlns="" xmlns:p15="http://schemas.microsoft.com/office/powerpoint/2012/main">
         <p15:guide id="1" orient="horz" pos="2160">
           <p15:clr>
             <a:srgbClr val="A4A3A4"/>
@@ -234,7 +234,7 @@
           <a:p>
             <a:fld id="{05BF5AB9-3463-4E65-AFD3-5431B79ADFDC}" type="datetimeFigureOut">
               <a:rPr lang="zh-TW" altLang="en-US" smtClean="0"/>
-              <a:t>2021/7/20</a:t>
+              <a:t>2021/8/7</a:t>
             </a:fld>
             <a:endParaRPr lang="zh-TW" altLang="en-US"/>
           </a:p>
@@ -399,7 +399,7 @@
           <a:p>
             <a:fld id="{838FF680-7B6B-4655-B6A1-33A8AD0AE8B4}" type="datetimeFigureOut">
               <a:rPr lang="zh-TW" altLang="en-US" smtClean="0"/>
-              <a:t>2021/7/20</a:t>
+              <a:t>2021/8/7</a:t>
             </a:fld>
             <a:endParaRPr lang="zh-TW" altLang="en-US"/>
           </a:p>
@@ -3036,7 +3036,7 @@
   </p:clrMapOvr>
   <p:extLst>
     <p:ext uri="{DCECCB84-F9BA-43D5-87BE-67443E8EF086}">
-      <p15:sldGuideLst xmlns:p15="http://schemas.microsoft.com/office/powerpoint/2012/main" xmlns="">
+      <p15:sldGuideLst xmlns="" xmlns:p15="http://schemas.microsoft.com/office/powerpoint/2012/main">
         <p15:guide id="1" orient="horz" pos="2160">
           <p15:clr>
             <a:srgbClr val="FBAE40"/>
@@ -5271,6 +5271,13 @@
   <p:clrMapOvr>
     <a:masterClrMapping/>
   </p:clrMapOvr>
+  <p:timing>
+    <p:tnLst>
+      <p:par>
+        <p:cTn id="1" dur="indefinite" restart="never" nodeType="tmRoot"/>
+      </p:par>
+    </p:tnLst>
+  </p:timing>
 </p:sld>
 </file>
 
@@ -5296,7 +5303,7 @@
           <p:cNvPr id="2" name="內容版面配置區 1">
             <a:extLst>
               <a:ext uri="{FF2B5EF4-FFF2-40B4-BE49-F238E27FC236}">
-                <a16:creationId xmlns:a16="http://schemas.microsoft.com/office/drawing/2014/main" xmlns="" id="{C3796DC3-5694-44EC-8DD7-4FBA449AB52C}"/>
+                <a16:creationId xmlns="" xmlns:a16="http://schemas.microsoft.com/office/drawing/2014/main" id="{C3796DC3-5694-44EC-8DD7-4FBA449AB52C}"/>
               </a:ext>
             </a:extLst>
           </p:cNvPr>
@@ -5492,7 +5499,7 @@
           <p:cNvPr id="3" name="投影片編號版面配置區 2">
             <a:extLst>
               <a:ext uri="{FF2B5EF4-FFF2-40B4-BE49-F238E27FC236}">
-                <a16:creationId xmlns:a16="http://schemas.microsoft.com/office/drawing/2014/main" xmlns="" id="{F16A4F9E-54FE-481A-96BF-E7F33A07A2A6}"/>
+                <a16:creationId xmlns="" xmlns:a16="http://schemas.microsoft.com/office/drawing/2014/main" id="{F16A4F9E-54FE-481A-96BF-E7F33A07A2A6}"/>
               </a:ext>
             </a:extLst>
           </p:cNvPr>
@@ -5522,7 +5529,7 @@
           <p:cNvPr id="4" name="標題 3">
             <a:extLst>
               <a:ext uri="{FF2B5EF4-FFF2-40B4-BE49-F238E27FC236}">
-                <a16:creationId xmlns:a16="http://schemas.microsoft.com/office/drawing/2014/main" xmlns="" id="{157C233E-7EF8-48BF-9165-83C64CE9C9EC}"/>
+                <a16:creationId xmlns="" xmlns:a16="http://schemas.microsoft.com/office/drawing/2014/main" id="{157C233E-7EF8-48BF-9165-83C64CE9C9EC}"/>
               </a:ext>
             </a:extLst>
           </p:cNvPr>
@@ -5555,7 +5562,7 @@
           <p:cNvPr id="5" name="內容版面配置區 1">
             <a:extLst>
               <a:ext uri="{FF2B5EF4-FFF2-40B4-BE49-F238E27FC236}">
-                <a16:creationId xmlns:a16="http://schemas.microsoft.com/office/drawing/2014/main" xmlns="" id="{9008070C-7A33-4A90-B6F8-ACA1530577A6}"/>
+                <a16:creationId xmlns="" xmlns:a16="http://schemas.microsoft.com/office/drawing/2014/main" id="{9008070C-7A33-4A90-B6F8-ACA1530577A6}"/>
               </a:ext>
             </a:extLst>
           </p:cNvPr>
@@ -5956,7 +5963,7 @@
           <p:cNvPr id="3" name="投影片編號版面配置區 2">
             <a:extLst>
               <a:ext uri="{FF2B5EF4-FFF2-40B4-BE49-F238E27FC236}">
-                <a16:creationId xmlns:a16="http://schemas.microsoft.com/office/drawing/2014/main" xmlns="" id="{167215AF-BD77-4DAD-BC10-19595D549659}"/>
+                <a16:creationId xmlns="" xmlns:a16="http://schemas.microsoft.com/office/drawing/2014/main" id="{167215AF-BD77-4DAD-BC10-19595D549659}"/>
               </a:ext>
             </a:extLst>
           </p:cNvPr>
@@ -5986,7 +5993,7 @@
           <p:cNvPr id="4" name="標題 3">
             <a:extLst>
               <a:ext uri="{FF2B5EF4-FFF2-40B4-BE49-F238E27FC236}">
-                <a16:creationId xmlns:a16="http://schemas.microsoft.com/office/drawing/2014/main" xmlns="" id="{876332E8-D958-443E-996F-ECEF97E7E3A7}"/>
+                <a16:creationId xmlns="" xmlns:a16="http://schemas.microsoft.com/office/drawing/2014/main" id="{876332E8-D958-443E-996F-ECEF97E7E3A7}"/>
               </a:ext>
             </a:extLst>
           </p:cNvPr>
@@ -6019,7 +6026,7 @@
           <p:cNvPr id="11" name="圖片 10">
             <a:extLst>
               <a:ext uri="{FF2B5EF4-FFF2-40B4-BE49-F238E27FC236}">
-                <a16:creationId xmlns:a16="http://schemas.microsoft.com/office/drawing/2014/main" xmlns="" id="{19AD04DF-81BD-4429-8F01-B23F25E7DC2D}"/>
+                <a16:creationId xmlns="" xmlns:a16="http://schemas.microsoft.com/office/drawing/2014/main" id="{19AD04DF-81BD-4429-8F01-B23F25E7DC2D}"/>
               </a:ext>
             </a:extLst>
           </p:cNvPr>
@@ -6055,7 +6062,7 @@
           <p:cNvPr id="12" name="內容版面配置區 1">
             <a:extLst>
               <a:ext uri="{FF2B5EF4-FFF2-40B4-BE49-F238E27FC236}">
-                <a16:creationId xmlns:a16="http://schemas.microsoft.com/office/drawing/2014/main" xmlns="" id="{52301B7B-4C37-4A9D-9B70-1C7585F7BE90}"/>
+                <a16:creationId xmlns="" xmlns:a16="http://schemas.microsoft.com/office/drawing/2014/main" id="{52301B7B-4C37-4A9D-9B70-1C7585F7BE90}"/>
               </a:ext>
             </a:extLst>
           </p:cNvPr>
@@ -6312,7 +6319,7 @@
           <p:cNvPr id="16" name="群組 15">
             <a:extLst>
               <a:ext uri="{FF2B5EF4-FFF2-40B4-BE49-F238E27FC236}">
-                <a16:creationId xmlns:a16="http://schemas.microsoft.com/office/drawing/2014/main" xmlns="" id="{4A7062DE-093E-4C5F-B1D2-D52739313882}"/>
+                <a16:creationId xmlns="" xmlns:a16="http://schemas.microsoft.com/office/drawing/2014/main" id="{4A7062DE-093E-4C5F-B1D2-D52739313882}"/>
               </a:ext>
             </a:extLst>
           </p:cNvPr>
@@ -6332,7 +6339,7 @@
             <p:cNvPr id="9" name="圖片 8">
               <a:extLst>
                 <a:ext uri="{FF2B5EF4-FFF2-40B4-BE49-F238E27FC236}">
-                  <a16:creationId xmlns:a16="http://schemas.microsoft.com/office/drawing/2014/main" xmlns="" id="{5A1BE687-6FA6-4720-8BE4-4536E405960C}"/>
+                  <a16:creationId xmlns="" xmlns:a16="http://schemas.microsoft.com/office/drawing/2014/main" id="{5A1BE687-6FA6-4720-8BE4-4536E405960C}"/>
                 </a:ext>
               </a:extLst>
             </p:cNvPr>
@@ -6367,7 +6374,7 @@
             <p:cNvPr id="15" name="圖片 14">
               <a:extLst>
                 <a:ext uri="{FF2B5EF4-FFF2-40B4-BE49-F238E27FC236}">
-                  <a16:creationId xmlns:a16="http://schemas.microsoft.com/office/drawing/2014/main" xmlns="" id="{9F09A34F-1693-4546-B88F-5887C613E2C3}"/>
+                  <a16:creationId xmlns="" xmlns:a16="http://schemas.microsoft.com/office/drawing/2014/main" id="{9F09A34F-1693-4546-B88F-5887C613E2C3}"/>
                 </a:ext>
               </a:extLst>
             </p:cNvPr>
@@ -6433,7 +6440,7 @@
           <p:cNvPr id="2" name="內容版面配置區 1">
             <a:extLst>
               <a:ext uri="{FF2B5EF4-FFF2-40B4-BE49-F238E27FC236}">
-                <a16:creationId xmlns:a16="http://schemas.microsoft.com/office/drawing/2014/main" xmlns="" id="{B7B5687A-EA10-4F83-BF9B-20767EF74BAA}"/>
+                <a16:creationId xmlns="" xmlns:a16="http://schemas.microsoft.com/office/drawing/2014/main" id="{B7B5687A-EA10-4F83-BF9B-20767EF74BAA}"/>
               </a:ext>
             </a:extLst>
           </p:cNvPr>
@@ -6476,7 +6483,7 @@
           <p:cNvPr id="3" name="投影片編號版面配置區 2">
             <a:extLst>
               <a:ext uri="{FF2B5EF4-FFF2-40B4-BE49-F238E27FC236}">
-                <a16:creationId xmlns:a16="http://schemas.microsoft.com/office/drawing/2014/main" xmlns="" id="{4A658E91-C92A-4633-AC41-3BBF0C0D93A1}"/>
+                <a16:creationId xmlns="" xmlns:a16="http://schemas.microsoft.com/office/drawing/2014/main" id="{4A658E91-C92A-4633-AC41-3BBF0C0D93A1}"/>
               </a:ext>
             </a:extLst>
           </p:cNvPr>
@@ -6506,7 +6513,7 @@
           <p:cNvPr id="4" name="標題 3">
             <a:extLst>
               <a:ext uri="{FF2B5EF4-FFF2-40B4-BE49-F238E27FC236}">
-                <a16:creationId xmlns:a16="http://schemas.microsoft.com/office/drawing/2014/main" xmlns="" id="{8EDD900F-0511-439E-8EBE-8B3AF70C8565}"/>
+                <a16:creationId xmlns="" xmlns:a16="http://schemas.microsoft.com/office/drawing/2014/main" id="{8EDD900F-0511-439E-8EBE-8B3AF70C8565}"/>
               </a:ext>
             </a:extLst>
           </p:cNvPr>
@@ -6544,7 +6551,7 @@
           <p:cNvPr id="6" name="矩形 5">
             <a:extLst>
               <a:ext uri="{FF2B5EF4-FFF2-40B4-BE49-F238E27FC236}">
-                <a16:creationId xmlns:a16="http://schemas.microsoft.com/office/drawing/2014/main" xmlns="" id="{412F04D8-6CC3-4827-B745-79F2E3CC3C30}"/>
+                <a16:creationId xmlns="" xmlns:a16="http://schemas.microsoft.com/office/drawing/2014/main" id="{412F04D8-6CC3-4827-B745-79F2E3CC3C30}"/>
               </a:ext>
             </a:extLst>
           </p:cNvPr>
@@ -6655,7 +6662,7 @@
           <p:cNvPr id="4098" name="Picture 2">
             <a:extLst>
               <a:ext uri="{FF2B5EF4-FFF2-40B4-BE49-F238E27FC236}">
-                <a16:creationId xmlns:a16="http://schemas.microsoft.com/office/drawing/2014/main" xmlns="" id="{9ADD23CE-FE3D-4227-A1F9-9CA405CDA887}"/>
+                <a16:creationId xmlns="" xmlns:a16="http://schemas.microsoft.com/office/drawing/2014/main" id="{9ADD23CE-FE3D-4227-A1F9-9CA405CDA887}"/>
               </a:ext>
             </a:extLst>
           </p:cNvPr>
@@ -6732,7 +6739,7 @@
           <p:cNvPr id="2" name="內容版面配置區 1">
             <a:extLst>
               <a:ext uri="{FF2B5EF4-FFF2-40B4-BE49-F238E27FC236}">
-                <a16:creationId xmlns:a16="http://schemas.microsoft.com/office/drawing/2014/main" xmlns="" id="{B7B5687A-EA10-4F83-BF9B-20767EF74BAA}"/>
+                <a16:creationId xmlns="" xmlns:a16="http://schemas.microsoft.com/office/drawing/2014/main" id="{B7B5687A-EA10-4F83-BF9B-20767EF74BAA}"/>
               </a:ext>
             </a:extLst>
           </p:cNvPr>
@@ -6765,7 +6772,7 @@
           <p:cNvPr id="3" name="投影片編號版面配置區 2">
             <a:extLst>
               <a:ext uri="{FF2B5EF4-FFF2-40B4-BE49-F238E27FC236}">
-                <a16:creationId xmlns:a16="http://schemas.microsoft.com/office/drawing/2014/main" xmlns="" id="{4A658E91-C92A-4633-AC41-3BBF0C0D93A1}"/>
+                <a16:creationId xmlns="" xmlns:a16="http://schemas.microsoft.com/office/drawing/2014/main" id="{4A658E91-C92A-4633-AC41-3BBF0C0D93A1}"/>
               </a:ext>
             </a:extLst>
           </p:cNvPr>
@@ -6795,7 +6802,7 @@
           <p:cNvPr id="4" name="標題 3">
             <a:extLst>
               <a:ext uri="{FF2B5EF4-FFF2-40B4-BE49-F238E27FC236}">
-                <a16:creationId xmlns:a16="http://schemas.microsoft.com/office/drawing/2014/main" xmlns="" id="{8EDD900F-0511-439E-8EBE-8B3AF70C8565}"/>
+                <a16:creationId xmlns="" xmlns:a16="http://schemas.microsoft.com/office/drawing/2014/main" id="{8EDD900F-0511-439E-8EBE-8B3AF70C8565}"/>
               </a:ext>
             </a:extLst>
           </p:cNvPr>
@@ -6833,7 +6840,7 @@
           <p:cNvPr id="9" name="Picture 2">
             <a:extLst>
               <a:ext uri="{FF2B5EF4-FFF2-40B4-BE49-F238E27FC236}">
-                <a16:creationId xmlns:a16="http://schemas.microsoft.com/office/drawing/2014/main" xmlns="" id="{D342BCFC-829A-4EF4-BFE5-619C421575F8}"/>
+                <a16:creationId xmlns="" xmlns:a16="http://schemas.microsoft.com/office/drawing/2014/main" id="{D342BCFC-829A-4EF4-BFE5-619C421575F8}"/>
               </a:ext>
             </a:extLst>
           </p:cNvPr>
@@ -6908,7 +6915,7 @@
           <p:cNvPr id="2" name="內容版面配置區 1">
             <a:extLst>
               <a:ext uri="{FF2B5EF4-FFF2-40B4-BE49-F238E27FC236}">
-                <a16:creationId xmlns:a16="http://schemas.microsoft.com/office/drawing/2014/main" xmlns="" id="{02411F3C-7416-4CB0-B194-4DEB373EA87B}"/>
+                <a16:creationId xmlns="" xmlns:a16="http://schemas.microsoft.com/office/drawing/2014/main" id="{02411F3C-7416-4CB0-B194-4DEB373EA87B}"/>
               </a:ext>
             </a:extLst>
           </p:cNvPr>
@@ -6996,7 +7003,7 @@
           <p:cNvPr id="3" name="投影片編號版面配置區 2">
             <a:extLst>
               <a:ext uri="{FF2B5EF4-FFF2-40B4-BE49-F238E27FC236}">
-                <a16:creationId xmlns:a16="http://schemas.microsoft.com/office/drawing/2014/main" xmlns="" id="{8A3DD650-5DEE-4B1E-A16A-F8D422D045BE}"/>
+                <a16:creationId xmlns="" xmlns:a16="http://schemas.microsoft.com/office/drawing/2014/main" id="{8A3DD650-5DEE-4B1E-A16A-F8D422D045BE}"/>
               </a:ext>
             </a:extLst>
           </p:cNvPr>
@@ -7026,7 +7033,7 @@
           <p:cNvPr id="4" name="標題 3">
             <a:extLst>
               <a:ext uri="{FF2B5EF4-FFF2-40B4-BE49-F238E27FC236}">
-                <a16:creationId xmlns:a16="http://schemas.microsoft.com/office/drawing/2014/main" xmlns="" id="{C5D8D76A-E899-4FE5-87A2-F8E19CA8124D}"/>
+                <a16:creationId xmlns="" xmlns:a16="http://schemas.microsoft.com/office/drawing/2014/main" id="{C5D8D76A-E899-4FE5-87A2-F8E19CA8124D}"/>
               </a:ext>
             </a:extLst>
           </p:cNvPr>
@@ -7093,7 +7100,7 @@
           <p:cNvPr id="6" name="內容版面配置區 5">
             <a:extLst>
               <a:ext uri="{FF2B5EF4-FFF2-40B4-BE49-F238E27FC236}">
-                <a16:creationId xmlns:a16="http://schemas.microsoft.com/office/drawing/2014/main" xmlns="" id="{D38E6469-A9E5-4C7A-93B1-F83CBE156D30}"/>
+                <a16:creationId xmlns="" xmlns:a16="http://schemas.microsoft.com/office/drawing/2014/main" id="{D38E6469-A9E5-4C7A-93B1-F83CBE156D30}"/>
               </a:ext>
             </a:extLst>
           </p:cNvPr>
@@ -7128,7 +7135,7 @@
           <p:cNvPr id="3" name="投影片編號版面配置區 2">
             <a:extLst>
               <a:ext uri="{FF2B5EF4-FFF2-40B4-BE49-F238E27FC236}">
-                <a16:creationId xmlns:a16="http://schemas.microsoft.com/office/drawing/2014/main" xmlns="" id="{12FE5EF3-760E-4F6B-8C78-76643A58E940}"/>
+                <a16:creationId xmlns="" xmlns:a16="http://schemas.microsoft.com/office/drawing/2014/main" id="{12FE5EF3-760E-4F6B-8C78-76643A58E940}"/>
               </a:ext>
             </a:extLst>
           </p:cNvPr>
@@ -7158,7 +7165,7 @@
           <p:cNvPr id="4" name="標題 3">
             <a:extLst>
               <a:ext uri="{FF2B5EF4-FFF2-40B4-BE49-F238E27FC236}">
-                <a16:creationId xmlns:a16="http://schemas.microsoft.com/office/drawing/2014/main" xmlns="" id="{5E24D290-EC94-48F1-AF0E-FAB3AF23CF3D}"/>
+                <a16:creationId xmlns="" xmlns:a16="http://schemas.microsoft.com/office/drawing/2014/main" id="{5E24D290-EC94-48F1-AF0E-FAB3AF23CF3D}"/>
               </a:ext>
             </a:extLst>
           </p:cNvPr>
@@ -7225,7 +7232,7 @@
           <p:cNvPr id="2" name="內容版面配置區 1">
             <a:extLst>
               <a:ext uri="{FF2B5EF4-FFF2-40B4-BE49-F238E27FC236}">
-                <a16:creationId xmlns:a16="http://schemas.microsoft.com/office/drawing/2014/main" xmlns="" id="{20A0D4FA-65B1-460D-8CF3-2768464970F9}"/>
+                <a16:creationId xmlns="" xmlns:a16="http://schemas.microsoft.com/office/drawing/2014/main" id="{20A0D4FA-65B1-460D-8CF3-2768464970F9}"/>
               </a:ext>
             </a:extLst>
           </p:cNvPr>
@@ -7361,7 +7368,7 @@
           <p:cNvPr id="3" name="投影片編號版面配置區 2">
             <a:extLst>
               <a:ext uri="{FF2B5EF4-FFF2-40B4-BE49-F238E27FC236}">
-                <a16:creationId xmlns:a16="http://schemas.microsoft.com/office/drawing/2014/main" xmlns="" id="{32D1325A-78A4-4FC1-B02D-A3227405F544}"/>
+                <a16:creationId xmlns="" xmlns:a16="http://schemas.microsoft.com/office/drawing/2014/main" id="{32D1325A-78A4-4FC1-B02D-A3227405F544}"/>
               </a:ext>
             </a:extLst>
           </p:cNvPr>
@@ -7391,7 +7398,7 @@
           <p:cNvPr id="4" name="標題 3">
             <a:extLst>
               <a:ext uri="{FF2B5EF4-FFF2-40B4-BE49-F238E27FC236}">
-                <a16:creationId xmlns:a16="http://schemas.microsoft.com/office/drawing/2014/main" xmlns="" id="{99298D6B-1F5D-4CB6-94F8-68D10DA7CF4E}"/>
+                <a16:creationId xmlns="" xmlns:a16="http://schemas.microsoft.com/office/drawing/2014/main" id="{99298D6B-1F5D-4CB6-94F8-68D10DA7CF4E}"/>
               </a:ext>
             </a:extLst>
           </p:cNvPr>
@@ -7458,7 +7465,7 @@
           <p:cNvPr id="2" name="內容版面配置區 1">
             <a:extLst>
               <a:ext uri="{FF2B5EF4-FFF2-40B4-BE49-F238E27FC236}">
-                <a16:creationId xmlns:a16="http://schemas.microsoft.com/office/drawing/2014/main" xmlns="" id="{B7B5687A-EA10-4F83-BF9B-20767EF74BAA}"/>
+                <a16:creationId xmlns="" xmlns:a16="http://schemas.microsoft.com/office/drawing/2014/main" id="{B7B5687A-EA10-4F83-BF9B-20767EF74BAA}"/>
               </a:ext>
             </a:extLst>
           </p:cNvPr>
@@ -7501,7 +7508,7 @@
           <p:cNvPr id="3" name="投影片編號版面配置區 2">
             <a:extLst>
               <a:ext uri="{FF2B5EF4-FFF2-40B4-BE49-F238E27FC236}">
-                <a16:creationId xmlns:a16="http://schemas.microsoft.com/office/drawing/2014/main" xmlns="" id="{4A658E91-C92A-4633-AC41-3BBF0C0D93A1}"/>
+                <a16:creationId xmlns="" xmlns:a16="http://schemas.microsoft.com/office/drawing/2014/main" id="{4A658E91-C92A-4633-AC41-3BBF0C0D93A1}"/>
               </a:ext>
             </a:extLst>
           </p:cNvPr>
@@ -7531,7 +7538,7 @@
           <p:cNvPr id="4" name="標題 3">
             <a:extLst>
               <a:ext uri="{FF2B5EF4-FFF2-40B4-BE49-F238E27FC236}">
-                <a16:creationId xmlns:a16="http://schemas.microsoft.com/office/drawing/2014/main" xmlns="" id="{8EDD900F-0511-439E-8EBE-8B3AF70C8565}"/>
+                <a16:creationId xmlns="" xmlns:a16="http://schemas.microsoft.com/office/drawing/2014/main" id="{8EDD900F-0511-439E-8EBE-8B3AF70C8565}"/>
               </a:ext>
             </a:extLst>
           </p:cNvPr>
@@ -7568,7 +7575,7 @@
           <p:cNvPr id="6" name="矩形 5">
             <a:extLst>
               <a:ext uri="{FF2B5EF4-FFF2-40B4-BE49-F238E27FC236}">
-                <a16:creationId xmlns:a16="http://schemas.microsoft.com/office/drawing/2014/main" xmlns="" id="{412F04D8-6CC3-4827-B745-79F2E3CC3C30}"/>
+                <a16:creationId xmlns="" xmlns:a16="http://schemas.microsoft.com/office/drawing/2014/main" id="{412F04D8-6CC3-4827-B745-79F2E3CC3C30}"/>
               </a:ext>
             </a:extLst>
           </p:cNvPr>
@@ -7667,7 +7674,7 @@
           <p:cNvPr id="6146" name="Picture 2">
             <a:extLst>
               <a:ext uri="{FF2B5EF4-FFF2-40B4-BE49-F238E27FC236}">
-                <a16:creationId xmlns:a16="http://schemas.microsoft.com/office/drawing/2014/main" xmlns="" id="{B9BDCAAD-72E6-484F-A5B3-7FAEA2DEAD83}"/>
+                <a16:creationId xmlns="" xmlns:a16="http://schemas.microsoft.com/office/drawing/2014/main" id="{B9BDCAAD-72E6-484F-A5B3-7FAEA2DEAD83}"/>
               </a:ext>
             </a:extLst>
           </p:cNvPr>
@@ -7714,7 +7721,7 @@
           <p:cNvPr id="6150" name="Picture 6">
             <a:extLst>
               <a:ext uri="{FF2B5EF4-FFF2-40B4-BE49-F238E27FC236}">
-                <a16:creationId xmlns:a16="http://schemas.microsoft.com/office/drawing/2014/main" xmlns="" id="{77E08226-36B5-45D7-A4B2-573F599C5354}"/>
+                <a16:creationId xmlns="" xmlns:a16="http://schemas.microsoft.com/office/drawing/2014/main" id="{77E08226-36B5-45D7-A4B2-573F599C5354}"/>
               </a:ext>
             </a:extLst>
           </p:cNvPr>
@@ -7791,7 +7798,7 @@
           <p:cNvPr id="2" name="內容版面配置區 1">
             <a:extLst>
               <a:ext uri="{FF2B5EF4-FFF2-40B4-BE49-F238E27FC236}">
-                <a16:creationId xmlns:a16="http://schemas.microsoft.com/office/drawing/2014/main" xmlns="" id="{B7B5687A-EA10-4F83-BF9B-20767EF74BAA}"/>
+                <a16:creationId xmlns="" xmlns:a16="http://schemas.microsoft.com/office/drawing/2014/main" id="{B7B5687A-EA10-4F83-BF9B-20767EF74BAA}"/>
               </a:ext>
             </a:extLst>
           </p:cNvPr>
@@ -7833,7 +7840,7 @@
           <p:cNvPr id="3" name="投影片編號版面配置區 2">
             <a:extLst>
               <a:ext uri="{FF2B5EF4-FFF2-40B4-BE49-F238E27FC236}">
-                <a16:creationId xmlns:a16="http://schemas.microsoft.com/office/drawing/2014/main" xmlns="" id="{4A658E91-C92A-4633-AC41-3BBF0C0D93A1}"/>
+                <a16:creationId xmlns="" xmlns:a16="http://schemas.microsoft.com/office/drawing/2014/main" id="{4A658E91-C92A-4633-AC41-3BBF0C0D93A1}"/>
               </a:ext>
             </a:extLst>
           </p:cNvPr>
@@ -7863,7 +7870,7 @@
           <p:cNvPr id="4" name="標題 3">
             <a:extLst>
               <a:ext uri="{FF2B5EF4-FFF2-40B4-BE49-F238E27FC236}">
-                <a16:creationId xmlns:a16="http://schemas.microsoft.com/office/drawing/2014/main" xmlns="" id="{8EDD900F-0511-439E-8EBE-8B3AF70C8565}"/>
+                <a16:creationId xmlns="" xmlns:a16="http://schemas.microsoft.com/office/drawing/2014/main" id="{8EDD900F-0511-439E-8EBE-8B3AF70C8565}"/>
               </a:ext>
             </a:extLst>
           </p:cNvPr>
@@ -7905,7 +7912,7 @@
           <p:cNvPr id="6" name="矩形 5">
             <a:extLst>
               <a:ext uri="{FF2B5EF4-FFF2-40B4-BE49-F238E27FC236}">
-                <a16:creationId xmlns:a16="http://schemas.microsoft.com/office/drawing/2014/main" xmlns="" id="{412F04D8-6CC3-4827-B745-79F2E3CC3C30}"/>
+                <a16:creationId xmlns="" xmlns:a16="http://schemas.microsoft.com/office/drawing/2014/main" id="{412F04D8-6CC3-4827-B745-79F2E3CC3C30}"/>
               </a:ext>
             </a:extLst>
           </p:cNvPr>
@@ -7997,7 +8004,7 @@
           <p:cNvPr id="7170" name="Picture 2">
             <a:extLst>
               <a:ext uri="{FF2B5EF4-FFF2-40B4-BE49-F238E27FC236}">
-                <a16:creationId xmlns:a16="http://schemas.microsoft.com/office/drawing/2014/main" xmlns="" id="{0243AD2B-C0F9-48D4-9038-E02C0752A1D4}"/>
+                <a16:creationId xmlns="" xmlns:a16="http://schemas.microsoft.com/office/drawing/2014/main" id="{0243AD2B-C0F9-48D4-9038-E02C0752A1D4}"/>
               </a:ext>
             </a:extLst>
           </p:cNvPr>
@@ -8074,7 +8081,7 @@
           <p:cNvPr id="2" name="內容版面配置區 1">
             <a:extLst>
               <a:ext uri="{FF2B5EF4-FFF2-40B4-BE49-F238E27FC236}">
-                <a16:creationId xmlns:a16="http://schemas.microsoft.com/office/drawing/2014/main" xmlns="" id="{3B898564-1A5E-4191-A218-E51AEDAA6C22}"/>
+                <a16:creationId xmlns="" xmlns:a16="http://schemas.microsoft.com/office/drawing/2014/main" id="{3B898564-1A5E-4191-A218-E51AEDAA6C22}"/>
               </a:ext>
             </a:extLst>
           </p:cNvPr>
@@ -8103,7 +8110,7 @@
           <p:cNvPr id="3" name="投影片編號版面配置區 2">
             <a:extLst>
               <a:ext uri="{FF2B5EF4-FFF2-40B4-BE49-F238E27FC236}">
-                <a16:creationId xmlns:a16="http://schemas.microsoft.com/office/drawing/2014/main" xmlns="" id="{67D27AD7-ECE5-4349-B0A6-80BCB13227F3}"/>
+                <a16:creationId xmlns="" xmlns:a16="http://schemas.microsoft.com/office/drawing/2014/main" id="{67D27AD7-ECE5-4349-B0A6-80BCB13227F3}"/>
               </a:ext>
             </a:extLst>
           </p:cNvPr>
@@ -8133,7 +8140,7 @@
           <p:cNvPr id="4" name="標題 3">
             <a:extLst>
               <a:ext uri="{FF2B5EF4-FFF2-40B4-BE49-F238E27FC236}">
-                <a16:creationId xmlns:a16="http://schemas.microsoft.com/office/drawing/2014/main" xmlns="" id="{63E0536D-5E42-471A-BFFF-05B45FBFFDDE}"/>
+                <a16:creationId xmlns="" xmlns:a16="http://schemas.microsoft.com/office/drawing/2014/main" id="{63E0536D-5E42-471A-BFFF-05B45FBFFDDE}"/>
               </a:ext>
             </a:extLst>
           </p:cNvPr>
@@ -8170,7 +8177,7 @@
           <p:cNvPr id="8196" name="Picture 4">
             <a:extLst>
               <a:ext uri="{FF2B5EF4-FFF2-40B4-BE49-F238E27FC236}">
-                <a16:creationId xmlns:a16="http://schemas.microsoft.com/office/drawing/2014/main" xmlns="" id="{B70F8EBC-E86E-4B5F-971C-ED477AA55C74}"/>
+                <a16:creationId xmlns="" xmlns:a16="http://schemas.microsoft.com/office/drawing/2014/main" id="{B70F8EBC-E86E-4B5F-971C-ED477AA55C74}"/>
               </a:ext>
             </a:extLst>
           </p:cNvPr>
@@ -8245,7 +8252,7 @@
           <p:cNvPr id="2" name="內容版面配置區 1">
             <a:extLst>
               <a:ext uri="{FF2B5EF4-FFF2-40B4-BE49-F238E27FC236}">
-                <a16:creationId xmlns:a16="http://schemas.microsoft.com/office/drawing/2014/main" xmlns="" id="{C097A585-27F3-44F2-B87C-DA48C741B23D}"/>
+                <a16:creationId xmlns="" xmlns:a16="http://schemas.microsoft.com/office/drawing/2014/main" id="{C097A585-27F3-44F2-B87C-DA48C741B23D}"/>
               </a:ext>
             </a:extLst>
           </p:cNvPr>
@@ -8399,7 +8406,7 @@
           <p:cNvPr id="3" name="投影片編號版面配置區 2">
             <a:extLst>
               <a:ext uri="{FF2B5EF4-FFF2-40B4-BE49-F238E27FC236}">
-                <a16:creationId xmlns:a16="http://schemas.microsoft.com/office/drawing/2014/main" xmlns="" id="{5055D2BF-36C3-43B5-BFF8-E1B381260BD1}"/>
+                <a16:creationId xmlns="" xmlns:a16="http://schemas.microsoft.com/office/drawing/2014/main" id="{5055D2BF-36C3-43B5-BFF8-E1B381260BD1}"/>
               </a:ext>
             </a:extLst>
           </p:cNvPr>
@@ -8429,7 +8436,7 @@
           <p:cNvPr id="4" name="標題 3">
             <a:extLst>
               <a:ext uri="{FF2B5EF4-FFF2-40B4-BE49-F238E27FC236}">
-                <a16:creationId xmlns:a16="http://schemas.microsoft.com/office/drawing/2014/main" xmlns="" id="{DA53E060-A7D8-4EC4-B558-CD18BD34DD45}"/>
+                <a16:creationId xmlns="" xmlns:a16="http://schemas.microsoft.com/office/drawing/2014/main" id="{DA53E060-A7D8-4EC4-B558-CD18BD34DD45}"/>
               </a:ext>
             </a:extLst>
           </p:cNvPr>
@@ -8458,7 +8465,7 @@
           <p:cNvPr id="5" name="圖片 4">
             <a:extLst>
               <a:ext uri="{FF2B5EF4-FFF2-40B4-BE49-F238E27FC236}">
-                <a16:creationId xmlns:a16="http://schemas.microsoft.com/office/drawing/2014/main" xmlns="" id="{8C6BDE8B-8BE4-4B6A-9A22-711B063FD0D6}"/>
+                <a16:creationId xmlns="" xmlns:a16="http://schemas.microsoft.com/office/drawing/2014/main" id="{8C6BDE8B-8BE4-4B6A-9A22-711B063FD0D6}"/>
               </a:ext>
             </a:extLst>
           </p:cNvPr>
@@ -8493,6 +8500,13 @@
   <p:clrMapOvr>
     <a:masterClrMapping/>
   </p:clrMapOvr>
+  <p:timing>
+    <p:tnLst>
+      <p:par>
+        <p:cTn id="1" dur="indefinite" restart="never" nodeType="tmRoot"/>
+      </p:par>
+    </p:tnLst>
+  </p:timing>
 </p:sld>
 </file>
 
@@ -8518,7 +8532,7 @@
           <p:cNvPr id="2" name="內容版面配置區 1">
             <a:extLst>
               <a:ext uri="{FF2B5EF4-FFF2-40B4-BE49-F238E27FC236}">
-                <a16:creationId xmlns:a16="http://schemas.microsoft.com/office/drawing/2014/main" xmlns="" id="{20A0D4FA-65B1-460D-8CF3-2768464970F9}"/>
+                <a16:creationId xmlns="" xmlns:a16="http://schemas.microsoft.com/office/drawing/2014/main" id="{20A0D4FA-65B1-460D-8CF3-2768464970F9}"/>
               </a:ext>
             </a:extLst>
           </p:cNvPr>
@@ -8596,7 +8610,7 @@
           <p:cNvPr id="3" name="投影片編號版面配置區 2">
             <a:extLst>
               <a:ext uri="{FF2B5EF4-FFF2-40B4-BE49-F238E27FC236}">
-                <a16:creationId xmlns:a16="http://schemas.microsoft.com/office/drawing/2014/main" xmlns="" id="{32D1325A-78A4-4FC1-B02D-A3227405F544}"/>
+                <a16:creationId xmlns="" xmlns:a16="http://schemas.microsoft.com/office/drawing/2014/main" id="{32D1325A-78A4-4FC1-B02D-A3227405F544}"/>
               </a:ext>
             </a:extLst>
           </p:cNvPr>
@@ -8626,7 +8640,7 @@
           <p:cNvPr id="4" name="標題 3">
             <a:extLst>
               <a:ext uri="{FF2B5EF4-FFF2-40B4-BE49-F238E27FC236}">
-                <a16:creationId xmlns:a16="http://schemas.microsoft.com/office/drawing/2014/main" xmlns="" id="{99298D6B-1F5D-4CB6-94F8-68D10DA7CF4E}"/>
+                <a16:creationId xmlns="" xmlns:a16="http://schemas.microsoft.com/office/drawing/2014/main" id="{99298D6B-1F5D-4CB6-94F8-68D10DA7CF4E}"/>
               </a:ext>
             </a:extLst>
           </p:cNvPr>
@@ -8663,7 +8677,7 @@
           <p:cNvPr id="6" name="圖片 5">
             <a:extLst>
               <a:ext uri="{FF2B5EF4-FFF2-40B4-BE49-F238E27FC236}">
-                <a16:creationId xmlns:a16="http://schemas.microsoft.com/office/drawing/2014/main" xmlns="" id="{79552B0F-FB12-4772-AF59-4BEFBB890EB2}"/>
+                <a16:creationId xmlns="" xmlns:a16="http://schemas.microsoft.com/office/drawing/2014/main" id="{79552B0F-FB12-4772-AF59-4BEFBB890EB2}"/>
               </a:ext>
             </a:extLst>
           </p:cNvPr>
@@ -8729,7 +8743,7 @@
           <p:cNvPr id="2" name="內容版面配置區 1">
             <a:extLst>
               <a:ext uri="{FF2B5EF4-FFF2-40B4-BE49-F238E27FC236}">
-                <a16:creationId xmlns:a16="http://schemas.microsoft.com/office/drawing/2014/main" xmlns="" id="{DB53C3ED-6891-4BDE-8C62-41D6F312A32E}"/>
+                <a16:creationId xmlns="" xmlns:a16="http://schemas.microsoft.com/office/drawing/2014/main" id="{DB53C3ED-6891-4BDE-8C62-41D6F312A32E}"/>
               </a:ext>
             </a:extLst>
           </p:cNvPr>
@@ -8796,7 +8810,7 @@
           <p:cNvPr id="3" name="投影片編號版面配置區 2">
             <a:extLst>
               <a:ext uri="{FF2B5EF4-FFF2-40B4-BE49-F238E27FC236}">
-                <a16:creationId xmlns:a16="http://schemas.microsoft.com/office/drawing/2014/main" xmlns="" id="{12BAB69D-BEAA-47B0-B3E3-4ED2E482FC5F}"/>
+                <a16:creationId xmlns="" xmlns:a16="http://schemas.microsoft.com/office/drawing/2014/main" id="{12BAB69D-BEAA-47B0-B3E3-4ED2E482FC5F}"/>
               </a:ext>
             </a:extLst>
           </p:cNvPr>
@@ -8826,7 +8840,7 @@
           <p:cNvPr id="4" name="標題 3">
             <a:extLst>
               <a:ext uri="{FF2B5EF4-FFF2-40B4-BE49-F238E27FC236}">
-                <a16:creationId xmlns:a16="http://schemas.microsoft.com/office/drawing/2014/main" xmlns="" id="{9DF79776-E22B-477F-8F05-65362E1DB6C1}"/>
+                <a16:creationId xmlns="" xmlns:a16="http://schemas.microsoft.com/office/drawing/2014/main" id="{9DF79776-E22B-477F-8F05-65362E1DB6C1}"/>
               </a:ext>
             </a:extLst>
           </p:cNvPr>
@@ -8893,7 +8907,7 @@
           <p:cNvPr id="2" name="內容版面配置區 1">
             <a:extLst>
               <a:ext uri="{FF2B5EF4-FFF2-40B4-BE49-F238E27FC236}">
-                <a16:creationId xmlns:a16="http://schemas.microsoft.com/office/drawing/2014/main" xmlns="" id="{B7B5687A-EA10-4F83-BF9B-20767EF74BAA}"/>
+                <a16:creationId xmlns="" xmlns:a16="http://schemas.microsoft.com/office/drawing/2014/main" id="{B7B5687A-EA10-4F83-BF9B-20767EF74BAA}"/>
               </a:ext>
             </a:extLst>
           </p:cNvPr>
@@ -8936,7 +8950,7 @@
           <p:cNvPr id="3" name="投影片編號版面配置區 2">
             <a:extLst>
               <a:ext uri="{FF2B5EF4-FFF2-40B4-BE49-F238E27FC236}">
-                <a16:creationId xmlns:a16="http://schemas.microsoft.com/office/drawing/2014/main" xmlns="" id="{4A658E91-C92A-4633-AC41-3BBF0C0D93A1}"/>
+                <a16:creationId xmlns="" xmlns:a16="http://schemas.microsoft.com/office/drawing/2014/main" id="{4A658E91-C92A-4633-AC41-3BBF0C0D93A1}"/>
               </a:ext>
             </a:extLst>
           </p:cNvPr>
@@ -8966,7 +8980,7 @@
           <p:cNvPr id="4" name="標題 3">
             <a:extLst>
               <a:ext uri="{FF2B5EF4-FFF2-40B4-BE49-F238E27FC236}">
-                <a16:creationId xmlns:a16="http://schemas.microsoft.com/office/drawing/2014/main" xmlns="" id="{8EDD900F-0511-439E-8EBE-8B3AF70C8565}"/>
+                <a16:creationId xmlns="" xmlns:a16="http://schemas.microsoft.com/office/drawing/2014/main" id="{8EDD900F-0511-439E-8EBE-8B3AF70C8565}"/>
               </a:ext>
             </a:extLst>
           </p:cNvPr>
@@ -9003,7 +9017,7 @@
           <p:cNvPr id="6" name="矩形 5">
             <a:extLst>
               <a:ext uri="{FF2B5EF4-FFF2-40B4-BE49-F238E27FC236}">
-                <a16:creationId xmlns:a16="http://schemas.microsoft.com/office/drawing/2014/main" xmlns="" id="{412F04D8-6CC3-4827-B745-79F2E3CC3C30}"/>
+                <a16:creationId xmlns="" xmlns:a16="http://schemas.microsoft.com/office/drawing/2014/main" id="{412F04D8-6CC3-4827-B745-79F2E3CC3C30}"/>
               </a:ext>
             </a:extLst>
           </p:cNvPr>
@@ -9077,7 +9091,7 @@
           <p:cNvPr id="11266" name="Picture 2">
             <a:extLst>
               <a:ext uri="{FF2B5EF4-FFF2-40B4-BE49-F238E27FC236}">
-                <a16:creationId xmlns:a16="http://schemas.microsoft.com/office/drawing/2014/main" xmlns="" id="{05780335-F9B7-4C82-996E-A68990C96067}"/>
+                <a16:creationId xmlns="" xmlns:a16="http://schemas.microsoft.com/office/drawing/2014/main" id="{05780335-F9B7-4C82-996E-A68990C96067}"/>
               </a:ext>
             </a:extLst>
           </p:cNvPr>
@@ -9124,7 +9138,7 @@
           <p:cNvPr id="11268" name="Picture 4">
             <a:extLst>
               <a:ext uri="{FF2B5EF4-FFF2-40B4-BE49-F238E27FC236}">
-                <a16:creationId xmlns:a16="http://schemas.microsoft.com/office/drawing/2014/main" xmlns="" id="{05758BD9-CB83-4BAC-A5B7-859B9999EB2E}"/>
+                <a16:creationId xmlns="" xmlns:a16="http://schemas.microsoft.com/office/drawing/2014/main" id="{05758BD9-CB83-4BAC-A5B7-859B9999EB2E}"/>
               </a:ext>
             </a:extLst>
           </p:cNvPr>
@@ -9201,7 +9215,7 @@
           <p:cNvPr id="2" name="內容版面配置區 1">
             <a:extLst>
               <a:ext uri="{FF2B5EF4-FFF2-40B4-BE49-F238E27FC236}">
-                <a16:creationId xmlns:a16="http://schemas.microsoft.com/office/drawing/2014/main" xmlns="" id="{B7B5687A-EA10-4F83-BF9B-20767EF74BAA}"/>
+                <a16:creationId xmlns="" xmlns:a16="http://schemas.microsoft.com/office/drawing/2014/main" id="{B7B5687A-EA10-4F83-BF9B-20767EF74BAA}"/>
               </a:ext>
             </a:extLst>
           </p:cNvPr>
@@ -9240,7 +9254,7 @@
           <p:cNvPr id="3" name="投影片編號版面配置區 2">
             <a:extLst>
               <a:ext uri="{FF2B5EF4-FFF2-40B4-BE49-F238E27FC236}">
-                <a16:creationId xmlns:a16="http://schemas.microsoft.com/office/drawing/2014/main" xmlns="" id="{4A658E91-C92A-4633-AC41-3BBF0C0D93A1}"/>
+                <a16:creationId xmlns="" xmlns:a16="http://schemas.microsoft.com/office/drawing/2014/main" id="{4A658E91-C92A-4633-AC41-3BBF0C0D93A1}"/>
               </a:ext>
             </a:extLst>
           </p:cNvPr>
@@ -9270,7 +9284,7 @@
           <p:cNvPr id="4" name="標題 3">
             <a:extLst>
               <a:ext uri="{FF2B5EF4-FFF2-40B4-BE49-F238E27FC236}">
-                <a16:creationId xmlns:a16="http://schemas.microsoft.com/office/drawing/2014/main" xmlns="" id="{8EDD900F-0511-439E-8EBE-8B3AF70C8565}"/>
+                <a16:creationId xmlns="" xmlns:a16="http://schemas.microsoft.com/office/drawing/2014/main" id="{8EDD900F-0511-439E-8EBE-8B3AF70C8565}"/>
               </a:ext>
             </a:extLst>
           </p:cNvPr>
@@ -9307,7 +9321,7 @@
           <p:cNvPr id="12290" name="Picture 2">
             <a:extLst>
               <a:ext uri="{FF2B5EF4-FFF2-40B4-BE49-F238E27FC236}">
-                <a16:creationId xmlns:a16="http://schemas.microsoft.com/office/drawing/2014/main" xmlns="" id="{4A0597D7-BE4F-4C78-8B7F-41AEFAF31DD8}"/>
+                <a16:creationId xmlns="" xmlns:a16="http://schemas.microsoft.com/office/drawing/2014/main" id="{4A0597D7-BE4F-4C78-8B7F-41AEFAF31DD8}"/>
               </a:ext>
             </a:extLst>
           </p:cNvPr>
@@ -9516,7 +9530,7 @@
           <p:cNvPr id="3" name="投影片編號版面配置區 2">
             <a:extLst>
               <a:ext uri="{FF2B5EF4-FFF2-40B4-BE49-F238E27FC236}">
-                <a16:creationId xmlns:a16="http://schemas.microsoft.com/office/drawing/2014/main" xmlns="" id="{62169F3F-DF2C-4777-9A52-9A6F7B43F9DA}"/>
+                <a16:creationId xmlns="" xmlns:a16="http://schemas.microsoft.com/office/drawing/2014/main" id="{62169F3F-DF2C-4777-9A52-9A6F7B43F9DA}"/>
               </a:ext>
             </a:extLst>
           </p:cNvPr>
@@ -9546,7 +9560,7 @@
           <p:cNvPr id="4" name="標題 3">
             <a:extLst>
               <a:ext uri="{FF2B5EF4-FFF2-40B4-BE49-F238E27FC236}">
-                <a16:creationId xmlns:a16="http://schemas.microsoft.com/office/drawing/2014/main" xmlns="" id="{58845DEA-5A56-4269-9D99-ECE642113B70}"/>
+                <a16:creationId xmlns="" xmlns:a16="http://schemas.microsoft.com/office/drawing/2014/main" id="{58845DEA-5A56-4269-9D99-ECE642113B70}"/>
               </a:ext>
             </a:extLst>
           </p:cNvPr>
@@ -9571,7 +9585,7 @@
           <p:cNvPr id="1026" name="Picture 2">
             <a:extLst>
               <a:ext uri="{FF2B5EF4-FFF2-40B4-BE49-F238E27FC236}">
-                <a16:creationId xmlns:a16="http://schemas.microsoft.com/office/drawing/2014/main" xmlns="" id="{D55E11AA-FAB4-4833-97A8-ADA3928073A1}"/>
+                <a16:creationId xmlns="" xmlns:a16="http://schemas.microsoft.com/office/drawing/2014/main" id="{D55E11AA-FAB4-4833-97A8-ADA3928073A1}"/>
               </a:ext>
             </a:extLst>
           </p:cNvPr>
@@ -9618,7 +9632,7 @@
           <p:cNvPr id="1028" name="Picture 4">
             <a:extLst>
               <a:ext uri="{FF2B5EF4-FFF2-40B4-BE49-F238E27FC236}">
-                <a16:creationId xmlns:a16="http://schemas.microsoft.com/office/drawing/2014/main" xmlns="" id="{A32950ED-25FE-44A5-AA7D-E40A73AB39AD}"/>
+                <a16:creationId xmlns="" xmlns:a16="http://schemas.microsoft.com/office/drawing/2014/main" id="{A32950ED-25FE-44A5-AA7D-E40A73AB39AD}"/>
               </a:ext>
             </a:extLst>
           </p:cNvPr>
@@ -9665,7 +9679,7 @@
           <p:cNvPr id="1030" name="Picture 6">
             <a:extLst>
               <a:ext uri="{FF2B5EF4-FFF2-40B4-BE49-F238E27FC236}">
-                <a16:creationId xmlns:a16="http://schemas.microsoft.com/office/drawing/2014/main" xmlns="" id="{94162750-2943-4B36-9978-8267CA139C3F}"/>
+                <a16:creationId xmlns="" xmlns:a16="http://schemas.microsoft.com/office/drawing/2014/main" id="{94162750-2943-4B36-9978-8267CA139C3F}"/>
               </a:ext>
             </a:extLst>
           </p:cNvPr>
@@ -9712,7 +9726,7 @@
           <p:cNvPr id="1032" name="Picture 8">
             <a:extLst>
               <a:ext uri="{FF2B5EF4-FFF2-40B4-BE49-F238E27FC236}">
-                <a16:creationId xmlns:a16="http://schemas.microsoft.com/office/drawing/2014/main" xmlns="" id="{151D7CEC-ADFE-4BA9-8B26-4B35D4547C24}"/>
+                <a16:creationId xmlns="" xmlns:a16="http://schemas.microsoft.com/office/drawing/2014/main" id="{151D7CEC-ADFE-4BA9-8B26-4B35D4547C24}"/>
               </a:ext>
             </a:extLst>
           </p:cNvPr>
@@ -9764,6 +9778,13 @@
   <p:clrMapOvr>
     <a:masterClrMapping/>
   </p:clrMapOvr>
+  <p:timing>
+    <p:tnLst>
+      <p:par>
+        <p:cTn id="1" dur="indefinite" restart="never" nodeType="tmRoot"/>
+      </p:par>
+    </p:tnLst>
+  </p:timing>
 </p:sld>
 </file>
 
@@ -9789,7 +9810,7 @@
           <p:cNvPr id="2" name="內容版面配置區 1">
             <a:extLst>
               <a:ext uri="{FF2B5EF4-FFF2-40B4-BE49-F238E27FC236}">
-                <a16:creationId xmlns:a16="http://schemas.microsoft.com/office/drawing/2014/main" xmlns="" id="{2DB5D070-8FD7-4FAA-A061-79004B5407D8}"/>
+                <a16:creationId xmlns="" xmlns:a16="http://schemas.microsoft.com/office/drawing/2014/main" id="{2DB5D070-8FD7-4FAA-A061-79004B5407D8}"/>
               </a:ext>
             </a:extLst>
           </p:cNvPr>
@@ -9883,7 +9904,7 @@
           <p:cNvPr id="3" name="投影片編號版面配置區 2">
             <a:extLst>
               <a:ext uri="{FF2B5EF4-FFF2-40B4-BE49-F238E27FC236}">
-                <a16:creationId xmlns:a16="http://schemas.microsoft.com/office/drawing/2014/main" xmlns="" id="{E5FD2DCA-8200-482D-91D2-7F83EE5AD0F6}"/>
+                <a16:creationId xmlns="" xmlns:a16="http://schemas.microsoft.com/office/drawing/2014/main" id="{E5FD2DCA-8200-482D-91D2-7F83EE5AD0F6}"/>
               </a:ext>
             </a:extLst>
           </p:cNvPr>
@@ -9913,7 +9934,7 @@
           <p:cNvPr id="4" name="標題 3">
             <a:extLst>
               <a:ext uri="{FF2B5EF4-FFF2-40B4-BE49-F238E27FC236}">
-                <a16:creationId xmlns:a16="http://schemas.microsoft.com/office/drawing/2014/main" xmlns="" id="{02BCA776-02A4-4EE0-B276-C538A53D64D5}"/>
+                <a16:creationId xmlns="" xmlns:a16="http://schemas.microsoft.com/office/drawing/2014/main" id="{02BCA776-02A4-4EE0-B276-C538A53D64D5}"/>
               </a:ext>
             </a:extLst>
           </p:cNvPr>
@@ -9942,7 +9963,7 @@
           <p:cNvPr id="5" name="圖片 4">
             <a:extLst>
               <a:ext uri="{FF2B5EF4-FFF2-40B4-BE49-F238E27FC236}">
-                <a16:creationId xmlns:a16="http://schemas.microsoft.com/office/drawing/2014/main" xmlns="" id="{AC434006-DA74-41A5-9010-F3D118578F6C}"/>
+                <a16:creationId xmlns="" xmlns:a16="http://schemas.microsoft.com/office/drawing/2014/main" id="{AC434006-DA74-41A5-9010-F3D118578F6C}"/>
               </a:ext>
             </a:extLst>
           </p:cNvPr>
@@ -9971,7 +9992,7 @@
           <p:cNvPr id="6" name="圖片 5">
             <a:extLst>
               <a:ext uri="{FF2B5EF4-FFF2-40B4-BE49-F238E27FC236}">
-                <a16:creationId xmlns:a16="http://schemas.microsoft.com/office/drawing/2014/main" xmlns="" id="{E69ED771-0D6C-47DD-B579-E9710AB9793A}"/>
+                <a16:creationId xmlns="" xmlns:a16="http://schemas.microsoft.com/office/drawing/2014/main" id="{E69ED771-0D6C-47DD-B579-E9710AB9793A}"/>
               </a:ext>
             </a:extLst>
           </p:cNvPr>
@@ -10000,7 +10021,7 @@
           <p:cNvPr id="7" name="圖片 6">
             <a:extLst>
               <a:ext uri="{FF2B5EF4-FFF2-40B4-BE49-F238E27FC236}">
-                <a16:creationId xmlns:a16="http://schemas.microsoft.com/office/drawing/2014/main" xmlns="" id="{788F07EB-BFE3-4AE0-A79A-7DB156AC8EBE}"/>
+                <a16:creationId xmlns="" xmlns:a16="http://schemas.microsoft.com/office/drawing/2014/main" id="{788F07EB-BFE3-4AE0-A79A-7DB156AC8EBE}"/>
               </a:ext>
             </a:extLst>
           </p:cNvPr>
@@ -10029,7 +10050,7 @@
           <p:cNvPr id="8" name="圖片 7">
             <a:extLst>
               <a:ext uri="{FF2B5EF4-FFF2-40B4-BE49-F238E27FC236}">
-                <a16:creationId xmlns:a16="http://schemas.microsoft.com/office/drawing/2014/main" xmlns="" id="{9A073F82-C912-4338-93B4-AEA94276A548}"/>
+                <a16:creationId xmlns="" xmlns:a16="http://schemas.microsoft.com/office/drawing/2014/main" id="{9A073F82-C912-4338-93B4-AEA94276A548}"/>
               </a:ext>
             </a:extLst>
           </p:cNvPr>
@@ -10063,6 +10084,13 @@
   <p:clrMapOvr>
     <a:masterClrMapping/>
   </p:clrMapOvr>
+  <p:timing>
+    <p:tnLst>
+      <p:par>
+        <p:cTn id="1" dur="indefinite" restart="never" nodeType="tmRoot"/>
+      </p:par>
+    </p:tnLst>
+  </p:timing>
 </p:sld>
 </file>
 
@@ -10088,7 +10116,7 @@
           <p:cNvPr id="3" name="投影片編號版面配置區 2">
             <a:extLst>
               <a:ext uri="{FF2B5EF4-FFF2-40B4-BE49-F238E27FC236}">
-                <a16:creationId xmlns:a16="http://schemas.microsoft.com/office/drawing/2014/main" xmlns="" id="{278FD496-4DF3-4C10-9C77-61F25C606A93}"/>
+                <a16:creationId xmlns="" xmlns:a16="http://schemas.microsoft.com/office/drawing/2014/main" id="{278FD496-4DF3-4C10-9C77-61F25C606A93}"/>
               </a:ext>
             </a:extLst>
           </p:cNvPr>
@@ -10118,7 +10146,7 @@
           <p:cNvPr id="4" name="標題 3">
             <a:extLst>
               <a:ext uri="{FF2B5EF4-FFF2-40B4-BE49-F238E27FC236}">
-                <a16:creationId xmlns:a16="http://schemas.microsoft.com/office/drawing/2014/main" xmlns="" id="{C8D46416-5CF6-49F2-8FFB-F1A64525BABF}"/>
+                <a16:creationId xmlns="" xmlns:a16="http://schemas.microsoft.com/office/drawing/2014/main" id="{C8D46416-5CF6-49F2-8FFB-F1A64525BABF}"/>
               </a:ext>
             </a:extLst>
           </p:cNvPr>
@@ -10146,7 +10174,7 @@
           <p:cNvPr id="2" name="圖片 1">
             <a:extLst>
               <a:ext uri="{FF2B5EF4-FFF2-40B4-BE49-F238E27FC236}">
-                <a16:creationId xmlns:a16="http://schemas.microsoft.com/office/drawing/2014/main" xmlns="" id="{61081E43-C80A-4973-97C1-684E5134F219}"/>
+                <a16:creationId xmlns="" xmlns:a16="http://schemas.microsoft.com/office/drawing/2014/main" id="{61081E43-C80A-4973-97C1-684E5134F219}"/>
               </a:ext>
             </a:extLst>
           </p:cNvPr>
@@ -10181,6 +10209,13 @@
   <p:clrMapOvr>
     <a:masterClrMapping/>
   </p:clrMapOvr>
+  <p:timing>
+    <p:tnLst>
+      <p:par>
+        <p:cTn id="1" dur="indefinite" restart="never" nodeType="tmRoot"/>
+      </p:par>
+    </p:tnLst>
+  </p:timing>
 </p:sld>
 </file>
 
@@ -10206,7 +10241,7 @@
           <p:cNvPr id="3" name="投影片編號版面配置區 2">
             <a:extLst>
               <a:ext uri="{FF2B5EF4-FFF2-40B4-BE49-F238E27FC236}">
-                <a16:creationId xmlns:a16="http://schemas.microsoft.com/office/drawing/2014/main" xmlns="" id="{278FD496-4DF3-4C10-9C77-61F25C606A93}"/>
+                <a16:creationId xmlns="" xmlns:a16="http://schemas.microsoft.com/office/drawing/2014/main" id="{278FD496-4DF3-4C10-9C77-61F25C606A93}"/>
               </a:ext>
             </a:extLst>
           </p:cNvPr>
@@ -10236,7 +10271,7 @@
           <p:cNvPr id="4" name="標題 3">
             <a:extLst>
               <a:ext uri="{FF2B5EF4-FFF2-40B4-BE49-F238E27FC236}">
-                <a16:creationId xmlns:a16="http://schemas.microsoft.com/office/drawing/2014/main" xmlns="" id="{C8D46416-5CF6-49F2-8FFB-F1A64525BABF}"/>
+                <a16:creationId xmlns="" xmlns:a16="http://schemas.microsoft.com/office/drawing/2014/main" id="{C8D46416-5CF6-49F2-8FFB-F1A64525BABF}"/>
               </a:ext>
             </a:extLst>
           </p:cNvPr>
@@ -10264,7 +10299,7 @@
           <p:cNvPr id="1026" name="Picture 2">
             <a:extLst>
               <a:ext uri="{FF2B5EF4-FFF2-40B4-BE49-F238E27FC236}">
-                <a16:creationId xmlns:a16="http://schemas.microsoft.com/office/drawing/2014/main" xmlns="" id="{8C773068-5191-4AFB-809D-1055BDAC78D9}"/>
+                <a16:creationId xmlns="" xmlns:a16="http://schemas.microsoft.com/office/drawing/2014/main" id="{8C773068-5191-4AFB-809D-1055BDAC78D9}"/>
               </a:ext>
             </a:extLst>
           </p:cNvPr>
@@ -10311,7 +10346,7 @@
           <p:cNvPr id="1028" name="Picture 4">
             <a:extLst>
               <a:ext uri="{FF2B5EF4-FFF2-40B4-BE49-F238E27FC236}">
-                <a16:creationId xmlns:a16="http://schemas.microsoft.com/office/drawing/2014/main" xmlns="" id="{00E07A0D-01FE-43F0-B03A-896B62BA495F}"/>
+                <a16:creationId xmlns="" xmlns:a16="http://schemas.microsoft.com/office/drawing/2014/main" id="{00E07A0D-01FE-43F0-B03A-896B62BA495F}"/>
               </a:ext>
             </a:extLst>
           </p:cNvPr>
@@ -10358,7 +10393,7 @@
           <p:cNvPr id="1030" name="Picture 6">
             <a:extLst>
               <a:ext uri="{FF2B5EF4-FFF2-40B4-BE49-F238E27FC236}">
-                <a16:creationId xmlns:a16="http://schemas.microsoft.com/office/drawing/2014/main" xmlns="" id="{4057FACB-5A52-44E6-AAB6-C47319C6A184}"/>
+                <a16:creationId xmlns="" xmlns:a16="http://schemas.microsoft.com/office/drawing/2014/main" id="{4057FACB-5A52-44E6-AAB6-C47319C6A184}"/>
               </a:ext>
             </a:extLst>
           </p:cNvPr>
@@ -10405,7 +10440,7 @@
           <p:cNvPr id="1032" name="Picture 8">
             <a:extLst>
               <a:ext uri="{FF2B5EF4-FFF2-40B4-BE49-F238E27FC236}">
-                <a16:creationId xmlns:a16="http://schemas.microsoft.com/office/drawing/2014/main" xmlns="" id="{A5F58FFC-9E43-4C81-A803-24252A1E07E0}"/>
+                <a16:creationId xmlns="" xmlns:a16="http://schemas.microsoft.com/office/drawing/2014/main" id="{A5F58FFC-9E43-4C81-A803-24252A1E07E0}"/>
               </a:ext>
             </a:extLst>
           </p:cNvPr>
@@ -10452,7 +10487,7 @@
           <p:cNvPr id="1034" name="Picture 10">
             <a:extLst>
               <a:ext uri="{FF2B5EF4-FFF2-40B4-BE49-F238E27FC236}">
-                <a16:creationId xmlns:a16="http://schemas.microsoft.com/office/drawing/2014/main" xmlns="" id="{47749B64-213A-4E9B-84BC-526B19DB1A1A}"/>
+                <a16:creationId xmlns="" xmlns:a16="http://schemas.microsoft.com/office/drawing/2014/main" id="{47749B64-213A-4E9B-84BC-526B19DB1A1A}"/>
               </a:ext>
             </a:extLst>
           </p:cNvPr>
@@ -10504,6 +10539,13 @@
   <p:clrMapOvr>
     <a:masterClrMapping/>
   </p:clrMapOvr>
+  <p:timing>
+    <p:tnLst>
+      <p:par>
+        <p:cTn id="1" dur="indefinite" restart="never" nodeType="tmRoot"/>
+      </p:par>
+    </p:tnLst>
+  </p:timing>
 </p:sld>
 </file>
 
@@ -10529,7 +10571,7 @@
           <p:cNvPr id="3" name="投影片編號版面配置區 2">
             <a:extLst>
               <a:ext uri="{FF2B5EF4-FFF2-40B4-BE49-F238E27FC236}">
-                <a16:creationId xmlns:a16="http://schemas.microsoft.com/office/drawing/2014/main" xmlns="" id="{FB9DB402-BE56-4069-8778-9685822DCFA8}"/>
+                <a16:creationId xmlns="" xmlns:a16="http://schemas.microsoft.com/office/drawing/2014/main" id="{FB9DB402-BE56-4069-8778-9685822DCFA8}"/>
               </a:ext>
             </a:extLst>
           </p:cNvPr>
@@ -10559,7 +10601,7 @@
           <p:cNvPr id="4" name="標題 3">
             <a:extLst>
               <a:ext uri="{FF2B5EF4-FFF2-40B4-BE49-F238E27FC236}">
-                <a16:creationId xmlns:a16="http://schemas.microsoft.com/office/drawing/2014/main" xmlns="" id="{D1AB5A42-7131-48B8-923F-7A12C7269138}"/>
+                <a16:creationId xmlns="" xmlns:a16="http://schemas.microsoft.com/office/drawing/2014/main" id="{D1AB5A42-7131-48B8-923F-7A12C7269138}"/>
               </a:ext>
             </a:extLst>
           </p:cNvPr>
@@ -10588,7 +10630,7 @@
           <p:cNvPr id="5" name="圖片 4">
             <a:extLst>
               <a:ext uri="{FF2B5EF4-FFF2-40B4-BE49-F238E27FC236}">
-                <a16:creationId xmlns:a16="http://schemas.microsoft.com/office/drawing/2014/main" xmlns="" id="{05A385C9-1602-4896-8F86-9259ADCE79C1}"/>
+                <a16:creationId xmlns="" xmlns:a16="http://schemas.microsoft.com/office/drawing/2014/main" id="{05A385C9-1602-4896-8F86-9259ADCE79C1}"/>
               </a:ext>
             </a:extLst>
           </p:cNvPr>
@@ -10618,7 +10660,7 @@
           <p:cNvPr id="2050" name="Picture 2">
             <a:extLst>
               <a:ext uri="{FF2B5EF4-FFF2-40B4-BE49-F238E27FC236}">
-                <a16:creationId xmlns:a16="http://schemas.microsoft.com/office/drawing/2014/main" xmlns="" id="{DD163C8F-3277-409B-A8CA-D0F4A662CEF1}"/>
+                <a16:creationId xmlns="" xmlns:a16="http://schemas.microsoft.com/office/drawing/2014/main" id="{DD163C8F-3277-409B-A8CA-D0F4A662CEF1}"/>
               </a:ext>
             </a:extLst>
           </p:cNvPr>
@@ -10668,6 +10710,13 @@
   <p:clrMapOvr>
     <a:masterClrMapping/>
   </p:clrMapOvr>
+  <p:timing>
+    <p:tnLst>
+      <p:par>
+        <p:cTn id="1" dur="indefinite" restart="never" nodeType="tmRoot"/>
+      </p:par>
+    </p:tnLst>
+  </p:timing>
 </p:sld>
 </file>
 
@@ -10693,7 +10742,7 @@
           <p:cNvPr id="2" name="內容版面配置區 1">
             <a:extLst>
               <a:ext uri="{FF2B5EF4-FFF2-40B4-BE49-F238E27FC236}">
-                <a16:creationId xmlns:a16="http://schemas.microsoft.com/office/drawing/2014/main" xmlns="" id="{DD1850DB-C8E9-4C25-B18D-3BC64B07B224}"/>
+                <a16:creationId xmlns="" xmlns:a16="http://schemas.microsoft.com/office/drawing/2014/main" id="{DD1850DB-C8E9-4C25-B18D-3BC64B07B224}"/>
               </a:ext>
             </a:extLst>
           </p:cNvPr>
@@ -10869,7 +10918,7 @@
           <p:cNvPr id="3" name="投影片編號版面配置區 2">
             <a:extLst>
               <a:ext uri="{FF2B5EF4-FFF2-40B4-BE49-F238E27FC236}">
-                <a16:creationId xmlns:a16="http://schemas.microsoft.com/office/drawing/2014/main" xmlns="" id="{B20274A0-D978-4320-A1D8-D26913FC3B36}"/>
+                <a16:creationId xmlns="" xmlns:a16="http://schemas.microsoft.com/office/drawing/2014/main" id="{B20274A0-D978-4320-A1D8-D26913FC3B36}"/>
               </a:ext>
             </a:extLst>
           </p:cNvPr>
@@ -10899,7 +10948,7 @@
           <p:cNvPr id="4" name="標題 3">
             <a:extLst>
               <a:ext uri="{FF2B5EF4-FFF2-40B4-BE49-F238E27FC236}">
-                <a16:creationId xmlns:a16="http://schemas.microsoft.com/office/drawing/2014/main" xmlns="" id="{509A37B4-9426-4710-BC90-75B4BE2BB2E9}"/>
+                <a16:creationId xmlns="" xmlns:a16="http://schemas.microsoft.com/office/drawing/2014/main" id="{509A37B4-9426-4710-BC90-75B4BE2BB2E9}"/>
               </a:ext>
             </a:extLst>
           </p:cNvPr>
@@ -10962,7 +11011,7 @@
           <p:cNvPr id="2" name="內容版面配置區 1">
             <a:extLst>
               <a:ext uri="{FF2B5EF4-FFF2-40B4-BE49-F238E27FC236}">
-                <a16:creationId xmlns:a16="http://schemas.microsoft.com/office/drawing/2014/main" xmlns="" id="{DD1850DB-C8E9-4C25-B18D-3BC64B07B224}"/>
+                <a16:creationId xmlns="" xmlns:a16="http://schemas.microsoft.com/office/drawing/2014/main" id="{DD1850DB-C8E9-4C25-B18D-3BC64B07B224}"/>
               </a:ext>
             </a:extLst>
           </p:cNvPr>
@@ -10995,17 +11044,35 @@
               <a:rPr lang="zh-TW" altLang="en-US" dirty="0"/>
               <a:t> </a:t>
             </a:r>
+            <a:endParaRPr lang="en-US" altLang="zh-TW" dirty="0" smtClean="0"/>
+          </a:p>
+          <a:p>
+            <a:pPr marL="809625" lvl="2" indent="0">
+              <a:buNone/>
+            </a:pPr>
+            <a:r>
+              <a:rPr lang="en-US" altLang="zh-TW" dirty="0" smtClean="0">
+                <a:hlinkClick r:id="rId2"/>
+              </a:rPr>
+              <a:t>https</a:t>
+            </a:r>
             <a:r>
               <a:rPr lang="en-US" altLang="zh-TW" dirty="0">
                 <a:hlinkClick r:id="rId2"/>
               </a:rPr>
-              <a:t>http://stanford.edu/class/ee103/visualizations/kmeans/kmeans.html</a:t>
-            </a:r>
-            <a:endParaRPr lang="en-US" altLang="zh-TW" dirty="0"/>
-          </a:p>
-          <a:p>
-            <a:r>
-              <a:rPr lang="en-US" altLang="zh-TW" dirty="0"/>
+              <a:t>://www.naftaliharris.com/blog/visualizing-k-means-clustering</a:t>
+            </a:r>
+            <a:r>
+              <a:rPr lang="en-US" altLang="zh-TW" dirty="0" smtClean="0">
+                <a:hlinkClick r:id="rId2"/>
+              </a:rPr>
+              <a:t>/</a:t>
+            </a:r>
+            <a:endParaRPr lang="en-US" altLang="zh-TW" dirty="0" smtClean="0"/>
+          </a:p>
+          <a:p>
+            <a:r>
+              <a:rPr lang="en-US" altLang="zh-TW" dirty="0" smtClean="0"/>
               <a:t>GIF:</a:t>
             </a:r>
           </a:p>
@@ -11019,7 +11086,7 @@
           <p:cNvPr id="3" name="投影片編號版面配置區 2">
             <a:extLst>
               <a:ext uri="{FF2B5EF4-FFF2-40B4-BE49-F238E27FC236}">
-                <a16:creationId xmlns:a16="http://schemas.microsoft.com/office/drawing/2014/main" xmlns="" id="{B20274A0-D978-4320-A1D8-D26913FC3B36}"/>
+                <a16:creationId xmlns="" xmlns:a16="http://schemas.microsoft.com/office/drawing/2014/main" id="{B20274A0-D978-4320-A1D8-D26913FC3B36}"/>
               </a:ext>
             </a:extLst>
           </p:cNvPr>
@@ -11049,7 +11116,7 @@
           <p:cNvPr id="4" name="標題 3">
             <a:extLst>
               <a:ext uri="{FF2B5EF4-FFF2-40B4-BE49-F238E27FC236}">
-                <a16:creationId xmlns:a16="http://schemas.microsoft.com/office/drawing/2014/main" xmlns="" id="{509A37B4-9426-4710-BC90-75B4BE2BB2E9}"/>
+                <a16:creationId xmlns="" xmlns:a16="http://schemas.microsoft.com/office/drawing/2014/main" id="{509A37B4-9426-4710-BC90-75B4BE2BB2E9}"/>
               </a:ext>
             </a:extLst>
           </p:cNvPr>
@@ -11082,7 +11149,7 @@
           <p:cNvPr id="6" name="圖片 5">
             <a:extLst>
               <a:ext uri="{FF2B5EF4-FFF2-40B4-BE49-F238E27FC236}">
-                <a16:creationId xmlns:a16="http://schemas.microsoft.com/office/drawing/2014/main" xmlns="" id="{EDFE4634-B4A5-43AF-AF7A-BBC21987C082}"/>
+                <a16:creationId xmlns="" xmlns:a16="http://schemas.microsoft.com/office/drawing/2014/main" id="{EDFE4634-B4A5-43AF-AF7A-BBC21987C082}"/>
               </a:ext>
             </a:extLst>
           </p:cNvPr>
@@ -11378,7 +11445,7 @@
   <a:extraClrSchemeLst/>
   <a:extLst>
     <a:ext uri="{05A4C25C-085E-4340-85A3-A5531E510DB2}">
-      <thm15:themeFamily xmlns:thm15="http://schemas.microsoft.com/office/thememl/2012/main" xmlns="" name="簡報1" id="{9F657D65-ACA1-4C9A-A249-42B91234B9AD}" vid="{DF6CEEC3-935B-462F-971D-61A2C59E3EC3}"/>
+      <thm15:themeFamily xmlns="" xmlns:thm15="http://schemas.microsoft.com/office/thememl/2012/main" name="簡報1" id="{9F657D65-ACA1-4C9A-A249-42B91234B9AD}" vid="{DF6CEEC3-935B-462F-971D-61A2C59E3EC3}"/>
     </a:ext>
   </a:extLst>
 </a:theme>
